--- a/Py B - unit 3a.pptx
+++ b/Py B - unit 3a.pptx
@@ -6,11 +6,14 @@
   </p:sldMasterIdLst>
   <p:sldIdLst>
     <p:sldId id="256" r:id="rId2"/>
-    <p:sldId id="285" r:id="rId3"/>
-    <p:sldId id="286" r:id="rId4"/>
-    <p:sldId id="287" r:id="rId5"/>
-    <p:sldId id="289" r:id="rId6"/>
-    <p:sldId id="288" r:id="rId7"/>
+    <p:sldId id="289" r:id="rId3"/>
+    <p:sldId id="297" r:id="rId4"/>
+    <p:sldId id="290" r:id="rId5"/>
+    <p:sldId id="298" r:id="rId6"/>
+    <p:sldId id="294" r:id="rId7"/>
+    <p:sldId id="299" r:id="rId8"/>
+    <p:sldId id="293" r:id="rId9"/>
+    <p:sldId id="300" r:id="rId10"/>
   </p:sldIdLst>
   <p:sldSz cx="12192000" cy="6858000"/>
   <p:notesSz cx="6858000" cy="9144000"/>
@@ -120,7 +123,7 @@
 <file path=ppt/revisionInfo.xml><?xml version="1.0" encoding="utf-8"?>
 <p1510:revInfo xmlns:a="http://schemas.openxmlformats.org/drawingml/2006/main" xmlns:r="http://schemas.openxmlformats.org/officeDocument/2006/relationships" xmlns:p1510="http://schemas.microsoft.com/office/powerpoint/2015/10/main">
   <p1510:revLst>
-    <p1510:client id="{B9869770-D63A-48A8-902B-B8466ACE9F25}" v="12" dt="2021-08-12T07:57:19.593"/>
+    <p1510:client id="{C944CA8C-D7FD-45E3-A950-E33B18ED6C4B}" v="1" dt="2021-10-05T13:28:43.727"/>
   </p1510:revLst>
 </p1510:revInfo>
 </file>
@@ -128,168 +131,9 @@
 <file path=ppt/changesInfos/changesInfo1.xml><?xml version="1.0" encoding="utf-8"?>
 <pc:chgInfo xmlns:a="http://schemas.openxmlformats.org/drawingml/2006/main" xmlns:r="http://schemas.openxmlformats.org/officeDocument/2006/relationships" xmlns:ac="http://schemas.microsoft.com/office/drawing/2013/main/command" xmlns:pc="http://schemas.microsoft.com/office/powerpoint/2013/main/command">
   <pc:docChgLst>
-    <pc:chgData name="Li Lixiang" userId="6104bbfcb56aea79" providerId="LiveId" clId="{F70298FD-2AD7-45D7-8088-58CB9EF43D13}"/>
-    <pc:docChg chg="custSel addSld delSld modSld">
-      <pc:chgData name="Li Lixiang" userId="6104bbfcb56aea79" providerId="LiveId" clId="{F70298FD-2AD7-45D7-8088-58CB9EF43D13}" dt="2021-05-31T09:36:09.176" v="622" actId="1076"/>
-      <pc:docMkLst>
-        <pc:docMk/>
-      </pc:docMkLst>
-      <pc:sldChg chg="modSp mod">
-        <pc:chgData name="Li Lixiang" userId="6104bbfcb56aea79" providerId="LiveId" clId="{F70298FD-2AD7-45D7-8088-58CB9EF43D13}" dt="2021-05-31T09:15:34.148" v="17" actId="6549"/>
-        <pc:sldMkLst>
-          <pc:docMk/>
-          <pc:sldMk cId="3650079851" sldId="256"/>
-        </pc:sldMkLst>
-        <pc:spChg chg="mod">
-          <ac:chgData name="Li Lixiang" userId="6104bbfcb56aea79" providerId="LiveId" clId="{F70298FD-2AD7-45D7-8088-58CB9EF43D13}" dt="2021-05-31T09:15:34.148" v="17" actId="6549"/>
-          <ac:spMkLst>
-            <pc:docMk/>
-            <pc:sldMk cId="3650079851" sldId="256"/>
-            <ac:spMk id="4" creationId="{8DE6899A-D842-4C9E-ADC1-B0C1377122EA}"/>
-          </ac:spMkLst>
-        </pc:spChg>
-      </pc:sldChg>
-      <pc:sldChg chg="addSp modSp mod">
-        <pc:chgData name="Li Lixiang" userId="6104bbfcb56aea79" providerId="LiveId" clId="{F70298FD-2AD7-45D7-8088-58CB9EF43D13}" dt="2021-05-31T09:27:54.694" v="431" actId="20577"/>
-        <pc:sldMkLst>
-          <pc:docMk/>
-          <pc:sldMk cId="3575300521" sldId="285"/>
-        </pc:sldMkLst>
-        <pc:spChg chg="mod">
-          <ac:chgData name="Li Lixiang" userId="6104bbfcb56aea79" providerId="LiveId" clId="{F70298FD-2AD7-45D7-8088-58CB9EF43D13}" dt="2021-05-31T09:15:46.123" v="35" actId="20577"/>
-          <ac:spMkLst>
-            <pc:docMk/>
-            <pc:sldMk cId="3575300521" sldId="285"/>
-            <ac:spMk id="2" creationId="{D947D2DF-FCBF-47C3-9EC9-872096C568C7}"/>
-          </ac:spMkLst>
-        </pc:spChg>
-        <pc:spChg chg="mod">
-          <ac:chgData name="Li Lixiang" userId="6104bbfcb56aea79" providerId="LiveId" clId="{F70298FD-2AD7-45D7-8088-58CB9EF43D13}" dt="2021-05-31T09:27:54.694" v="431" actId="20577"/>
-          <ac:spMkLst>
-            <pc:docMk/>
-            <pc:sldMk cId="3575300521" sldId="285"/>
-            <ac:spMk id="28" creationId="{39D71EE6-7BB9-465D-AA60-A5E6C460D83A}"/>
-          </ac:spMkLst>
-        </pc:spChg>
-        <pc:picChg chg="add mod">
-          <ac:chgData name="Li Lixiang" userId="6104bbfcb56aea79" providerId="LiveId" clId="{F70298FD-2AD7-45D7-8088-58CB9EF43D13}" dt="2021-05-31T09:27:14.269" v="423" actId="1076"/>
-          <ac:picMkLst>
-            <pc:docMk/>
-            <pc:sldMk cId="3575300521" sldId="285"/>
-            <ac:picMk id="4" creationId="{CBA96F0E-66EF-4C03-92BD-9F4C88643A77}"/>
-          </ac:picMkLst>
-        </pc:picChg>
-      </pc:sldChg>
-      <pc:sldChg chg="del">
-        <pc:chgData name="Li Lixiang" userId="6104bbfcb56aea79" providerId="LiveId" clId="{F70298FD-2AD7-45D7-8088-58CB9EF43D13}" dt="2021-05-31T09:27:25.409" v="424" actId="47"/>
-        <pc:sldMkLst>
-          <pc:docMk/>
-          <pc:sldMk cId="1893043477" sldId="286"/>
-        </pc:sldMkLst>
-      </pc:sldChg>
-      <pc:sldChg chg="addSp delSp modSp add mod">
-        <pc:chgData name="Li Lixiang" userId="6104bbfcb56aea79" providerId="LiveId" clId="{F70298FD-2AD7-45D7-8088-58CB9EF43D13}" dt="2021-05-31T09:36:09.176" v="622" actId="1076"/>
-        <pc:sldMkLst>
-          <pc:docMk/>
-          <pc:sldMk cId="3697431923" sldId="286"/>
-        </pc:sldMkLst>
-        <pc:spChg chg="mod">
-          <ac:chgData name="Li Lixiang" userId="6104bbfcb56aea79" providerId="LiveId" clId="{F70298FD-2AD7-45D7-8088-58CB9EF43D13}" dt="2021-05-31T09:30:39.355" v="611" actId="14100"/>
-          <ac:spMkLst>
-            <pc:docMk/>
-            <pc:sldMk cId="3697431923" sldId="286"/>
-            <ac:spMk id="28" creationId="{39D71EE6-7BB9-465D-AA60-A5E6C460D83A}"/>
-          </ac:spMkLst>
-        </pc:spChg>
-        <pc:picChg chg="del">
-          <ac:chgData name="Li Lixiang" userId="6104bbfcb56aea79" providerId="LiveId" clId="{F70298FD-2AD7-45D7-8088-58CB9EF43D13}" dt="2021-05-31T09:28:18.567" v="433" actId="478"/>
-          <ac:picMkLst>
-            <pc:docMk/>
-            <pc:sldMk cId="3697431923" sldId="286"/>
-            <ac:picMk id="4" creationId="{CBA96F0E-66EF-4C03-92BD-9F4C88643A77}"/>
-          </ac:picMkLst>
-        </pc:picChg>
-        <pc:picChg chg="add del mod">
-          <ac:chgData name="Li Lixiang" userId="6104bbfcb56aea79" providerId="LiveId" clId="{F70298FD-2AD7-45D7-8088-58CB9EF43D13}" dt="2021-05-31T09:33:19.756" v="614" actId="478"/>
-          <ac:picMkLst>
-            <pc:docMk/>
-            <pc:sldMk cId="3697431923" sldId="286"/>
-            <ac:picMk id="5" creationId="{009D0F03-7E58-4563-9E29-585C6C90A1A2}"/>
-          </ac:picMkLst>
-        </pc:picChg>
-        <pc:picChg chg="add mod">
-          <ac:chgData name="Li Lixiang" userId="6104bbfcb56aea79" providerId="LiveId" clId="{F70298FD-2AD7-45D7-8088-58CB9EF43D13}" dt="2021-05-31T09:34:35.535" v="617" actId="1076"/>
-          <ac:picMkLst>
-            <pc:docMk/>
-            <pc:sldMk cId="3697431923" sldId="286"/>
-            <ac:picMk id="7" creationId="{F4A33654-7407-409D-B3F9-2C7A99630B34}"/>
-          </ac:picMkLst>
-        </pc:picChg>
-        <pc:picChg chg="add del mod">
-          <ac:chgData name="Li Lixiang" userId="6104bbfcb56aea79" providerId="LiveId" clId="{F70298FD-2AD7-45D7-8088-58CB9EF43D13}" dt="2021-05-31T09:34:58.364" v="620" actId="478"/>
-          <ac:picMkLst>
-            <pc:docMk/>
-            <pc:sldMk cId="3697431923" sldId="286"/>
-            <ac:picMk id="9" creationId="{50215898-C093-4DC4-8D62-89F2AA57748B}"/>
-          </ac:picMkLst>
-        </pc:picChg>
-        <pc:picChg chg="add mod">
-          <ac:chgData name="Li Lixiang" userId="6104bbfcb56aea79" providerId="LiveId" clId="{F70298FD-2AD7-45D7-8088-58CB9EF43D13}" dt="2021-05-31T09:36:09.176" v="622" actId="1076"/>
-          <ac:picMkLst>
-            <pc:docMk/>
-            <pc:sldMk cId="3697431923" sldId="286"/>
-            <ac:picMk id="10" creationId="{55ACCF36-8E04-4DBB-BE49-9E6FB5883DB3}"/>
-          </ac:picMkLst>
-        </pc:picChg>
-      </pc:sldChg>
-      <pc:sldChg chg="del">
-        <pc:chgData name="Li Lixiang" userId="6104bbfcb56aea79" providerId="LiveId" clId="{F70298FD-2AD7-45D7-8088-58CB9EF43D13}" dt="2021-05-31T09:27:26.477" v="425" actId="47"/>
-        <pc:sldMkLst>
-          <pc:docMk/>
-          <pc:sldMk cId="1566997948" sldId="287"/>
-        </pc:sldMkLst>
-      </pc:sldChg>
-      <pc:sldChg chg="del">
-        <pc:chgData name="Li Lixiang" userId="6104bbfcb56aea79" providerId="LiveId" clId="{F70298FD-2AD7-45D7-8088-58CB9EF43D13}" dt="2021-05-31T09:27:27.420" v="426" actId="47"/>
-        <pc:sldMkLst>
-          <pc:docMk/>
-          <pc:sldMk cId="1052484605" sldId="288"/>
-        </pc:sldMkLst>
-      </pc:sldChg>
-      <pc:sldChg chg="del">
-        <pc:chgData name="Li Lixiang" userId="6104bbfcb56aea79" providerId="LiveId" clId="{F70298FD-2AD7-45D7-8088-58CB9EF43D13}" dt="2021-05-31T09:27:28.444" v="427" actId="47"/>
-        <pc:sldMkLst>
-          <pc:docMk/>
-          <pc:sldMk cId="2441130311" sldId="289"/>
-        </pc:sldMkLst>
-      </pc:sldChg>
-      <pc:sldChg chg="del">
-        <pc:chgData name="Li Lixiang" userId="6104bbfcb56aea79" providerId="LiveId" clId="{F70298FD-2AD7-45D7-8088-58CB9EF43D13}" dt="2021-05-31T09:27:29.558" v="428" actId="47"/>
-        <pc:sldMkLst>
-          <pc:docMk/>
-          <pc:sldMk cId="1241975191" sldId="290"/>
-        </pc:sldMkLst>
-      </pc:sldChg>
-      <pc:sldChg chg="del">
-        <pc:chgData name="Li Lixiang" userId="6104bbfcb56aea79" providerId="LiveId" clId="{F70298FD-2AD7-45D7-8088-58CB9EF43D13}" dt="2021-05-31T09:27:30.433" v="429" actId="47"/>
-        <pc:sldMkLst>
-          <pc:docMk/>
-          <pc:sldMk cId="926358613" sldId="291"/>
-        </pc:sldMkLst>
-      </pc:sldChg>
-      <pc:sldChg chg="del">
-        <pc:chgData name="Li Lixiang" userId="6104bbfcb56aea79" providerId="LiveId" clId="{F70298FD-2AD7-45D7-8088-58CB9EF43D13}" dt="2021-05-31T09:27:31.451" v="430" actId="47"/>
-        <pc:sldMkLst>
-          <pc:docMk/>
-          <pc:sldMk cId="2762807510" sldId="292"/>
-        </pc:sldMkLst>
-      </pc:sldChg>
-    </pc:docChg>
-  </pc:docChgLst>
-  <pc:docChgLst>
     <pc:chgData name="Li Lixiang" userId="6104bbfcb56aea79" providerId="LiveId" clId="{04C913BA-AFE4-4126-852F-044D0147B568}"/>
     <pc:docChg chg="delSld modSld">
-      <pc:chgData name="Li Lixiang" userId="6104bbfcb56aea79" providerId="LiveId" clId="{04C913BA-AFE4-4126-852F-044D0147B568}" dt="2021-05-31T09:03:26.023" v="32" actId="47"/>
+      <pc:chgData name="Li Lixiang" userId="6104bbfcb56aea79" providerId="LiveId" clId="{04C913BA-AFE4-4126-852F-044D0147B568}" dt="2021-06-25T15:05:26.208" v="40" actId="20577"/>
       <pc:docMkLst>
         <pc:docMk/>
       </pc:docMkLst>
@@ -455,238 +299,1022 @@
           <pc:sldMk cId="2287529749" sldId="284"/>
         </pc:sldMkLst>
       </pc:sldChg>
-    </pc:docChg>
-  </pc:docChgLst>
-  <pc:docChgLst>
-    <pc:chgData name="Li Lixiang" userId="6104bbfcb56aea79" providerId="LiveId" clId="{B9869770-D63A-48A8-902B-B8466ACE9F25}"/>
-    <pc:docChg chg="undo custSel addSld delSld modSld">
-      <pc:chgData name="Li Lixiang" userId="6104bbfcb56aea79" providerId="LiveId" clId="{B9869770-D63A-48A8-902B-B8466ACE9F25}" dt="2021-08-12T08:06:06.387" v="572" actId="1076"/>
-      <pc:docMkLst>
-        <pc:docMk/>
-      </pc:docMkLst>
-      <pc:sldChg chg="addSp delSp modSp new mod">
-        <pc:chgData name="Li Lixiang" userId="6104bbfcb56aea79" providerId="LiveId" clId="{B9869770-D63A-48A8-902B-B8466ACE9F25}" dt="2021-08-12T08:05:06.041" v="568" actId="1076"/>
+      <pc:sldChg chg="modSp mod">
+        <pc:chgData name="Li Lixiang" userId="6104bbfcb56aea79" providerId="LiveId" clId="{04C913BA-AFE4-4126-852F-044D0147B568}" dt="2021-06-25T15:05:26.208" v="40" actId="20577"/>
         <pc:sldMkLst>
           <pc:docMk/>
-          <pc:sldMk cId="138813403" sldId="288"/>
+          <pc:sldMk cId="2762807510" sldId="292"/>
         </pc:sldMkLst>
         <pc:spChg chg="mod">
-          <ac:chgData name="Li Lixiang" userId="6104bbfcb56aea79" providerId="LiveId" clId="{B9869770-D63A-48A8-902B-B8466ACE9F25}" dt="2021-08-12T07:51:51.553" v="18" actId="20577"/>
+          <ac:chgData name="Li Lixiang" userId="6104bbfcb56aea79" providerId="LiveId" clId="{04C913BA-AFE4-4126-852F-044D0147B568}" dt="2021-06-25T15:05:26.208" v="40" actId="20577"/>
           <ac:spMkLst>
             <pc:docMk/>
-            <pc:sldMk cId="138813403" sldId="288"/>
-            <ac:spMk id="2" creationId="{48E3133C-2D11-4AD1-B0B5-30549934DD31}"/>
-          </ac:spMkLst>
-        </pc:spChg>
-        <pc:spChg chg="add del mod">
-          <ac:chgData name="Li Lixiang" userId="6104bbfcb56aea79" providerId="LiveId" clId="{B9869770-D63A-48A8-902B-B8466ACE9F25}" dt="2021-08-12T07:57:14.019" v="315" actId="14100"/>
-          <ac:spMkLst>
-            <pc:docMk/>
-            <pc:sldMk cId="138813403" sldId="288"/>
-            <ac:spMk id="3" creationId="{17D0C3F3-5065-4C0B-9C49-527158490795}"/>
-          </ac:spMkLst>
-        </pc:spChg>
-        <pc:spChg chg="add del mod">
-          <ac:chgData name="Li Lixiang" userId="6104bbfcb56aea79" providerId="LiveId" clId="{B9869770-D63A-48A8-902B-B8466ACE9F25}" dt="2021-08-12T07:56:53.541" v="311" actId="478"/>
-          <ac:spMkLst>
-            <pc:docMk/>
-            <pc:sldMk cId="138813403" sldId="288"/>
-            <ac:spMk id="6" creationId="{88220F0E-E491-432A-BB7E-4122145D2DE2}"/>
-          </ac:spMkLst>
-        </pc:spChg>
-        <pc:spChg chg="add del mod">
-          <ac:chgData name="Li Lixiang" userId="6104bbfcb56aea79" providerId="LiveId" clId="{B9869770-D63A-48A8-902B-B8466ACE9F25}" dt="2021-08-12T07:56:51.341" v="310" actId="478"/>
-          <ac:spMkLst>
-            <pc:docMk/>
-            <pc:sldMk cId="138813403" sldId="288"/>
-            <ac:spMk id="7" creationId="{31FA97AA-272F-4A33-AB99-162408BFE507}"/>
-          </ac:spMkLst>
-        </pc:spChg>
-        <pc:spChg chg="add del mod">
-          <ac:chgData name="Li Lixiang" userId="6104bbfcb56aea79" providerId="LiveId" clId="{B9869770-D63A-48A8-902B-B8466ACE9F25}" dt="2021-08-12T07:55:42.502" v="296" actId="21"/>
-          <ac:spMkLst>
-            <pc:docMk/>
-            <pc:sldMk cId="138813403" sldId="288"/>
-            <ac:spMk id="8" creationId="{5C8AF123-B5C8-494E-AB8B-5327ECBE529B}"/>
-          </ac:spMkLst>
-        </pc:spChg>
-        <pc:picChg chg="add del mod">
-          <ac:chgData name="Li Lixiang" userId="6104bbfcb56aea79" providerId="LiveId" clId="{B9869770-D63A-48A8-902B-B8466ACE9F25}" dt="2021-08-12T08:05:00.488" v="564" actId="478"/>
-          <ac:picMkLst>
-            <pc:docMk/>
-            <pc:sldMk cId="138813403" sldId="288"/>
-            <ac:picMk id="5" creationId="{BD0CE8F1-939D-4B87-9ED9-55EFEB6461C7}"/>
-          </ac:picMkLst>
-        </pc:picChg>
-        <pc:picChg chg="add mod">
-          <ac:chgData name="Li Lixiang" userId="6104bbfcb56aea79" providerId="LiveId" clId="{B9869770-D63A-48A8-902B-B8466ACE9F25}" dt="2021-08-12T08:05:06.041" v="568" actId="1076"/>
-          <ac:picMkLst>
-            <pc:docMk/>
-            <pc:sldMk cId="138813403" sldId="288"/>
-            <ac:picMk id="6" creationId="{5E06AA65-3C39-469B-9A64-8C9D2DD6D5AE}"/>
-          </ac:picMkLst>
-        </pc:picChg>
-      </pc:sldChg>
-      <pc:sldChg chg="del">
-        <pc:chgData name="Li Lixiang" userId="6104bbfcb56aea79" providerId="LiveId" clId="{B9869770-D63A-48A8-902B-B8466ACE9F25}" dt="2021-08-12T07:36:47.666" v="0" actId="2696"/>
-        <pc:sldMkLst>
-          <pc:docMk/>
-          <pc:sldMk cId="1466285209" sldId="288"/>
-        </pc:sldMkLst>
-      </pc:sldChg>
-      <pc:sldChg chg="addSp delSp modSp add mod">
-        <pc:chgData name="Li Lixiang" userId="6104bbfcb56aea79" providerId="LiveId" clId="{B9869770-D63A-48A8-902B-B8466ACE9F25}" dt="2021-08-12T08:06:06.387" v="572" actId="1076"/>
-        <pc:sldMkLst>
-          <pc:docMk/>
-          <pc:sldMk cId="3838781653" sldId="289"/>
-        </pc:sldMkLst>
-        <pc:spChg chg="mod">
-          <ac:chgData name="Li Lixiang" userId="6104bbfcb56aea79" providerId="LiveId" clId="{B9869770-D63A-48A8-902B-B8466ACE9F25}" dt="2021-08-12T07:59:20.578" v="558" actId="20577"/>
-          <ac:spMkLst>
-            <pc:docMk/>
-            <pc:sldMk cId="3838781653" sldId="289"/>
+            <pc:sldMk cId="2762807510" sldId="292"/>
             <ac:spMk id="2" creationId="{D947D2DF-FCBF-47C3-9EC9-872096C568C7}"/>
           </ac:spMkLst>
         </pc:spChg>
-        <pc:spChg chg="mod">
-          <ac:chgData name="Li Lixiang" userId="6104bbfcb56aea79" providerId="LiveId" clId="{B9869770-D63A-48A8-902B-B8466ACE9F25}" dt="2021-08-12T07:58:30.894" v="520" actId="20577"/>
-          <ac:spMkLst>
-            <pc:docMk/>
-            <pc:sldMk cId="3838781653" sldId="289"/>
-            <ac:spMk id="28" creationId="{39D71EE6-7BB9-465D-AA60-A5E6C460D83A}"/>
-          </ac:spMkLst>
-        </pc:spChg>
-        <pc:picChg chg="add del mod">
-          <ac:chgData name="Li Lixiang" userId="6104bbfcb56aea79" providerId="LiveId" clId="{B9869770-D63A-48A8-902B-B8466ACE9F25}" dt="2021-08-12T08:06:01.407" v="569" actId="478"/>
-          <ac:picMkLst>
-            <pc:docMk/>
-            <pc:sldMk cId="3838781653" sldId="289"/>
-            <ac:picMk id="4" creationId="{9EC372EC-AC5C-48B5-801C-EEFCF524F461}"/>
-          </ac:picMkLst>
-        </pc:picChg>
-        <pc:picChg chg="add mod">
-          <ac:chgData name="Li Lixiang" userId="6104bbfcb56aea79" providerId="LiveId" clId="{B9869770-D63A-48A8-902B-B8466ACE9F25}" dt="2021-08-12T08:06:06.387" v="572" actId="1076"/>
-          <ac:picMkLst>
-            <pc:docMk/>
-            <pc:sldMk cId="3838781653" sldId="289"/>
-            <ac:picMk id="5" creationId="{23A6D3FD-0510-4045-BA2A-CA4A2485A7FB}"/>
-          </ac:picMkLst>
-        </pc:picChg>
       </pc:sldChg>
     </pc:docChg>
   </pc:docChgLst>
   <pc:docChgLst>
-    <pc:chgData name="Li Lixiang" userId="6104bbfcb56aea79" providerId="LiveId" clId="{8FDA4049-A4B3-4306-826F-C3083162CE01}"/>
-    <pc:docChg chg="custSel addSld delSld modSld">
-      <pc:chgData name="Li Lixiang" userId="6104bbfcb56aea79" providerId="LiveId" clId="{8FDA4049-A4B3-4306-826F-C3083162CE01}" dt="2021-07-02T12:17:05.686" v="756" actId="1076"/>
+    <pc:chgData name="Li Lixiang" userId="6104bbfcb56aea79" providerId="LiveId" clId="{195C821F-1926-4771-8AF3-DE34471BCA3B}"/>
+    <pc:docChg chg="custSel addSld modSld sldOrd">
+      <pc:chgData name="Li Lixiang" userId="6104bbfcb56aea79" providerId="LiveId" clId="{195C821F-1926-4771-8AF3-DE34471BCA3B}" dt="2021-04-21T11:57:25.193" v="2223" actId="20577"/>
       <pc:docMkLst>
         <pc:docMk/>
       </pc:docMkLst>
       <pc:sldChg chg="modSp mod">
-        <pc:chgData name="Li Lixiang" userId="6104bbfcb56aea79" providerId="LiveId" clId="{8FDA4049-A4B3-4306-826F-C3083162CE01}" dt="2021-06-28T11:55:49.711" v="7" actId="20577"/>
+        <pc:chgData name="Li Lixiang" userId="6104bbfcb56aea79" providerId="LiveId" clId="{195C821F-1926-4771-8AF3-DE34471BCA3B}" dt="2021-02-09T07:46:33.305" v="1313" actId="1076"/>
         <pc:sldMkLst>
           <pc:docMk/>
-          <pc:sldMk cId="3650079851" sldId="256"/>
+          <pc:sldMk cId="2854580649" sldId="257"/>
         </pc:sldMkLst>
-        <pc:spChg chg="mod">
-          <ac:chgData name="Li Lixiang" userId="6104bbfcb56aea79" providerId="LiveId" clId="{8FDA4049-A4B3-4306-826F-C3083162CE01}" dt="2021-06-28T11:55:49.711" v="7" actId="20577"/>
+        <pc:spChg chg="mod ord">
+          <ac:chgData name="Li Lixiang" userId="6104bbfcb56aea79" providerId="LiveId" clId="{195C821F-1926-4771-8AF3-DE34471BCA3B}" dt="2021-02-09T07:46:26.326" v="1311" actId="167"/>
           <ac:spMkLst>
             <pc:docMk/>
-            <pc:sldMk cId="3650079851" sldId="256"/>
-            <ac:spMk id="4" creationId="{8DE6899A-D842-4C9E-ADC1-B0C1377122EA}"/>
-          </ac:spMkLst>
-        </pc:spChg>
-      </pc:sldChg>
-      <pc:sldChg chg="delSp modSp add mod">
-        <pc:chgData name="Li Lixiang" userId="6104bbfcb56aea79" providerId="LiveId" clId="{8FDA4049-A4B3-4306-826F-C3083162CE01}" dt="2021-07-02T08:16:19.879" v="519" actId="20577"/>
-        <pc:sldMkLst>
-          <pc:docMk/>
-          <pc:sldMk cId="907979361" sldId="287"/>
-        </pc:sldMkLst>
-        <pc:spChg chg="mod">
-          <ac:chgData name="Li Lixiang" userId="6104bbfcb56aea79" providerId="LiveId" clId="{8FDA4049-A4B3-4306-826F-C3083162CE01}" dt="2021-06-28T12:17:27.913" v="317" actId="20577"/>
-          <ac:spMkLst>
-            <pc:docMk/>
-            <pc:sldMk cId="907979361" sldId="287"/>
-            <ac:spMk id="2" creationId="{D947D2DF-FCBF-47C3-9EC9-872096C568C7}"/>
+            <pc:sldMk cId="2854580649" sldId="257"/>
+            <ac:spMk id="3" creationId="{7060439F-2729-478E-B95F-230482B50AA1}"/>
           </ac:spMkLst>
         </pc:spChg>
         <pc:spChg chg="mod">
-          <ac:chgData name="Li Lixiang" userId="6104bbfcb56aea79" providerId="LiveId" clId="{8FDA4049-A4B3-4306-826F-C3083162CE01}" dt="2021-07-02T08:16:19.879" v="519" actId="20577"/>
+          <ac:chgData name="Li Lixiang" userId="6104bbfcb56aea79" providerId="LiveId" clId="{195C821F-1926-4771-8AF3-DE34471BCA3B}" dt="2021-02-09T07:46:33.305" v="1313" actId="1076"/>
           <ac:spMkLst>
             <pc:docMk/>
-            <pc:sldMk cId="907979361" sldId="287"/>
-            <ac:spMk id="28" creationId="{39D71EE6-7BB9-465D-AA60-A5E6C460D83A}"/>
+            <pc:sldMk cId="2854580649" sldId="257"/>
+            <ac:spMk id="5" creationId="{26928568-CB66-459F-99EA-7CB2555F4D7F}"/>
+          </ac:spMkLst>
+        </pc:spChg>
+        <pc:picChg chg="mod">
+          <ac:chgData name="Li Lixiang" userId="6104bbfcb56aea79" providerId="LiveId" clId="{195C821F-1926-4771-8AF3-DE34471BCA3B}" dt="2021-02-09T07:46:29.401" v="1312" actId="1076"/>
+          <ac:picMkLst>
+            <pc:docMk/>
+            <pc:sldMk cId="2854580649" sldId="257"/>
+            <ac:picMk id="6" creationId="{F83CCE3F-562B-45E2-AC5D-E13C127B03DA}"/>
+          </ac:picMkLst>
+        </pc:picChg>
+      </pc:sldChg>
+      <pc:sldChg chg="addSp delSp modSp mod">
+        <pc:chgData name="Li Lixiang" userId="6104bbfcb56aea79" providerId="LiveId" clId="{195C821F-1926-4771-8AF3-DE34471BCA3B}" dt="2021-04-03T11:16:58.436" v="1534" actId="478"/>
+        <pc:sldMkLst>
+          <pc:docMk/>
+          <pc:sldMk cId="3903523967" sldId="258"/>
+        </pc:sldMkLst>
+        <pc:spChg chg="mod">
+          <ac:chgData name="Li Lixiang" userId="6104bbfcb56aea79" providerId="LiveId" clId="{195C821F-1926-4771-8AF3-DE34471BCA3B}" dt="2021-01-19T02:34:16.254" v="16" actId="20577"/>
+          <ac:spMkLst>
+            <pc:docMk/>
+            <pc:sldMk cId="3903523967" sldId="258"/>
+            <ac:spMk id="3" creationId="{7060439F-2729-478E-B95F-230482B50AA1}"/>
+          </ac:spMkLst>
+        </pc:spChg>
+        <pc:spChg chg="del">
+          <ac:chgData name="Li Lixiang" userId="6104bbfcb56aea79" providerId="LiveId" clId="{195C821F-1926-4771-8AF3-DE34471BCA3B}" dt="2021-01-19T02:34:21.762" v="18" actId="478"/>
+          <ac:spMkLst>
+            <pc:docMk/>
+            <pc:sldMk cId="3903523967" sldId="258"/>
+            <ac:spMk id="6" creationId="{E4DBFA76-697A-4623-9E8D-2FFA324C5F1E}"/>
           </ac:spMkLst>
         </pc:spChg>
         <pc:picChg chg="del">
-          <ac:chgData name="Li Lixiang" userId="6104bbfcb56aea79" providerId="LiveId" clId="{8FDA4049-A4B3-4306-826F-C3083162CE01}" dt="2021-06-28T11:55:59.999" v="9" actId="478"/>
+          <ac:chgData name="Li Lixiang" userId="6104bbfcb56aea79" providerId="LiveId" clId="{195C821F-1926-4771-8AF3-DE34471BCA3B}" dt="2021-01-19T02:34:20.149" v="17" actId="478"/>
           <ac:picMkLst>
             <pc:docMk/>
-            <pc:sldMk cId="907979361" sldId="287"/>
-            <ac:picMk id="7" creationId="{F4A33654-7407-409D-B3F9-2C7A99630B34}"/>
+            <pc:sldMk cId="3903523967" sldId="258"/>
+            <ac:picMk id="7" creationId="{F528F419-646C-4121-9531-6A58ECF5D916}"/>
+          </ac:picMkLst>
+        </pc:picChg>
+        <pc:picChg chg="add mod">
+          <ac:chgData name="Li Lixiang" userId="6104bbfcb56aea79" providerId="LiveId" clId="{195C821F-1926-4771-8AF3-DE34471BCA3B}" dt="2021-01-19T02:34:25.884" v="19" actId="14100"/>
+          <ac:picMkLst>
+            <pc:docMk/>
+            <pc:sldMk cId="3903523967" sldId="258"/>
+            <ac:picMk id="1026" creationId="{52F45C9F-3865-41B0-ACE6-90BA792701EF}"/>
+          </ac:picMkLst>
+        </pc:picChg>
+        <pc:inkChg chg="add del">
+          <ac:chgData name="Li Lixiang" userId="6104bbfcb56aea79" providerId="LiveId" clId="{195C821F-1926-4771-8AF3-DE34471BCA3B}" dt="2021-02-13T09:48:02.624" v="1316" actId="478"/>
+          <ac:inkMkLst>
+            <pc:docMk/>
+            <pc:sldMk cId="3903523967" sldId="258"/>
+            <ac:inkMk id="4" creationId="{0DF619EA-1F5C-47D1-82C9-95A03EAD2679}"/>
+          </ac:inkMkLst>
+        </pc:inkChg>
+        <pc:inkChg chg="add del">
+          <ac:chgData name="Li Lixiang" userId="6104bbfcb56aea79" providerId="LiveId" clId="{195C821F-1926-4771-8AF3-DE34471BCA3B}" dt="2021-04-03T11:16:58.436" v="1534" actId="478"/>
+          <ac:inkMkLst>
+            <pc:docMk/>
+            <pc:sldMk cId="3903523967" sldId="258"/>
+            <ac:inkMk id="4" creationId="{6914EE9E-FEAC-45FF-8992-B82FF321FF50}"/>
+          </ac:inkMkLst>
+        </pc:inkChg>
+      </pc:sldChg>
+      <pc:sldChg chg="addSp delSp mod">
+        <pc:chgData name="Li Lixiang" userId="6104bbfcb56aea79" providerId="LiveId" clId="{195C821F-1926-4771-8AF3-DE34471BCA3B}" dt="2021-04-03T11:10:15.431" v="1532" actId="478"/>
+        <pc:sldMkLst>
+          <pc:docMk/>
+          <pc:sldMk cId="647322237" sldId="259"/>
+        </pc:sldMkLst>
+        <pc:inkChg chg="add del">
+          <ac:chgData name="Li Lixiang" userId="6104bbfcb56aea79" providerId="LiveId" clId="{195C821F-1926-4771-8AF3-DE34471BCA3B}" dt="2021-04-03T11:10:15.431" v="1532" actId="478"/>
+          <ac:inkMkLst>
+            <pc:docMk/>
+            <pc:sldMk cId="647322237" sldId="259"/>
+            <ac:inkMk id="4" creationId="{CD82BB32-7956-44C1-96D4-04458022C85A}"/>
+          </ac:inkMkLst>
+        </pc:inkChg>
+      </pc:sldChg>
+      <pc:sldChg chg="addSp delSp mod">
+        <pc:chgData name="Li Lixiang" userId="6104bbfcb56aea79" providerId="LiveId" clId="{195C821F-1926-4771-8AF3-DE34471BCA3B}" dt="2021-02-18T08:18:24.232" v="1318" actId="478"/>
+        <pc:sldMkLst>
+          <pc:docMk/>
+          <pc:sldMk cId="1167250398" sldId="260"/>
+        </pc:sldMkLst>
+        <pc:inkChg chg="add del">
+          <ac:chgData name="Li Lixiang" userId="6104bbfcb56aea79" providerId="LiveId" clId="{195C821F-1926-4771-8AF3-DE34471BCA3B}" dt="2021-02-18T08:18:24.232" v="1318" actId="478"/>
+          <ac:inkMkLst>
+            <pc:docMk/>
+            <pc:sldMk cId="1167250398" sldId="260"/>
+            <ac:inkMk id="4" creationId="{99AADF1E-63F7-4990-A08C-3DDE0074AE08}"/>
+          </ac:inkMkLst>
+        </pc:inkChg>
+      </pc:sldChg>
+      <pc:sldChg chg="modSp mod">
+        <pc:chgData name="Li Lixiang" userId="6104bbfcb56aea79" providerId="LiveId" clId="{195C821F-1926-4771-8AF3-DE34471BCA3B}" dt="2021-01-05T04:01:19.613" v="1" actId="732"/>
+        <pc:sldMkLst>
+          <pc:docMk/>
+          <pc:sldMk cId="2998306887" sldId="266"/>
+        </pc:sldMkLst>
+        <pc:picChg chg="mod modCrop">
+          <ac:chgData name="Li Lixiang" userId="6104bbfcb56aea79" providerId="LiveId" clId="{195C821F-1926-4771-8AF3-DE34471BCA3B}" dt="2021-01-05T04:01:19.613" v="1" actId="732"/>
+          <ac:picMkLst>
+            <pc:docMk/>
+            <pc:sldMk cId="2998306887" sldId="266"/>
+            <ac:picMk id="5" creationId="{13607EAE-1653-4C12-B8D5-0FC08194D12C}"/>
+          </ac:picMkLst>
+        </pc:picChg>
+      </pc:sldChg>
+      <pc:sldChg chg="addSp mod">
+        <pc:chgData name="Li Lixiang" userId="6104bbfcb56aea79" providerId="LiveId" clId="{195C821F-1926-4771-8AF3-DE34471BCA3B}" dt="2021-02-02T13:55:29.251" v="252" actId="9405"/>
+        <pc:sldMkLst>
+          <pc:docMk/>
+          <pc:sldMk cId="2133616112" sldId="267"/>
+        </pc:sldMkLst>
+        <pc:inkChg chg="add">
+          <ac:chgData name="Li Lixiang" userId="6104bbfcb56aea79" providerId="LiveId" clId="{195C821F-1926-4771-8AF3-DE34471BCA3B}" dt="2021-02-02T13:55:29.251" v="252" actId="9405"/>
+          <ac:inkMkLst>
+            <pc:docMk/>
+            <pc:sldMk cId="2133616112" sldId="267"/>
+            <ac:inkMk id="5" creationId="{725CE1A2-0EAB-4903-A990-E1B99EF21BB3}"/>
+          </ac:inkMkLst>
+        </pc:inkChg>
+      </pc:sldChg>
+      <pc:sldChg chg="addSp delSp modSp add mod">
+        <pc:chgData name="Li Lixiang" userId="6104bbfcb56aea79" providerId="LiveId" clId="{195C821F-1926-4771-8AF3-DE34471BCA3B}" dt="2021-02-09T08:22:32.982" v="1315" actId="9405"/>
+        <pc:sldMkLst>
+          <pc:docMk/>
+          <pc:sldMk cId="3450450490" sldId="268"/>
+        </pc:sldMkLst>
+        <pc:spChg chg="mod">
+          <ac:chgData name="Li Lixiang" userId="6104bbfcb56aea79" providerId="LiveId" clId="{195C821F-1926-4771-8AF3-DE34471BCA3B}" dt="2021-02-06T12:31:50.308" v="264" actId="14100"/>
+          <ac:spMkLst>
+            <pc:docMk/>
+            <pc:sldMk cId="3450450490" sldId="268"/>
+            <ac:spMk id="6" creationId="{E4DBFA76-697A-4623-9E8D-2FFA324C5F1E}"/>
+          </ac:spMkLst>
+        </pc:spChg>
+        <pc:picChg chg="add del ord">
+          <ac:chgData name="Li Lixiang" userId="6104bbfcb56aea79" providerId="LiveId" clId="{195C821F-1926-4771-8AF3-DE34471BCA3B}" dt="2021-02-06T12:31:41.670" v="261" actId="478"/>
+          <ac:picMkLst>
+            <pc:docMk/>
+            <pc:sldMk cId="3450450490" sldId="268"/>
+            <ac:picMk id="5" creationId="{70291EF7-72DF-4DD3-B564-C8EA10E727D4}"/>
           </ac:picMkLst>
         </pc:picChg>
         <pc:picChg chg="del">
-          <ac:chgData name="Li Lixiang" userId="6104bbfcb56aea79" providerId="LiveId" clId="{8FDA4049-A4B3-4306-826F-C3083162CE01}" dt="2021-06-28T11:55:59.999" v="9" actId="478"/>
+          <ac:chgData name="Li Lixiang" userId="6104bbfcb56aea79" providerId="LiveId" clId="{195C821F-1926-4771-8AF3-DE34471BCA3B}" dt="2021-02-06T12:29:10.636" v="253" actId="478"/>
           <ac:picMkLst>
             <pc:docMk/>
-            <pc:sldMk cId="907979361" sldId="287"/>
-            <ac:picMk id="10" creationId="{55ACCF36-8E04-4DBB-BE49-9E6FB5883DB3}"/>
+            <pc:sldMk cId="3450450490" sldId="268"/>
+            <ac:picMk id="7" creationId="{F528F419-646C-4121-9531-6A58ECF5D916}"/>
+          </ac:picMkLst>
+        </pc:picChg>
+        <pc:picChg chg="add mod ord">
+          <ac:chgData name="Li Lixiang" userId="6104bbfcb56aea79" providerId="LiveId" clId="{195C821F-1926-4771-8AF3-DE34471BCA3B}" dt="2021-02-06T12:31:46.541" v="263" actId="1076"/>
+          <ac:picMkLst>
+            <pc:docMk/>
+            <pc:sldMk cId="3450450490" sldId="268"/>
+            <ac:picMk id="9" creationId="{9EA71C3C-F5F7-4DEC-A1C8-A141A1515314}"/>
+          </ac:picMkLst>
+        </pc:picChg>
+        <pc:picChg chg="del">
+          <ac:chgData name="Li Lixiang" userId="6104bbfcb56aea79" providerId="LiveId" clId="{195C821F-1926-4771-8AF3-DE34471BCA3B}" dt="2021-01-19T02:34:03.687" v="4" actId="478"/>
+          <ac:picMkLst>
+            <pc:docMk/>
+            <pc:sldMk cId="3450450490" sldId="268"/>
+            <ac:picMk id="1026" creationId="{52F45C9F-3865-41B0-ACE6-90BA792701EF}"/>
+          </ac:picMkLst>
+        </pc:picChg>
+        <pc:inkChg chg="add">
+          <ac:chgData name="Li Lixiang" userId="6104bbfcb56aea79" providerId="LiveId" clId="{195C821F-1926-4771-8AF3-DE34471BCA3B}" dt="2021-02-09T08:22:32.982" v="1315" actId="9405"/>
+          <ac:inkMkLst>
+            <pc:docMk/>
+            <pc:sldMk cId="3450450490" sldId="268"/>
+            <ac:inkMk id="4" creationId="{2CCD9326-0229-4263-8D81-3D8917EA5A88}"/>
+          </ac:inkMkLst>
+        </pc:inkChg>
+      </pc:sldChg>
+      <pc:sldChg chg="add">
+        <pc:chgData name="Li Lixiang" userId="6104bbfcb56aea79" providerId="LiveId" clId="{195C821F-1926-4771-8AF3-DE34471BCA3B}" dt="2021-01-30T04:52:06.175" v="20"/>
+        <pc:sldMkLst>
+          <pc:docMk/>
+          <pc:sldMk cId="1777997471" sldId="269"/>
+        </pc:sldMkLst>
+      </pc:sldChg>
+      <pc:sldChg chg="addSp delSp add mod">
+        <pc:chgData name="Li Lixiang" userId="6104bbfcb56aea79" providerId="LiveId" clId="{195C821F-1926-4771-8AF3-DE34471BCA3B}" dt="2021-02-18T08:23:01.821" v="1320" actId="478"/>
+        <pc:sldMkLst>
+          <pc:docMk/>
+          <pc:sldMk cId="237728322" sldId="270"/>
+        </pc:sldMkLst>
+        <pc:inkChg chg="add del">
+          <ac:chgData name="Li Lixiang" userId="6104bbfcb56aea79" providerId="LiveId" clId="{195C821F-1926-4771-8AF3-DE34471BCA3B}" dt="2021-02-18T08:23:01.821" v="1320" actId="478"/>
+          <ac:inkMkLst>
+            <pc:docMk/>
+            <pc:sldMk cId="237728322" sldId="270"/>
+            <ac:inkMk id="5" creationId="{272BF278-179C-4028-9276-326ABE6978AE}"/>
+          </ac:inkMkLst>
+        </pc:inkChg>
+      </pc:sldChg>
+      <pc:sldChg chg="addSp delSp modSp add mod">
+        <pc:chgData name="Li Lixiang" userId="6104bbfcb56aea79" providerId="LiveId" clId="{195C821F-1926-4771-8AF3-DE34471BCA3B}" dt="2021-02-02T10:41:00.805" v="251" actId="20577"/>
+        <pc:sldMkLst>
+          <pc:docMk/>
+          <pc:sldMk cId="584544023" sldId="271"/>
+        </pc:sldMkLst>
+        <pc:spChg chg="mod">
+          <ac:chgData name="Li Lixiang" userId="6104bbfcb56aea79" providerId="LiveId" clId="{195C821F-1926-4771-8AF3-DE34471BCA3B}" dt="2021-02-02T10:41:00.805" v="251" actId="20577"/>
+          <ac:spMkLst>
+            <pc:docMk/>
+            <pc:sldMk cId="584544023" sldId="271"/>
+            <ac:spMk id="3" creationId="{7060439F-2729-478E-B95F-230482B50AA1}"/>
+          </ac:spMkLst>
+        </pc:spChg>
+        <pc:picChg chg="del">
+          <ac:chgData name="Li Lixiang" userId="6104bbfcb56aea79" providerId="LiveId" clId="{195C821F-1926-4771-8AF3-DE34471BCA3B}" dt="2021-02-02T10:29:56.870" v="35" actId="478"/>
+          <ac:picMkLst>
+            <pc:docMk/>
+            <pc:sldMk cId="584544023" sldId="271"/>
+            <ac:picMk id="5" creationId="{1D894D49-A68F-4EBD-9C2A-4095DC4B6C25}"/>
+          </ac:picMkLst>
+        </pc:picChg>
+        <pc:picChg chg="add mod">
+          <ac:chgData name="Li Lixiang" userId="6104bbfcb56aea79" providerId="LiveId" clId="{195C821F-1926-4771-8AF3-DE34471BCA3B}" dt="2021-02-02T10:39:37.096" v="190" actId="1076"/>
+          <ac:picMkLst>
+            <pc:docMk/>
+            <pc:sldMk cId="584544023" sldId="271"/>
+            <ac:picMk id="6" creationId="{1B87C686-F99F-4BE2-B83A-C389598920D6}"/>
           </ac:picMkLst>
         </pc:picChg>
       </pc:sldChg>
-      <pc:sldChg chg="modSp new del mod">
-        <pc:chgData name="Li Lixiang" userId="6104bbfcb56aea79" providerId="LiveId" clId="{8FDA4049-A4B3-4306-826F-C3083162CE01}" dt="2021-06-28T13:23:40.074" v="408" actId="47"/>
+      <pc:sldChg chg="addSp delSp modSp add mod ord">
+        <pc:chgData name="Li Lixiang" userId="6104bbfcb56aea79" providerId="LiveId" clId="{195C821F-1926-4771-8AF3-DE34471BCA3B}" dt="2021-04-21T11:51:01.379" v="1936" actId="20577"/>
         <pc:sldMkLst>
           <pc:docMk/>
-          <pc:sldMk cId="43952292" sldId="288"/>
+          <pc:sldMk cId="3132061225" sldId="272"/>
         </pc:sldMkLst>
         <pc:spChg chg="mod">
-          <ac:chgData name="Li Lixiang" userId="6104bbfcb56aea79" providerId="LiveId" clId="{8FDA4049-A4B3-4306-826F-C3083162CE01}" dt="2021-06-28T12:42:03.837" v="341" actId="20577"/>
+          <ac:chgData name="Li Lixiang" userId="6104bbfcb56aea79" providerId="LiveId" clId="{195C821F-1926-4771-8AF3-DE34471BCA3B}" dt="2021-04-21T11:36:24.966" v="1587" actId="20577"/>
           <ac:spMkLst>
             <pc:docMk/>
-            <pc:sldMk cId="43952292" sldId="288"/>
-            <ac:spMk id="2" creationId="{D834CD72-5B31-4229-B37C-22F80A745995}"/>
+            <pc:sldMk cId="3132061225" sldId="272"/>
+            <ac:spMk id="2" creationId="{5EC01E2D-9CFE-4D5D-8863-3BA90731F07B}"/>
           </ac:spMkLst>
         </pc:spChg>
         <pc:spChg chg="mod">
-          <ac:chgData name="Li Lixiang" userId="6104bbfcb56aea79" providerId="LiveId" clId="{8FDA4049-A4B3-4306-826F-C3083162CE01}" dt="2021-06-28T12:43:32.713" v="407" actId="20577"/>
+          <ac:chgData name="Li Lixiang" userId="6104bbfcb56aea79" providerId="LiveId" clId="{195C821F-1926-4771-8AF3-DE34471BCA3B}" dt="2021-04-21T11:51:01.379" v="1936" actId="20577"/>
           <ac:spMkLst>
             <pc:docMk/>
-            <pc:sldMk cId="43952292" sldId="288"/>
-            <ac:spMk id="3" creationId="{16B8BCD1-B805-41D0-86C5-EBCA9F7794A7}"/>
+            <pc:sldMk cId="3132061225" sldId="272"/>
+            <ac:spMk id="3" creationId="{7060439F-2729-478E-B95F-230482B50AA1}"/>
           </ac:spMkLst>
         </pc:spChg>
+        <pc:picChg chg="add mod">
+          <ac:chgData name="Li Lixiang" userId="6104bbfcb56aea79" providerId="LiveId" clId="{195C821F-1926-4771-8AF3-DE34471BCA3B}" dt="2021-02-07T14:16:18.505" v="485" actId="1076"/>
+          <ac:picMkLst>
+            <pc:docMk/>
+            <pc:sldMk cId="3132061225" sldId="272"/>
+            <ac:picMk id="5" creationId="{908D5F42-F128-41C6-901B-32741920691C}"/>
+          </ac:picMkLst>
+        </pc:picChg>
+        <pc:picChg chg="del">
+          <ac:chgData name="Li Lixiang" userId="6104bbfcb56aea79" providerId="LiveId" clId="{195C821F-1926-4771-8AF3-DE34471BCA3B}" dt="2021-02-07T13:04:47.705" v="274" actId="478"/>
+          <ac:picMkLst>
+            <pc:docMk/>
+            <pc:sldMk cId="3132061225" sldId="272"/>
+            <ac:picMk id="7" creationId="{0E87A0D6-15A7-456C-81C7-000C78E2DA00}"/>
+          </ac:picMkLst>
+        </pc:picChg>
       </pc:sldChg>
-      <pc:sldChg chg="addSp modSp new mod">
-        <pc:chgData name="Li Lixiang" userId="6104bbfcb56aea79" providerId="LiveId" clId="{8FDA4049-A4B3-4306-826F-C3083162CE01}" dt="2021-07-02T12:17:05.686" v="756" actId="1076"/>
+      <pc:sldChg chg="addSp delSp modSp add mod">
+        <pc:chgData name="Li Lixiang" userId="6104bbfcb56aea79" providerId="LiveId" clId="{195C821F-1926-4771-8AF3-DE34471BCA3B}" dt="2021-03-02T08:31:32.267" v="1339" actId="20577"/>
         <pc:sldMkLst>
           <pc:docMk/>
-          <pc:sldMk cId="1466285209" sldId="288"/>
+          <pc:sldMk cId="3363691834" sldId="273"/>
         </pc:sldMkLst>
         <pc:spChg chg="mod">
-          <ac:chgData name="Li Lixiang" userId="6104bbfcb56aea79" providerId="LiveId" clId="{8FDA4049-A4B3-4306-826F-C3083162CE01}" dt="2021-07-02T12:06:55.193" v="554" actId="20577"/>
+          <ac:chgData name="Li Lixiang" userId="6104bbfcb56aea79" providerId="LiveId" clId="{195C821F-1926-4771-8AF3-DE34471BCA3B}" dt="2021-02-07T23:04:34.949" v="760" actId="20577"/>
           <ac:spMkLst>
             <pc:docMk/>
-            <pc:sldMk cId="1466285209" sldId="288"/>
-            <ac:spMk id="2" creationId="{71EFE268-ED58-459E-9A77-F9480181D00F}"/>
+            <pc:sldMk cId="3363691834" sldId="273"/>
+            <ac:spMk id="2" creationId="{5EC01E2D-9CFE-4D5D-8863-3BA90731F07B}"/>
           </ac:spMkLst>
         </pc:spChg>
         <pc:spChg chg="mod">
-          <ac:chgData name="Li Lixiang" userId="6104bbfcb56aea79" providerId="LiveId" clId="{8FDA4049-A4B3-4306-826F-C3083162CE01}" dt="2021-07-02T12:17:04.309" v="755" actId="14100"/>
+          <ac:chgData name="Li Lixiang" userId="6104bbfcb56aea79" providerId="LiveId" clId="{195C821F-1926-4771-8AF3-DE34471BCA3B}" dt="2021-03-02T08:31:32.267" v="1339" actId="20577"/>
           <ac:spMkLst>
             <pc:docMk/>
-            <pc:sldMk cId="1466285209" sldId="288"/>
-            <ac:spMk id="3" creationId="{8F4FCF12-98B7-4059-8206-23321D32FA7E}"/>
+            <pc:sldMk cId="3363691834" sldId="273"/>
+            <ac:spMk id="3" creationId="{7060439F-2729-478E-B95F-230482B50AA1}"/>
+          </ac:spMkLst>
+        </pc:spChg>
+        <pc:grpChg chg="del mod">
+          <ac:chgData name="Li Lixiang" userId="6104bbfcb56aea79" providerId="LiveId" clId="{195C821F-1926-4771-8AF3-DE34471BCA3B}" dt="2021-02-18T08:36:18.254" v="1335" actId="478"/>
+          <ac:grpSpMkLst>
+            <pc:docMk/>
+            <pc:sldMk cId="3363691834" sldId="273"/>
+            <ac:grpSpMk id="18" creationId="{811237F5-10B5-4289-86E0-F499EE247AEB}"/>
+          </ac:grpSpMkLst>
+        </pc:grpChg>
+        <pc:picChg chg="del">
+          <ac:chgData name="Li Lixiang" userId="6104bbfcb56aea79" providerId="LiveId" clId="{195C821F-1926-4771-8AF3-DE34471BCA3B}" dt="2021-02-07T16:16:52.918" v="700" actId="478"/>
+          <ac:picMkLst>
+            <pc:docMk/>
+            <pc:sldMk cId="3363691834" sldId="273"/>
+            <ac:picMk id="4" creationId="{E6E0ADD3-234C-4276-A71D-680100949D67}"/>
+          </ac:picMkLst>
+        </pc:picChg>
+        <pc:picChg chg="del">
+          <ac:chgData name="Li Lixiang" userId="6104bbfcb56aea79" providerId="LiveId" clId="{195C821F-1926-4771-8AF3-DE34471BCA3B}" dt="2021-02-07T16:16:53.642" v="701" actId="478"/>
+          <ac:picMkLst>
+            <pc:docMk/>
+            <pc:sldMk cId="3363691834" sldId="273"/>
+            <ac:picMk id="5" creationId="{13607EAE-1653-4C12-B8D5-0FC08194D12C}"/>
+          </ac:picMkLst>
+        </pc:picChg>
+        <pc:picChg chg="add mod">
+          <ac:chgData name="Li Lixiang" userId="6104bbfcb56aea79" providerId="LiveId" clId="{195C821F-1926-4771-8AF3-DE34471BCA3B}" dt="2021-02-07T23:07:39.472" v="1182" actId="1076"/>
+          <ac:picMkLst>
+            <pc:docMk/>
+            <pc:sldMk cId="3363691834" sldId="273"/>
+            <ac:picMk id="7" creationId="{1B852F2C-B36A-4A6D-8B38-9B31899B8FA6}"/>
+          </ac:picMkLst>
+        </pc:picChg>
+        <pc:inkChg chg="add del">
+          <ac:chgData name="Li Lixiang" userId="6104bbfcb56aea79" providerId="LiveId" clId="{195C821F-1926-4771-8AF3-DE34471BCA3B}" dt="2021-03-02T08:24:47.382" v="1337" actId="478"/>
+          <ac:inkMkLst>
+            <pc:docMk/>
+            <pc:sldMk cId="3363691834" sldId="273"/>
+            <ac:inkMk id="4" creationId="{363C64BF-BA4F-4528-9699-A73B96B29E62}"/>
+          </ac:inkMkLst>
+        </pc:inkChg>
+        <pc:inkChg chg="add mod">
+          <ac:chgData name="Li Lixiang" userId="6104bbfcb56aea79" providerId="LiveId" clId="{195C821F-1926-4771-8AF3-DE34471BCA3B}" dt="2021-02-18T08:36:06.757" v="1334"/>
+          <ac:inkMkLst>
+            <pc:docMk/>
+            <pc:sldMk cId="3363691834" sldId="273"/>
+            <ac:inkMk id="4" creationId="{6A6E8F62-4724-45FC-B8E6-C7F3086A93BA}"/>
+          </ac:inkMkLst>
+        </pc:inkChg>
+        <pc:inkChg chg="add mod">
+          <ac:chgData name="Li Lixiang" userId="6104bbfcb56aea79" providerId="LiveId" clId="{195C821F-1926-4771-8AF3-DE34471BCA3B}" dt="2021-02-18T08:36:06.757" v="1334"/>
+          <ac:inkMkLst>
+            <pc:docMk/>
+            <pc:sldMk cId="3363691834" sldId="273"/>
+            <ac:inkMk id="5" creationId="{31AA2D2D-4BAB-496A-A34E-1D989B73F4E5}"/>
+          </ac:inkMkLst>
+        </pc:inkChg>
+        <pc:inkChg chg="add mod">
+          <ac:chgData name="Li Lixiang" userId="6104bbfcb56aea79" providerId="LiveId" clId="{195C821F-1926-4771-8AF3-DE34471BCA3B}" dt="2021-02-18T08:36:06.757" v="1334"/>
+          <ac:inkMkLst>
+            <pc:docMk/>
+            <pc:sldMk cId="3363691834" sldId="273"/>
+            <ac:inkMk id="6" creationId="{AE63B066-B6A8-498B-9797-1F523D0C942D}"/>
+          </ac:inkMkLst>
+        </pc:inkChg>
+        <pc:inkChg chg="add mod">
+          <ac:chgData name="Li Lixiang" userId="6104bbfcb56aea79" providerId="LiveId" clId="{195C821F-1926-4771-8AF3-DE34471BCA3B}" dt="2021-02-18T08:36:06.757" v="1334"/>
+          <ac:inkMkLst>
+            <pc:docMk/>
+            <pc:sldMk cId="3363691834" sldId="273"/>
+            <ac:inkMk id="8" creationId="{FEA15D0C-80C7-45B4-A8BE-8D57ABDDD256}"/>
+          </ac:inkMkLst>
+        </pc:inkChg>
+        <pc:inkChg chg="add mod">
+          <ac:chgData name="Li Lixiang" userId="6104bbfcb56aea79" providerId="LiveId" clId="{195C821F-1926-4771-8AF3-DE34471BCA3B}" dt="2021-02-18T08:36:06.757" v="1334"/>
+          <ac:inkMkLst>
+            <pc:docMk/>
+            <pc:sldMk cId="3363691834" sldId="273"/>
+            <ac:inkMk id="9" creationId="{BFD4C135-42A3-43A6-927D-D8DDE44D005A}"/>
+          </ac:inkMkLst>
+        </pc:inkChg>
+        <pc:inkChg chg="add mod">
+          <ac:chgData name="Li Lixiang" userId="6104bbfcb56aea79" providerId="LiveId" clId="{195C821F-1926-4771-8AF3-DE34471BCA3B}" dt="2021-02-18T08:36:06.757" v="1334"/>
+          <ac:inkMkLst>
+            <pc:docMk/>
+            <pc:sldMk cId="3363691834" sldId="273"/>
+            <ac:inkMk id="10" creationId="{8E8D9F76-864C-4AC2-B55A-0E67C6E8AFBD}"/>
+          </ac:inkMkLst>
+        </pc:inkChg>
+        <pc:inkChg chg="add mod">
+          <ac:chgData name="Li Lixiang" userId="6104bbfcb56aea79" providerId="LiveId" clId="{195C821F-1926-4771-8AF3-DE34471BCA3B}" dt="2021-02-18T08:36:06.757" v="1334"/>
+          <ac:inkMkLst>
+            <pc:docMk/>
+            <pc:sldMk cId="3363691834" sldId="273"/>
+            <ac:inkMk id="11" creationId="{B962EFA2-2C25-49B6-99EF-B1C2C62C031C}"/>
+          </ac:inkMkLst>
+        </pc:inkChg>
+        <pc:inkChg chg="add mod">
+          <ac:chgData name="Li Lixiang" userId="6104bbfcb56aea79" providerId="LiveId" clId="{195C821F-1926-4771-8AF3-DE34471BCA3B}" dt="2021-02-18T08:36:06.757" v="1334"/>
+          <ac:inkMkLst>
+            <pc:docMk/>
+            <pc:sldMk cId="3363691834" sldId="273"/>
+            <ac:inkMk id="12" creationId="{6A26A69D-507C-4F73-9B26-B41034D69808}"/>
+          </ac:inkMkLst>
+        </pc:inkChg>
+        <pc:inkChg chg="add mod">
+          <ac:chgData name="Li Lixiang" userId="6104bbfcb56aea79" providerId="LiveId" clId="{195C821F-1926-4771-8AF3-DE34471BCA3B}" dt="2021-02-18T08:36:06.757" v="1334"/>
+          <ac:inkMkLst>
+            <pc:docMk/>
+            <pc:sldMk cId="3363691834" sldId="273"/>
+            <ac:inkMk id="13" creationId="{19954703-C256-470B-B8BD-ABB9352F94FE}"/>
+          </ac:inkMkLst>
+        </pc:inkChg>
+        <pc:inkChg chg="add mod">
+          <ac:chgData name="Li Lixiang" userId="6104bbfcb56aea79" providerId="LiveId" clId="{195C821F-1926-4771-8AF3-DE34471BCA3B}" dt="2021-02-18T08:36:06.757" v="1334"/>
+          <ac:inkMkLst>
+            <pc:docMk/>
+            <pc:sldMk cId="3363691834" sldId="273"/>
+            <ac:inkMk id="14" creationId="{62961DA8-97BB-470F-BB0C-9C8770AF4956}"/>
+          </ac:inkMkLst>
+        </pc:inkChg>
+        <pc:inkChg chg="add mod">
+          <ac:chgData name="Li Lixiang" userId="6104bbfcb56aea79" providerId="LiveId" clId="{195C821F-1926-4771-8AF3-DE34471BCA3B}" dt="2021-02-18T08:36:06.757" v="1334"/>
+          <ac:inkMkLst>
+            <pc:docMk/>
+            <pc:sldMk cId="3363691834" sldId="273"/>
+            <ac:inkMk id="15" creationId="{D93E9F0E-7CA4-45F8-9E19-4B8A851D8D57}"/>
+          </ac:inkMkLst>
+        </pc:inkChg>
+        <pc:inkChg chg="add mod">
+          <ac:chgData name="Li Lixiang" userId="6104bbfcb56aea79" providerId="LiveId" clId="{195C821F-1926-4771-8AF3-DE34471BCA3B}" dt="2021-02-18T08:36:06.757" v="1334"/>
+          <ac:inkMkLst>
+            <pc:docMk/>
+            <pc:sldMk cId="3363691834" sldId="273"/>
+            <ac:inkMk id="16" creationId="{96281312-CD78-4FCC-A8BF-D42ED3239AAB}"/>
+          </ac:inkMkLst>
+        </pc:inkChg>
+        <pc:inkChg chg="add mod">
+          <ac:chgData name="Li Lixiang" userId="6104bbfcb56aea79" providerId="LiveId" clId="{195C821F-1926-4771-8AF3-DE34471BCA3B}" dt="2021-02-18T08:36:06.757" v="1334"/>
+          <ac:inkMkLst>
+            <pc:docMk/>
+            <pc:sldMk cId="3363691834" sldId="273"/>
+            <ac:inkMk id="17" creationId="{E2A77390-FE99-4A8E-AFD5-D84350FF2696}"/>
+          </ac:inkMkLst>
+        </pc:inkChg>
+      </pc:sldChg>
+      <pc:sldChg chg="add">
+        <pc:chgData name="Li Lixiang" userId="6104bbfcb56aea79" providerId="LiveId" clId="{195C821F-1926-4771-8AF3-DE34471BCA3B}" dt="2021-03-04T06:21:58.700" v="1340"/>
+        <pc:sldMkLst>
+          <pc:docMk/>
+          <pc:sldMk cId="3705451296" sldId="276"/>
+        </pc:sldMkLst>
+      </pc:sldChg>
+      <pc:sldChg chg="add">
+        <pc:chgData name="Li Lixiang" userId="6104bbfcb56aea79" providerId="LiveId" clId="{195C821F-1926-4771-8AF3-DE34471BCA3B}" dt="2021-03-04T06:21:58.700" v="1340"/>
+        <pc:sldMkLst>
+          <pc:docMk/>
+          <pc:sldMk cId="236255252" sldId="277"/>
+        </pc:sldMkLst>
+      </pc:sldChg>
+      <pc:sldChg chg="addSp modSp add mod">
+        <pc:chgData name="Li Lixiang" userId="6104bbfcb56aea79" providerId="LiveId" clId="{195C821F-1926-4771-8AF3-DE34471BCA3B}" dt="2021-03-09T08:24:39.294" v="1481" actId="9405"/>
+        <pc:sldMkLst>
+          <pc:docMk/>
+          <pc:sldMk cId="3382715189" sldId="278"/>
+        </pc:sldMkLst>
+        <pc:spChg chg="mod">
+          <ac:chgData name="Li Lixiang" userId="6104bbfcb56aea79" providerId="LiveId" clId="{195C821F-1926-4771-8AF3-DE34471BCA3B}" dt="2021-03-09T08:23:34.131" v="1479" actId="20577"/>
+          <ac:spMkLst>
+            <pc:docMk/>
+            <pc:sldMk cId="3382715189" sldId="278"/>
+            <ac:spMk id="6" creationId="{EC7E49AC-AA90-4955-A874-01EA25A7FD1A}"/>
+          </ac:spMkLst>
+        </pc:spChg>
+        <pc:spChg chg="mod">
+          <ac:chgData name="Li Lixiang" userId="6104bbfcb56aea79" providerId="LiveId" clId="{195C821F-1926-4771-8AF3-DE34471BCA3B}" dt="2021-03-09T08:23:36.267" v="1480" actId="20577"/>
+          <ac:spMkLst>
+            <pc:docMk/>
+            <pc:sldMk cId="3382715189" sldId="278"/>
+            <ac:spMk id="20" creationId="{453F1D08-A157-46E4-848C-C4178F2EECC2}"/>
+          </ac:spMkLst>
+        </pc:spChg>
+        <pc:spChg chg="mod">
+          <ac:chgData name="Li Lixiang" userId="6104bbfcb56aea79" providerId="LiveId" clId="{195C821F-1926-4771-8AF3-DE34471BCA3B}" dt="2021-03-09T08:23:30.948" v="1478" actId="20577"/>
+          <ac:spMkLst>
+            <pc:docMk/>
+            <pc:sldMk cId="3382715189" sldId="278"/>
+            <ac:spMk id="26" creationId="{EEA3ADC2-BCDD-4416-9184-995966377ADD}"/>
+          </ac:spMkLst>
+        </pc:spChg>
+        <pc:inkChg chg="add">
+          <ac:chgData name="Li Lixiang" userId="6104bbfcb56aea79" providerId="LiveId" clId="{195C821F-1926-4771-8AF3-DE34471BCA3B}" dt="2021-03-09T08:24:39.294" v="1481" actId="9405"/>
+          <ac:inkMkLst>
+            <pc:docMk/>
+            <pc:sldMk cId="3382715189" sldId="278"/>
+            <ac:inkMk id="2" creationId="{2FBA5FE7-4846-4634-A0F9-60BA1D6CA186}"/>
+          </ac:inkMkLst>
+        </pc:inkChg>
+      </pc:sldChg>
+      <pc:sldChg chg="addSp modSp add mod">
+        <pc:chgData name="Li Lixiang" userId="6104bbfcb56aea79" providerId="LiveId" clId="{195C821F-1926-4771-8AF3-DE34471BCA3B}" dt="2021-03-09T07:27:37.304" v="1374" actId="14100"/>
+        <pc:sldMkLst>
+          <pc:docMk/>
+          <pc:sldMk cId="3644787234" sldId="279"/>
+        </pc:sldMkLst>
+        <pc:spChg chg="mod">
+          <ac:chgData name="Li Lixiang" userId="6104bbfcb56aea79" providerId="LiveId" clId="{195C821F-1926-4771-8AF3-DE34471BCA3B}" dt="2021-03-09T07:27:14.098" v="1366" actId="20577"/>
+          <ac:spMkLst>
+            <pc:docMk/>
+            <pc:sldMk cId="3644787234" sldId="279"/>
+            <ac:spMk id="12" creationId="{359852D0-62F3-449C-9A3C-37EDC2BA791D}"/>
+          </ac:spMkLst>
+        </pc:spChg>
+        <pc:cxnChg chg="add mod">
+          <ac:chgData name="Li Lixiang" userId="6104bbfcb56aea79" providerId="LiveId" clId="{195C821F-1926-4771-8AF3-DE34471BCA3B}" dt="2021-03-09T07:26:40.071" v="1345" actId="14100"/>
+          <ac:cxnSpMkLst>
+            <pc:docMk/>
+            <pc:sldMk cId="3644787234" sldId="279"/>
+            <ac:cxnSpMk id="28" creationId="{2644271E-D836-4B39-8748-161641279B52}"/>
+          </ac:cxnSpMkLst>
+        </pc:cxnChg>
+        <pc:cxnChg chg="mod">
+          <ac:chgData name="Li Lixiang" userId="6104bbfcb56aea79" providerId="LiveId" clId="{195C821F-1926-4771-8AF3-DE34471BCA3B}" dt="2021-03-09T07:27:37.304" v="1374" actId="14100"/>
+          <ac:cxnSpMkLst>
+            <pc:docMk/>
+            <pc:sldMk cId="3644787234" sldId="279"/>
+            <ac:cxnSpMk id="31" creationId="{0B326028-8702-4326-A1A6-5FE462B6BCE1}"/>
+          </ac:cxnSpMkLst>
+        </pc:cxnChg>
+        <pc:cxnChg chg="add mod">
+          <ac:chgData name="Li Lixiang" userId="6104bbfcb56aea79" providerId="LiveId" clId="{195C821F-1926-4771-8AF3-DE34471BCA3B}" dt="2021-03-09T07:27:06.397" v="1353" actId="14100"/>
+          <ac:cxnSpMkLst>
+            <pc:docMk/>
+            <pc:sldMk cId="3644787234" sldId="279"/>
+            <ac:cxnSpMk id="32" creationId="{06AADE20-D76E-4253-9764-732C4E45C766}"/>
+          </ac:cxnSpMkLst>
+        </pc:cxnChg>
+        <pc:cxnChg chg="add mod">
+          <ac:chgData name="Li Lixiang" userId="6104bbfcb56aea79" providerId="LiveId" clId="{195C821F-1926-4771-8AF3-DE34471BCA3B}" dt="2021-03-09T07:27:03.450" v="1352" actId="14100"/>
+          <ac:cxnSpMkLst>
+            <pc:docMk/>
+            <pc:sldMk cId="3644787234" sldId="279"/>
+            <ac:cxnSpMk id="34" creationId="{0DBA160D-623D-4D3C-96F4-2892396462DB}"/>
+          </ac:cxnSpMkLst>
+        </pc:cxnChg>
+        <pc:cxnChg chg="mod">
+          <ac:chgData name="Li Lixiang" userId="6104bbfcb56aea79" providerId="LiveId" clId="{195C821F-1926-4771-8AF3-DE34471BCA3B}" dt="2021-03-09T07:26:32.613" v="1342" actId="14100"/>
+          <ac:cxnSpMkLst>
+            <pc:docMk/>
+            <pc:sldMk cId="3644787234" sldId="279"/>
+            <ac:cxnSpMk id="35" creationId="{FD171C20-EAB2-402A-8E4E-E449D2250A04}"/>
+          </ac:cxnSpMkLst>
+        </pc:cxnChg>
+        <pc:cxnChg chg="add mod">
+          <ac:chgData name="Li Lixiang" userId="6104bbfcb56aea79" providerId="LiveId" clId="{195C821F-1926-4771-8AF3-DE34471BCA3B}" dt="2021-03-09T07:27:35.318" v="1373" actId="1076"/>
+          <ac:cxnSpMkLst>
+            <pc:docMk/>
+            <pc:sldMk cId="3644787234" sldId="279"/>
+            <ac:cxnSpMk id="38" creationId="{6F0B6288-9D7C-465D-8C0A-AC99D68095EB}"/>
+          </ac:cxnSpMkLst>
+        </pc:cxnChg>
+      </pc:sldChg>
+      <pc:sldChg chg="addSp modSp add mod">
+        <pc:chgData name="Li Lixiang" userId="6104bbfcb56aea79" providerId="LiveId" clId="{195C821F-1926-4771-8AF3-DE34471BCA3B}" dt="2021-03-09T07:28:35.151" v="1388" actId="1076"/>
+        <pc:sldMkLst>
+          <pc:docMk/>
+          <pc:sldMk cId="2458152062" sldId="280"/>
+        </pc:sldMkLst>
+        <pc:spChg chg="mod">
+          <ac:chgData name="Li Lixiang" userId="6104bbfcb56aea79" providerId="LiveId" clId="{195C821F-1926-4771-8AF3-DE34471BCA3B}" dt="2021-03-09T07:28:35.151" v="1388" actId="1076"/>
+          <ac:spMkLst>
+            <pc:docMk/>
+            <pc:sldMk cId="2458152062" sldId="280"/>
+            <ac:spMk id="13" creationId="{0EA72161-C1EA-40C0-8FAC-5C968E34C1C9}"/>
+          </ac:spMkLst>
+        </pc:spChg>
+        <pc:cxnChg chg="mod">
+          <ac:chgData name="Li Lixiang" userId="6104bbfcb56aea79" providerId="LiveId" clId="{195C821F-1926-4771-8AF3-DE34471BCA3B}" dt="2021-03-09T07:27:56.996" v="1375" actId="14100"/>
+          <ac:cxnSpMkLst>
+            <pc:docMk/>
+            <pc:sldMk cId="2458152062" sldId="280"/>
+            <ac:cxnSpMk id="26" creationId="{12617041-DC45-4440-BA90-FB7B34E7F8B0}"/>
+          </ac:cxnSpMkLst>
+        </pc:cxnChg>
+        <pc:cxnChg chg="add mod">
+          <ac:chgData name="Li Lixiang" userId="6104bbfcb56aea79" providerId="LiveId" clId="{195C821F-1926-4771-8AF3-DE34471BCA3B}" dt="2021-03-09T07:28:04.867" v="1378" actId="14100"/>
+          <ac:cxnSpMkLst>
+            <pc:docMk/>
+            <pc:sldMk cId="2458152062" sldId="280"/>
+            <ac:cxnSpMk id="28" creationId="{62707383-3601-4D0F-8D3A-295135011D27}"/>
+          </ac:cxnSpMkLst>
+        </pc:cxnChg>
+        <pc:cxnChg chg="add mod">
+          <ac:chgData name="Li Lixiang" userId="6104bbfcb56aea79" providerId="LiveId" clId="{195C821F-1926-4771-8AF3-DE34471BCA3B}" dt="2021-03-09T07:28:13.237" v="1381" actId="14100"/>
+          <ac:cxnSpMkLst>
+            <pc:docMk/>
+            <pc:sldMk cId="2458152062" sldId="280"/>
+            <ac:cxnSpMk id="29" creationId="{778E111C-279D-439B-8C20-F3FD6D8B6784}"/>
+          </ac:cxnSpMkLst>
+        </pc:cxnChg>
+        <pc:cxnChg chg="add mod">
+          <ac:chgData name="Li Lixiang" userId="6104bbfcb56aea79" providerId="LiveId" clId="{195C821F-1926-4771-8AF3-DE34471BCA3B}" dt="2021-03-09T07:28:21.235" v="1384" actId="14100"/>
+          <ac:cxnSpMkLst>
+            <pc:docMk/>
+            <pc:sldMk cId="2458152062" sldId="280"/>
+            <ac:cxnSpMk id="30" creationId="{A88D8729-0E30-4A32-9D34-CE8A509266F1}"/>
+          </ac:cxnSpMkLst>
+        </pc:cxnChg>
+        <pc:cxnChg chg="add mod">
+          <ac:chgData name="Li Lixiang" userId="6104bbfcb56aea79" providerId="LiveId" clId="{195C821F-1926-4771-8AF3-DE34471BCA3B}" dt="2021-03-09T07:28:28.361" v="1387" actId="14100"/>
+          <ac:cxnSpMkLst>
+            <pc:docMk/>
+            <pc:sldMk cId="2458152062" sldId="280"/>
+            <ac:cxnSpMk id="31" creationId="{10DDFD75-ABC1-44D7-9075-E2B336D7C793}"/>
+          </ac:cxnSpMkLst>
+        </pc:cxnChg>
+      </pc:sldChg>
+      <pc:sldChg chg="addSp delSp modSp add mod">
+        <pc:chgData name="Li Lixiang" userId="6104bbfcb56aea79" providerId="LiveId" clId="{195C821F-1926-4771-8AF3-DE34471BCA3B}" dt="2021-03-09T08:57:17.039" v="1530" actId="1076"/>
+        <pc:sldMkLst>
+          <pc:docMk/>
+          <pc:sldMk cId="285537872" sldId="281"/>
+        </pc:sldMkLst>
+        <pc:spChg chg="mod">
+          <ac:chgData name="Li Lixiang" userId="6104bbfcb56aea79" providerId="LiveId" clId="{195C821F-1926-4771-8AF3-DE34471BCA3B}" dt="2021-03-09T07:29:25.066" v="1393" actId="1076"/>
+          <ac:spMkLst>
+            <pc:docMk/>
+            <pc:sldMk cId="285537872" sldId="281"/>
+            <ac:spMk id="6" creationId="{FC0D0CCC-2669-4BEA-A601-191B398B36E1}"/>
+          </ac:spMkLst>
+        </pc:spChg>
+        <pc:spChg chg="mod">
+          <ac:chgData name="Li Lixiang" userId="6104bbfcb56aea79" providerId="LiveId" clId="{195C821F-1926-4771-8AF3-DE34471BCA3B}" dt="2021-03-09T07:29:25.066" v="1393" actId="1076"/>
+          <ac:spMkLst>
+            <pc:docMk/>
+            <pc:sldMk cId="285537872" sldId="281"/>
+            <ac:spMk id="7" creationId="{A746A457-C064-4608-A75D-14BEAD167399}"/>
+          </ac:spMkLst>
+        </pc:spChg>
+        <pc:spChg chg="mod">
+          <ac:chgData name="Li Lixiang" userId="6104bbfcb56aea79" providerId="LiveId" clId="{195C821F-1926-4771-8AF3-DE34471BCA3B}" dt="2021-03-09T07:29:25.066" v="1393" actId="1076"/>
+          <ac:spMkLst>
+            <pc:docMk/>
+            <pc:sldMk cId="285537872" sldId="281"/>
+            <ac:spMk id="8" creationId="{9212197E-F0EC-40DC-B152-B3FF50CD06A2}"/>
+          </ac:spMkLst>
+        </pc:spChg>
+        <pc:spChg chg="mod">
+          <ac:chgData name="Li Lixiang" userId="6104bbfcb56aea79" providerId="LiveId" clId="{195C821F-1926-4771-8AF3-DE34471BCA3B}" dt="2021-03-09T07:30:27.952" v="1428" actId="20577"/>
+          <ac:spMkLst>
+            <pc:docMk/>
+            <pc:sldMk cId="285537872" sldId="281"/>
+            <ac:spMk id="9" creationId="{30257987-5DAD-4BA9-A19E-34AE3588C3FA}"/>
+          </ac:spMkLst>
+        </pc:spChg>
+        <pc:spChg chg="mod">
+          <ac:chgData name="Li Lixiang" userId="6104bbfcb56aea79" providerId="LiveId" clId="{195C821F-1926-4771-8AF3-DE34471BCA3B}" dt="2021-03-09T07:29:25.066" v="1393" actId="1076"/>
+          <ac:spMkLst>
+            <pc:docMk/>
+            <pc:sldMk cId="285537872" sldId="281"/>
+            <ac:spMk id="12" creationId="{F3D6C0E8-2A0F-474F-AB5C-1591CE9F7BA4}"/>
+          </ac:spMkLst>
+        </pc:spChg>
+        <pc:spChg chg="mod">
+          <ac:chgData name="Li Lixiang" userId="6104bbfcb56aea79" providerId="LiveId" clId="{195C821F-1926-4771-8AF3-DE34471BCA3B}" dt="2021-03-09T07:29:25.066" v="1393" actId="1076"/>
+          <ac:spMkLst>
+            <pc:docMk/>
+            <pc:sldMk cId="285537872" sldId="281"/>
+            <ac:spMk id="13" creationId="{BD5B4E6B-DF6F-4677-8F67-77480FEF4F81}"/>
+          </ac:spMkLst>
+        </pc:spChg>
+        <pc:spChg chg="mod">
+          <ac:chgData name="Li Lixiang" userId="6104bbfcb56aea79" providerId="LiveId" clId="{195C821F-1926-4771-8AF3-DE34471BCA3B}" dt="2021-03-09T08:56:23.325" v="1515" actId="1035"/>
+          <ac:spMkLst>
+            <pc:docMk/>
+            <pc:sldMk cId="285537872" sldId="281"/>
+            <ac:spMk id="15" creationId="{5958AB10-02A6-4C5A-8A2B-B02B08F72D77}"/>
+          </ac:spMkLst>
+        </pc:spChg>
+        <pc:spChg chg="mod">
+          <ac:chgData name="Li Lixiang" userId="6104bbfcb56aea79" providerId="LiveId" clId="{195C821F-1926-4771-8AF3-DE34471BCA3B}" dt="2021-03-09T08:56:23.325" v="1515" actId="1035"/>
+          <ac:spMkLst>
+            <pc:docMk/>
+            <pc:sldMk cId="285537872" sldId="281"/>
+            <ac:spMk id="16" creationId="{FAC802A5-0CD8-4EF7-AE34-50E9AB57E124}"/>
+          </ac:spMkLst>
+        </pc:spChg>
+        <pc:spChg chg="mod">
+          <ac:chgData name="Li Lixiang" userId="6104bbfcb56aea79" providerId="LiveId" clId="{195C821F-1926-4771-8AF3-DE34471BCA3B}" dt="2021-03-09T08:56:16.164" v="1487" actId="1076"/>
+          <ac:spMkLst>
+            <pc:docMk/>
+            <pc:sldMk cId="285537872" sldId="281"/>
+            <ac:spMk id="22" creationId="{EAA6405C-ED05-4EDD-B178-DC8CC115F19E}"/>
+          </ac:spMkLst>
+        </pc:spChg>
+        <pc:spChg chg="mod">
+          <ac:chgData name="Li Lixiang" userId="6104bbfcb56aea79" providerId="LiveId" clId="{195C821F-1926-4771-8AF3-DE34471BCA3B}" dt="2021-03-09T08:56:16.164" v="1487" actId="1076"/>
+          <ac:spMkLst>
+            <pc:docMk/>
+            <pc:sldMk cId="285537872" sldId="281"/>
+            <ac:spMk id="23" creationId="{5B6C7A4B-5BA3-443E-9E9E-C0611BF48403}"/>
+          </ac:spMkLst>
+        </pc:spChg>
+        <pc:spChg chg="mod">
+          <ac:chgData name="Li Lixiang" userId="6104bbfcb56aea79" providerId="LiveId" clId="{195C821F-1926-4771-8AF3-DE34471BCA3B}" dt="2021-03-09T07:29:25.066" v="1393" actId="1076"/>
+          <ac:spMkLst>
+            <pc:docMk/>
+            <pc:sldMk cId="285537872" sldId="281"/>
+            <ac:spMk id="25" creationId="{09B7A4DE-2355-4DD5-BCF8-A15F6CFBF7C2}"/>
+          </ac:spMkLst>
+        </pc:spChg>
+        <pc:spChg chg="mod">
+          <ac:chgData name="Li Lixiang" userId="6104bbfcb56aea79" providerId="LiveId" clId="{195C821F-1926-4771-8AF3-DE34471BCA3B}" dt="2021-03-09T08:55:52.317" v="1482" actId="1076"/>
+          <ac:spMkLst>
+            <pc:docMk/>
+            <pc:sldMk cId="285537872" sldId="281"/>
+            <ac:spMk id="26" creationId="{6AAF631B-B978-44F0-B1E3-3DBFEF31F077}"/>
+          </ac:spMkLst>
+        </pc:spChg>
+        <pc:spChg chg="mod">
+          <ac:chgData name="Li Lixiang" userId="6104bbfcb56aea79" providerId="LiveId" clId="{195C821F-1926-4771-8AF3-DE34471BCA3B}" dt="2021-03-09T08:56:08.008" v="1485" actId="1076"/>
+          <ac:spMkLst>
+            <pc:docMk/>
+            <pc:sldMk cId="285537872" sldId="281"/>
+            <ac:spMk id="34" creationId="{F6621DD6-D25D-44E1-A83A-F2563D1E2B38}"/>
+          </ac:spMkLst>
+        </pc:spChg>
+        <pc:cxnChg chg="mod">
+          <ac:chgData name="Li Lixiang" userId="6104bbfcb56aea79" providerId="LiveId" clId="{195C821F-1926-4771-8AF3-DE34471BCA3B}" dt="2021-03-09T07:29:25.066" v="1393" actId="1076"/>
+          <ac:cxnSpMkLst>
+            <pc:docMk/>
+            <pc:sldMk cId="285537872" sldId="281"/>
+            <ac:cxnSpMk id="5" creationId="{8325B56B-D1AC-4695-8640-7C03829625A6}"/>
+          </ac:cxnSpMkLst>
+        </pc:cxnChg>
+        <pc:cxnChg chg="mod">
+          <ac:chgData name="Li Lixiang" userId="6104bbfcb56aea79" providerId="LiveId" clId="{195C821F-1926-4771-8AF3-DE34471BCA3B}" dt="2021-03-09T07:29:25.066" v="1393" actId="1076"/>
+          <ac:cxnSpMkLst>
+            <pc:docMk/>
+            <pc:sldMk cId="285537872" sldId="281"/>
+            <ac:cxnSpMk id="10" creationId="{9ED289DF-696E-4540-A9FF-9E633C550570}"/>
+          </ac:cxnSpMkLst>
+        </pc:cxnChg>
+        <pc:cxnChg chg="mod">
+          <ac:chgData name="Li Lixiang" userId="6104bbfcb56aea79" providerId="LiveId" clId="{195C821F-1926-4771-8AF3-DE34471BCA3B}" dt="2021-03-09T07:29:25.066" v="1393" actId="1076"/>
+          <ac:cxnSpMkLst>
+            <pc:docMk/>
+            <pc:sldMk cId="285537872" sldId="281"/>
+            <ac:cxnSpMk id="11" creationId="{98082AB3-1EB6-4C6B-A40F-107875C4A3D6}"/>
+          </ac:cxnSpMkLst>
+        </pc:cxnChg>
+        <pc:cxnChg chg="mod">
+          <ac:chgData name="Li Lixiang" userId="6104bbfcb56aea79" providerId="LiveId" clId="{195C821F-1926-4771-8AF3-DE34471BCA3B}" dt="2021-03-09T08:56:40.624" v="1519" actId="14100"/>
+          <ac:cxnSpMkLst>
+            <pc:docMk/>
+            <pc:sldMk cId="285537872" sldId="281"/>
+            <ac:cxnSpMk id="14" creationId="{11A77050-2D33-45BB-B660-851CB91A6836}"/>
+          </ac:cxnSpMkLst>
+        </pc:cxnChg>
+        <pc:cxnChg chg="mod">
+          <ac:chgData name="Li Lixiang" userId="6104bbfcb56aea79" providerId="LiveId" clId="{195C821F-1926-4771-8AF3-DE34471BCA3B}" dt="2021-03-09T08:57:06.972" v="1527" actId="14100"/>
+          <ac:cxnSpMkLst>
+            <pc:docMk/>
+            <pc:sldMk cId="285537872" sldId="281"/>
+            <ac:cxnSpMk id="17" creationId="{04E85CB1-8137-4003-A3F8-FCF9B3009718}"/>
+          </ac:cxnSpMkLst>
+        </pc:cxnChg>
+        <pc:cxnChg chg="mod">
+          <ac:chgData name="Li Lixiang" userId="6104bbfcb56aea79" providerId="LiveId" clId="{195C821F-1926-4771-8AF3-DE34471BCA3B}" dt="2021-03-09T08:57:09.137" v="1528" actId="1076"/>
+          <ac:cxnSpMkLst>
+            <pc:docMk/>
+            <pc:sldMk cId="285537872" sldId="281"/>
+            <ac:cxnSpMk id="18" creationId="{314FB4ED-227F-4BBB-A0D5-56128173FE68}"/>
+          </ac:cxnSpMkLst>
+        </pc:cxnChg>
+        <pc:cxnChg chg="mod">
+          <ac:chgData name="Li Lixiang" userId="6104bbfcb56aea79" providerId="LiveId" clId="{195C821F-1926-4771-8AF3-DE34471BCA3B}" dt="2021-03-09T08:56:59.148" v="1525" actId="14100"/>
+          <ac:cxnSpMkLst>
+            <pc:docMk/>
+            <pc:sldMk cId="285537872" sldId="281"/>
+            <ac:cxnSpMk id="27" creationId="{D06EBD9A-3D81-41A2-BB4F-1A70BCF60EB0}"/>
+          </ac:cxnSpMkLst>
+        </pc:cxnChg>
+        <pc:cxnChg chg="add mod">
+          <ac:chgData name="Li Lixiang" userId="6104bbfcb56aea79" providerId="LiveId" clId="{195C821F-1926-4771-8AF3-DE34471BCA3B}" dt="2021-03-09T08:57:03.211" v="1526" actId="14100"/>
+          <ac:cxnSpMkLst>
+            <pc:docMk/>
+            <pc:sldMk cId="285537872" sldId="281"/>
+            <ac:cxnSpMk id="28" creationId="{B772D5BB-1828-4E84-96C2-22401232B89E}"/>
+          </ac:cxnSpMkLst>
+        </pc:cxnChg>
+        <pc:cxnChg chg="mod">
+          <ac:chgData name="Li Lixiang" userId="6104bbfcb56aea79" providerId="LiveId" clId="{195C821F-1926-4771-8AF3-DE34471BCA3B}" dt="2021-03-09T08:56:52.790" v="1523" actId="1076"/>
+          <ac:cxnSpMkLst>
+            <pc:docMk/>
+            <pc:sldMk cId="285537872" sldId="281"/>
+            <ac:cxnSpMk id="30" creationId="{12048B38-71EC-4D93-BF08-D0AFA8091354}"/>
+          </ac:cxnSpMkLst>
+        </pc:cxnChg>
+        <pc:cxnChg chg="add mod">
+          <ac:chgData name="Li Lixiang" userId="6104bbfcb56aea79" providerId="LiveId" clId="{195C821F-1926-4771-8AF3-DE34471BCA3B}" dt="2021-03-09T07:29:46.878" v="1401" actId="14100"/>
+          <ac:cxnSpMkLst>
+            <pc:docMk/>
+            <pc:sldMk cId="285537872" sldId="281"/>
+            <ac:cxnSpMk id="31" creationId="{53E443F1-F449-411D-BCD0-DD7FEDA204AD}"/>
+          </ac:cxnSpMkLst>
+        </pc:cxnChg>
+        <pc:cxnChg chg="mod">
+          <ac:chgData name="Li Lixiang" userId="6104bbfcb56aea79" providerId="LiveId" clId="{195C821F-1926-4771-8AF3-DE34471BCA3B}" dt="2021-03-09T07:29:25.066" v="1393" actId="1076"/>
+          <ac:cxnSpMkLst>
+            <pc:docMk/>
+            <pc:sldMk cId="285537872" sldId="281"/>
+            <ac:cxnSpMk id="35" creationId="{D43F7C11-7FB4-44A3-9FEF-D23988968543}"/>
+          </ac:cxnSpMkLst>
+        </pc:cxnChg>
+        <pc:cxnChg chg="mod">
+          <ac:chgData name="Li Lixiang" userId="6104bbfcb56aea79" providerId="LiveId" clId="{195C821F-1926-4771-8AF3-DE34471BCA3B}" dt="2021-03-09T08:56:36.396" v="1518" actId="14100"/>
+          <ac:cxnSpMkLst>
+            <pc:docMk/>
+            <pc:sldMk cId="285537872" sldId="281"/>
+            <ac:cxnSpMk id="37" creationId="{C57E4C2F-39B9-4760-BBF8-151F3595360B}"/>
+          </ac:cxnSpMkLst>
+        </pc:cxnChg>
+        <pc:cxnChg chg="add mod">
+          <ac:chgData name="Li Lixiang" userId="6104bbfcb56aea79" providerId="LiveId" clId="{195C821F-1926-4771-8AF3-DE34471BCA3B}" dt="2021-03-09T08:57:17.039" v="1530" actId="1076"/>
+          <ac:cxnSpMkLst>
+            <pc:docMk/>
+            <pc:sldMk cId="285537872" sldId="281"/>
+            <ac:cxnSpMk id="38" creationId="{C415907B-D1F5-4495-921A-9F0CBAC202B7}"/>
+          </ac:cxnSpMkLst>
+        </pc:cxnChg>
+        <pc:cxnChg chg="del mod">
+          <ac:chgData name="Li Lixiang" userId="6104bbfcb56aea79" providerId="LiveId" clId="{195C821F-1926-4771-8AF3-DE34471BCA3B}" dt="2021-03-09T07:29:59.876" v="1404" actId="478"/>
+          <ac:cxnSpMkLst>
+            <pc:docMk/>
+            <pc:sldMk cId="285537872" sldId="281"/>
+            <ac:cxnSpMk id="39" creationId="{90CD62E6-DAB2-4904-BC5C-AE6EF319F7FD}"/>
+          </ac:cxnSpMkLst>
+        </pc:cxnChg>
+      </pc:sldChg>
+      <pc:sldChg chg="addSp modSp add mod">
+        <pc:chgData name="Li Lixiang" userId="6104bbfcb56aea79" providerId="LiveId" clId="{195C821F-1926-4771-8AF3-DE34471BCA3B}" dt="2021-03-09T07:32:05.458" v="1476" actId="14100"/>
+        <pc:sldMkLst>
+          <pc:docMk/>
+          <pc:sldMk cId="1892396108" sldId="282"/>
+        </pc:sldMkLst>
+        <pc:spChg chg="mod">
+          <ac:chgData name="Li Lixiang" userId="6104bbfcb56aea79" providerId="LiveId" clId="{195C821F-1926-4771-8AF3-DE34471BCA3B}" dt="2021-03-09T07:30:38.353" v="1448" actId="20577"/>
+          <ac:spMkLst>
+            <pc:docMk/>
+            <pc:sldMk cId="1892396108" sldId="282"/>
+            <ac:spMk id="5" creationId="{D94FFDDE-535E-4D07-B182-BD631BF44496}"/>
+          </ac:spMkLst>
+        </pc:spChg>
+        <pc:spChg chg="mod">
+          <ac:chgData name="Li Lixiang" userId="6104bbfcb56aea79" providerId="LiveId" clId="{195C821F-1926-4771-8AF3-DE34471BCA3B}" dt="2021-03-09T07:31:54.206" v="1471" actId="1036"/>
+          <ac:spMkLst>
+            <pc:docMk/>
+            <pc:sldMk cId="1892396108" sldId="282"/>
+            <ac:spMk id="15" creationId="{AC59B6B3-C02F-4BD0-9A4C-15B6C4436BE5}"/>
+          </ac:spMkLst>
+        </pc:spChg>
+        <pc:spChg chg="mod">
+          <ac:chgData name="Li Lixiang" userId="6104bbfcb56aea79" providerId="LiveId" clId="{195C821F-1926-4771-8AF3-DE34471BCA3B}" dt="2021-03-09T07:31:54.206" v="1471" actId="1036"/>
+          <ac:spMkLst>
+            <pc:docMk/>
+            <pc:sldMk cId="1892396108" sldId="282"/>
+            <ac:spMk id="16" creationId="{F64131FC-0923-4D66-9833-72B2FCF513AB}"/>
+          </ac:spMkLst>
+        </pc:spChg>
+        <pc:cxnChg chg="mod">
+          <ac:chgData name="Li Lixiang" userId="6104bbfcb56aea79" providerId="LiveId" clId="{195C821F-1926-4771-8AF3-DE34471BCA3B}" dt="2021-03-09T07:31:56.684" v="1472" actId="14100"/>
+          <ac:cxnSpMkLst>
+            <pc:docMk/>
+            <pc:sldMk cId="1892396108" sldId="282"/>
+            <ac:cxnSpMk id="14" creationId="{9441F248-E968-4E40-9E77-CF1CB29F3067}"/>
+          </ac:cxnSpMkLst>
+        </pc:cxnChg>
+        <pc:cxnChg chg="mod">
+          <ac:chgData name="Li Lixiang" userId="6104bbfcb56aea79" providerId="LiveId" clId="{195C821F-1926-4771-8AF3-DE34471BCA3B}" dt="2021-03-09T07:31:59.185" v="1473" actId="1076"/>
+          <ac:cxnSpMkLst>
+            <pc:docMk/>
+            <pc:sldMk cId="1892396108" sldId="282"/>
+            <ac:cxnSpMk id="17" creationId="{AFB67960-98DE-4EA6-8FF5-1D3649D95746}"/>
+          </ac:cxnSpMkLst>
+        </pc:cxnChg>
+        <pc:cxnChg chg="mod">
+          <ac:chgData name="Li Lixiang" userId="6104bbfcb56aea79" providerId="LiveId" clId="{195C821F-1926-4771-8AF3-DE34471BCA3B}" dt="2021-03-09T07:31:33.020" v="1451" actId="14100"/>
+          <ac:cxnSpMkLst>
+            <pc:docMk/>
+            <pc:sldMk cId="1892396108" sldId="282"/>
+            <ac:cxnSpMk id="18" creationId="{CA38E5EA-9BA7-4219-90E4-9BCB71450CEB}"/>
+          </ac:cxnSpMkLst>
+        </pc:cxnChg>
+        <pc:cxnChg chg="add mod">
+          <ac:chgData name="Li Lixiang" userId="6104bbfcb56aea79" providerId="LiveId" clId="{195C821F-1926-4771-8AF3-DE34471BCA3B}" dt="2021-03-09T07:31:48.086" v="1456" actId="14100"/>
+          <ac:cxnSpMkLst>
+            <pc:docMk/>
+            <pc:sldMk cId="1892396108" sldId="282"/>
+            <ac:cxnSpMk id="29" creationId="{BF356109-5CBD-45B5-B8BC-CCFBEE083AF4}"/>
+          </ac:cxnSpMkLst>
+        </pc:cxnChg>
+        <pc:cxnChg chg="add mod">
+          <ac:chgData name="Li Lixiang" userId="6104bbfcb56aea79" providerId="LiveId" clId="{195C821F-1926-4771-8AF3-DE34471BCA3B}" dt="2021-03-09T07:32:05.458" v="1476" actId="14100"/>
+          <ac:cxnSpMkLst>
+            <pc:docMk/>
+            <pc:sldMk cId="1892396108" sldId="282"/>
+            <ac:cxnSpMk id="34" creationId="{BC1BEA40-776B-4C96-A76E-DC0F971EF9E9}"/>
+          </ac:cxnSpMkLst>
+        </pc:cxnChg>
+      </pc:sldChg>
+      <pc:sldChg chg="addSp modSp new mod">
+        <pc:chgData name="Li Lixiang" userId="6104bbfcb56aea79" providerId="LiveId" clId="{195C821F-1926-4771-8AF3-DE34471BCA3B}" dt="2021-04-21T11:48:17.938" v="1798" actId="20577"/>
+        <pc:sldMkLst>
+          <pc:docMk/>
+          <pc:sldMk cId="669132949" sldId="283"/>
+        </pc:sldMkLst>
+        <pc:spChg chg="mod">
+          <ac:chgData name="Li Lixiang" userId="6104bbfcb56aea79" providerId="LiveId" clId="{195C821F-1926-4771-8AF3-DE34471BCA3B}" dt="2021-04-21T11:36:36.373" v="1597" actId="20577"/>
+          <ac:spMkLst>
+            <pc:docMk/>
+            <pc:sldMk cId="669132949" sldId="283"/>
+            <ac:spMk id="2" creationId="{14EFA843-92B7-4487-8339-8E373E6C34B3}"/>
+          </ac:spMkLst>
+        </pc:spChg>
+        <pc:spChg chg="mod">
+          <ac:chgData name="Li Lixiang" userId="6104bbfcb56aea79" providerId="LiveId" clId="{195C821F-1926-4771-8AF3-DE34471BCA3B}" dt="2021-04-21T11:48:17.938" v="1798" actId="20577"/>
+          <ac:spMkLst>
+            <pc:docMk/>
+            <pc:sldMk cId="669132949" sldId="283"/>
+            <ac:spMk id="3" creationId="{A2885D93-780F-42B8-9741-8CE90F391413}"/>
           </ac:spMkLst>
         </pc:spChg>
         <pc:picChg chg="add mod">
-          <ac:chgData name="Li Lixiang" userId="6104bbfcb56aea79" providerId="LiveId" clId="{8FDA4049-A4B3-4306-826F-C3083162CE01}" dt="2021-07-02T12:17:05.686" v="756" actId="1076"/>
+          <ac:chgData name="Li Lixiang" userId="6104bbfcb56aea79" providerId="LiveId" clId="{195C821F-1926-4771-8AF3-DE34471BCA3B}" dt="2021-04-21T11:47:59.782" v="1790" actId="1076"/>
           <ac:picMkLst>
             <pc:docMk/>
-            <pc:sldMk cId="1466285209" sldId="288"/>
-            <ac:picMk id="5" creationId="{EAA02629-8430-4591-90E9-F5F6DBED5BBE}"/>
+            <pc:sldMk cId="669132949" sldId="283"/>
+            <ac:picMk id="5" creationId="{2914B5C8-9E72-45D8-95C5-FD2BA37DF8C0}"/>
+          </ac:picMkLst>
+        </pc:picChg>
+      </pc:sldChg>
+      <pc:sldChg chg="addSp delSp modSp add mod">
+        <pc:chgData name="Li Lixiang" userId="6104bbfcb56aea79" providerId="LiveId" clId="{195C821F-1926-4771-8AF3-DE34471BCA3B}" dt="2021-04-21T11:57:25.193" v="2223" actId="20577"/>
+        <pc:sldMkLst>
+          <pc:docMk/>
+          <pc:sldMk cId="2287529749" sldId="284"/>
+        </pc:sldMkLst>
+        <pc:spChg chg="mod">
+          <ac:chgData name="Li Lixiang" userId="6104bbfcb56aea79" providerId="LiveId" clId="{195C821F-1926-4771-8AF3-DE34471BCA3B}" dt="2021-04-21T11:49:41.970" v="1818" actId="20577"/>
+          <ac:spMkLst>
+            <pc:docMk/>
+            <pc:sldMk cId="2287529749" sldId="284"/>
+            <ac:spMk id="2" creationId="{5EC01E2D-9CFE-4D5D-8863-3BA90731F07B}"/>
+          </ac:spMkLst>
+        </pc:spChg>
+        <pc:spChg chg="mod">
+          <ac:chgData name="Li Lixiang" userId="6104bbfcb56aea79" providerId="LiveId" clId="{195C821F-1926-4771-8AF3-DE34471BCA3B}" dt="2021-04-21T11:57:25.193" v="2223" actId="20577"/>
+          <ac:spMkLst>
+            <pc:docMk/>
+            <pc:sldMk cId="2287529749" sldId="284"/>
+            <ac:spMk id="3" creationId="{7060439F-2729-478E-B95F-230482B50AA1}"/>
+          </ac:spMkLst>
+        </pc:spChg>
+        <pc:picChg chg="del">
+          <ac:chgData name="Li Lixiang" userId="6104bbfcb56aea79" providerId="LiveId" clId="{195C821F-1926-4771-8AF3-DE34471BCA3B}" dt="2021-04-21T11:49:46.138" v="1819" actId="478"/>
+          <ac:picMkLst>
+            <pc:docMk/>
+            <pc:sldMk cId="2287529749" sldId="284"/>
+            <ac:picMk id="5" creationId="{908D5F42-F128-41C6-901B-32741920691C}"/>
+          </ac:picMkLst>
+        </pc:picChg>
+        <pc:picChg chg="add mod">
+          <ac:chgData name="Li Lixiang" userId="6104bbfcb56aea79" providerId="LiveId" clId="{195C821F-1926-4771-8AF3-DE34471BCA3B}" dt="2021-04-21T11:55:40.654" v="1939" actId="1076"/>
+          <ac:picMkLst>
+            <pc:docMk/>
+            <pc:sldMk cId="2287529749" sldId="284"/>
+            <ac:picMk id="6" creationId="{CBC54361-79AA-4580-8754-25F061500C04}"/>
           </ac:picMkLst>
         </pc:picChg>
       </pc:sldChg>
@@ -758,1004 +1386,438 @@
     </pc:docChg>
   </pc:docChgLst>
   <pc:docChgLst>
-    <pc:chgData name="Li Lixiang" userId="6104bbfcb56aea79" providerId="LiveId" clId="{195C821F-1926-4771-8AF3-DE34471BCA3B}"/>
-    <pc:docChg chg="custSel addSld modSld sldOrd">
-      <pc:chgData name="Li Lixiang" userId="6104bbfcb56aea79" providerId="LiveId" clId="{195C821F-1926-4771-8AF3-DE34471BCA3B}" dt="2021-04-21T11:57:25.193" v="2223" actId="20577"/>
+    <pc:chgData name="Li Lixiang" userId="6104bbfcb56aea79" providerId="LiveId" clId="{C944CA8C-D7FD-45E3-A950-E33B18ED6C4B}"/>
+    <pc:docChg chg="undo custSel addSld delSld modSld sldOrd">
+      <pc:chgData name="Li Lixiang" userId="6104bbfcb56aea79" providerId="LiveId" clId="{C944CA8C-D7FD-45E3-A950-E33B18ED6C4B}" dt="2021-10-05T13:34:13.313" v="64" actId="1076"/>
       <pc:docMkLst>
         <pc:docMk/>
       </pc:docMkLst>
       <pc:sldChg chg="modSp mod">
-        <pc:chgData name="Li Lixiang" userId="6104bbfcb56aea79" providerId="LiveId" clId="{195C821F-1926-4771-8AF3-DE34471BCA3B}" dt="2021-02-09T07:46:33.305" v="1313" actId="1076"/>
+        <pc:chgData name="Li Lixiang" userId="6104bbfcb56aea79" providerId="LiveId" clId="{C944CA8C-D7FD-45E3-A950-E33B18ED6C4B}" dt="2021-10-05T08:13:06.622" v="29" actId="20577"/>
         <pc:sldMkLst>
           <pc:docMk/>
-          <pc:sldMk cId="2854580649" sldId="257"/>
+          <pc:sldMk cId="3650079851" sldId="256"/>
         </pc:sldMkLst>
-        <pc:spChg chg="mod ord">
-          <ac:chgData name="Li Lixiang" userId="6104bbfcb56aea79" providerId="LiveId" clId="{195C821F-1926-4771-8AF3-DE34471BCA3B}" dt="2021-02-09T07:46:26.326" v="1311" actId="167"/>
+        <pc:spChg chg="mod">
+          <ac:chgData name="Li Lixiang" userId="6104bbfcb56aea79" providerId="LiveId" clId="{C944CA8C-D7FD-45E3-A950-E33B18ED6C4B}" dt="2021-10-05T08:13:06.622" v="29" actId="20577"/>
           <ac:spMkLst>
             <pc:docMk/>
-            <pc:sldMk cId="2854580649" sldId="257"/>
-            <ac:spMk id="3" creationId="{7060439F-2729-478E-B95F-230482B50AA1}"/>
+            <pc:sldMk cId="3650079851" sldId="256"/>
+            <ac:spMk id="4" creationId="{8DE6899A-D842-4C9E-ADC1-B0C1377122EA}"/>
           </ac:spMkLst>
         </pc:spChg>
+      </pc:sldChg>
+      <pc:sldChg chg="del">
+        <pc:chgData name="Li Lixiang" userId="6104bbfcb56aea79" providerId="LiveId" clId="{C944CA8C-D7FD-45E3-A950-E33B18ED6C4B}" dt="2021-10-05T08:13:12.137" v="30" actId="47"/>
+        <pc:sldMkLst>
+          <pc:docMk/>
+          <pc:sldMk cId="3575300521" sldId="285"/>
+        </pc:sldMkLst>
+      </pc:sldChg>
+      <pc:sldChg chg="del">
+        <pc:chgData name="Li Lixiang" userId="6104bbfcb56aea79" providerId="LiveId" clId="{C944CA8C-D7FD-45E3-A950-E33B18ED6C4B}" dt="2021-10-05T08:13:13.484" v="31" actId="47"/>
+        <pc:sldMkLst>
+          <pc:docMk/>
+          <pc:sldMk cId="1893043477" sldId="286"/>
+        </pc:sldMkLst>
+      </pc:sldChg>
+      <pc:sldChg chg="del">
+        <pc:chgData name="Li Lixiang" userId="6104bbfcb56aea79" providerId="LiveId" clId="{C944CA8C-D7FD-45E3-A950-E33B18ED6C4B}" dt="2021-10-05T08:13:14.303" v="32" actId="47"/>
+        <pc:sldMkLst>
+          <pc:docMk/>
+          <pc:sldMk cId="1566997948" sldId="287"/>
+        </pc:sldMkLst>
+      </pc:sldChg>
+      <pc:sldChg chg="del">
+        <pc:chgData name="Li Lixiang" userId="6104bbfcb56aea79" providerId="LiveId" clId="{C944CA8C-D7FD-45E3-A950-E33B18ED6C4B}" dt="2021-10-05T08:13:16.394" v="34" actId="47"/>
+        <pc:sldMkLst>
+          <pc:docMk/>
+          <pc:sldMk cId="1052484605" sldId="288"/>
+        </pc:sldMkLst>
+      </pc:sldChg>
+      <pc:sldChg chg="add del">
+        <pc:chgData name="Li Lixiang" userId="6104bbfcb56aea79" providerId="LiveId" clId="{C944CA8C-D7FD-45E3-A950-E33B18ED6C4B}" dt="2021-10-05T08:13:23.855" v="37" actId="47"/>
+        <pc:sldMkLst>
+          <pc:docMk/>
+          <pc:sldMk cId="2441130311" sldId="289"/>
+        </pc:sldMkLst>
+      </pc:sldChg>
+      <pc:sldChg chg="del">
+        <pc:chgData name="Li Lixiang" userId="6104bbfcb56aea79" providerId="LiveId" clId="{C944CA8C-D7FD-45E3-A950-E33B18ED6C4B}" dt="2021-10-05T08:13:36.045" v="38" actId="47"/>
+        <pc:sldMkLst>
+          <pc:docMk/>
+          <pc:sldMk cId="926358613" sldId="291"/>
+        </pc:sldMkLst>
+      </pc:sldChg>
+      <pc:sldChg chg="del">
+        <pc:chgData name="Li Lixiang" userId="6104bbfcb56aea79" providerId="LiveId" clId="{C944CA8C-D7FD-45E3-A950-E33B18ED6C4B}" dt="2021-10-05T08:13:39.010" v="39" actId="47"/>
+        <pc:sldMkLst>
+          <pc:docMk/>
+          <pc:sldMk cId="2762807510" sldId="292"/>
+        </pc:sldMkLst>
+      </pc:sldChg>
+      <pc:sldChg chg="del">
+        <pc:chgData name="Li Lixiang" userId="6104bbfcb56aea79" providerId="LiveId" clId="{C944CA8C-D7FD-45E3-A950-E33B18ED6C4B}" dt="2021-10-05T08:13:15.484" v="33" actId="47"/>
+        <pc:sldMkLst>
+          <pc:docMk/>
+          <pc:sldMk cId="2347769449" sldId="295"/>
+        </pc:sldMkLst>
+      </pc:sldChg>
+      <pc:sldChg chg="del">
+        <pc:chgData name="Li Lixiang" userId="6104bbfcb56aea79" providerId="LiveId" clId="{C944CA8C-D7FD-45E3-A950-E33B18ED6C4B}" dt="2021-10-05T08:13:17.265" v="35" actId="47"/>
+        <pc:sldMkLst>
+          <pc:docMk/>
+          <pc:sldMk cId="1923821541" sldId="296"/>
+        </pc:sldMkLst>
+      </pc:sldChg>
+      <pc:sldChg chg="addSp delSp modSp new mod">
+        <pc:chgData name="Li Lixiang" userId="6104bbfcb56aea79" providerId="LiveId" clId="{C944CA8C-D7FD-45E3-A950-E33B18ED6C4B}" dt="2021-10-05T09:25:14.867" v="44" actId="1076"/>
+        <pc:sldMkLst>
+          <pc:docMk/>
+          <pc:sldMk cId="2050573411" sldId="298"/>
+        </pc:sldMkLst>
         <pc:spChg chg="mod">
-          <ac:chgData name="Li Lixiang" userId="6104bbfcb56aea79" providerId="LiveId" clId="{195C821F-1926-4771-8AF3-DE34471BCA3B}" dt="2021-02-09T07:46:33.305" v="1313" actId="1076"/>
+          <ac:chgData name="Li Lixiang" userId="6104bbfcb56aea79" providerId="LiveId" clId="{C944CA8C-D7FD-45E3-A950-E33B18ED6C4B}" dt="2021-10-05T09:22:43.273" v="41"/>
           <ac:spMkLst>
             <pc:docMk/>
-            <pc:sldMk cId="2854580649" sldId="257"/>
-            <ac:spMk id="5" creationId="{26928568-CB66-459F-99EA-7CB2555F4D7F}"/>
+            <pc:sldMk cId="2050573411" sldId="298"/>
+            <ac:spMk id="2" creationId="{DCA24933-74A6-4A51-B9CC-8AA9D06DE507}"/>
           </ac:spMkLst>
         </pc:spChg>
-        <pc:picChg chg="mod">
-          <ac:chgData name="Li Lixiang" userId="6104bbfcb56aea79" providerId="LiveId" clId="{195C821F-1926-4771-8AF3-DE34471BCA3B}" dt="2021-02-09T07:46:29.401" v="1312" actId="1076"/>
+        <pc:spChg chg="del">
+          <ac:chgData name="Li Lixiang" userId="6104bbfcb56aea79" providerId="LiveId" clId="{C944CA8C-D7FD-45E3-A950-E33B18ED6C4B}" dt="2021-10-05T09:22:46.646" v="42" actId="478"/>
+          <ac:spMkLst>
+            <pc:docMk/>
+            <pc:sldMk cId="2050573411" sldId="298"/>
+            <ac:spMk id="3" creationId="{7692AD54-4D7D-4068-87A0-BEBC365B7493}"/>
+          </ac:spMkLst>
+        </pc:spChg>
+        <pc:picChg chg="add mod">
+          <ac:chgData name="Li Lixiang" userId="6104bbfcb56aea79" providerId="LiveId" clId="{C944CA8C-D7FD-45E3-A950-E33B18ED6C4B}" dt="2021-10-05T09:25:14.867" v="44" actId="1076"/>
           <ac:picMkLst>
             <pc:docMk/>
-            <pc:sldMk cId="2854580649" sldId="257"/>
-            <ac:picMk id="6" creationId="{F83CCE3F-562B-45E2-AC5D-E13C127B03DA}"/>
+            <pc:sldMk cId="2050573411" sldId="298"/>
+            <ac:picMk id="5" creationId="{14C9E1F3-DBA5-4F54-BD74-49E6665B43A5}"/>
           </ac:picMkLst>
         </pc:picChg>
       </pc:sldChg>
-      <pc:sldChg chg="addSp delSp modSp mod">
-        <pc:chgData name="Li Lixiang" userId="6104bbfcb56aea79" providerId="LiveId" clId="{195C821F-1926-4771-8AF3-DE34471BCA3B}" dt="2021-04-03T11:16:58.436" v="1534" actId="478"/>
+      <pc:sldChg chg="addSp delSp modSp new mod ord">
+        <pc:chgData name="Li Lixiang" userId="6104bbfcb56aea79" providerId="LiveId" clId="{C944CA8C-D7FD-45E3-A950-E33B18ED6C4B}" dt="2021-10-05T13:28:36.653" v="51"/>
         <pc:sldMkLst>
           <pc:docMk/>
-          <pc:sldMk cId="3903523967" sldId="258"/>
+          <pc:sldMk cId="1431496112" sldId="299"/>
         </pc:sldMkLst>
         <pc:spChg chg="mod">
-          <ac:chgData name="Li Lixiang" userId="6104bbfcb56aea79" providerId="LiveId" clId="{195C821F-1926-4771-8AF3-DE34471BCA3B}" dt="2021-01-19T02:34:16.254" v="16" actId="20577"/>
+          <ac:chgData name="Li Lixiang" userId="6104bbfcb56aea79" providerId="LiveId" clId="{C944CA8C-D7FD-45E3-A950-E33B18ED6C4B}" dt="2021-10-05T09:25:45.671" v="46"/>
           <ac:spMkLst>
             <pc:docMk/>
-            <pc:sldMk cId="3903523967" sldId="258"/>
-            <ac:spMk id="3" creationId="{7060439F-2729-478E-B95F-230482B50AA1}"/>
+            <pc:sldMk cId="1431496112" sldId="299"/>
+            <ac:spMk id="2" creationId="{7023638B-A1C5-49A2-B972-EA57AF607941}"/>
           </ac:spMkLst>
         </pc:spChg>
         <pc:spChg chg="del">
-          <ac:chgData name="Li Lixiang" userId="6104bbfcb56aea79" providerId="LiveId" clId="{195C821F-1926-4771-8AF3-DE34471BCA3B}" dt="2021-01-19T02:34:21.762" v="18" actId="478"/>
+          <ac:chgData name="Li Lixiang" userId="6104bbfcb56aea79" providerId="LiveId" clId="{C944CA8C-D7FD-45E3-A950-E33B18ED6C4B}" dt="2021-10-05T09:25:54.456" v="47" actId="478"/>
           <ac:spMkLst>
             <pc:docMk/>
-            <pc:sldMk cId="3903523967" sldId="258"/>
-            <ac:spMk id="6" creationId="{E4DBFA76-697A-4623-9E8D-2FFA324C5F1E}"/>
+            <pc:sldMk cId="1431496112" sldId="299"/>
+            <ac:spMk id="3" creationId="{DC3C9206-7EC9-4A7A-BE5B-8B2087D6A2BC}"/>
           </ac:spMkLst>
         </pc:spChg>
-        <pc:picChg chg="del">
-          <ac:chgData name="Li Lixiang" userId="6104bbfcb56aea79" providerId="LiveId" clId="{195C821F-1926-4771-8AF3-DE34471BCA3B}" dt="2021-01-19T02:34:20.149" v="17" actId="478"/>
+        <pc:picChg chg="add mod">
+          <ac:chgData name="Li Lixiang" userId="6104bbfcb56aea79" providerId="LiveId" clId="{C944CA8C-D7FD-45E3-A950-E33B18ED6C4B}" dt="2021-10-05T13:28:00.166" v="49" actId="1076"/>
           <ac:picMkLst>
             <pc:docMk/>
-            <pc:sldMk cId="3903523967" sldId="258"/>
-            <ac:picMk id="7" creationId="{F528F419-646C-4121-9531-6A58ECF5D916}"/>
-          </ac:picMkLst>
-        </pc:picChg>
-        <pc:picChg chg="add mod">
-          <ac:chgData name="Li Lixiang" userId="6104bbfcb56aea79" providerId="LiveId" clId="{195C821F-1926-4771-8AF3-DE34471BCA3B}" dt="2021-01-19T02:34:25.884" v="19" actId="14100"/>
-          <ac:picMkLst>
-            <pc:docMk/>
-            <pc:sldMk cId="3903523967" sldId="258"/>
-            <ac:picMk id="1026" creationId="{52F45C9F-3865-41B0-ACE6-90BA792701EF}"/>
-          </ac:picMkLst>
-        </pc:picChg>
-        <pc:inkChg chg="add del">
-          <ac:chgData name="Li Lixiang" userId="6104bbfcb56aea79" providerId="LiveId" clId="{195C821F-1926-4771-8AF3-DE34471BCA3B}" dt="2021-02-13T09:48:02.624" v="1316" actId="478"/>
-          <ac:inkMkLst>
-            <pc:docMk/>
-            <pc:sldMk cId="3903523967" sldId="258"/>
-            <ac:inkMk id="4" creationId="{0DF619EA-1F5C-47D1-82C9-95A03EAD2679}"/>
-          </ac:inkMkLst>
-        </pc:inkChg>
-        <pc:inkChg chg="add del">
-          <ac:chgData name="Li Lixiang" userId="6104bbfcb56aea79" providerId="LiveId" clId="{195C821F-1926-4771-8AF3-DE34471BCA3B}" dt="2021-04-03T11:16:58.436" v="1534" actId="478"/>
-          <ac:inkMkLst>
-            <pc:docMk/>
-            <pc:sldMk cId="3903523967" sldId="258"/>
-            <ac:inkMk id="4" creationId="{6914EE9E-FEAC-45FF-8992-B82FF321FF50}"/>
-          </ac:inkMkLst>
-        </pc:inkChg>
-      </pc:sldChg>
-      <pc:sldChg chg="addSp delSp mod">
-        <pc:chgData name="Li Lixiang" userId="6104bbfcb56aea79" providerId="LiveId" clId="{195C821F-1926-4771-8AF3-DE34471BCA3B}" dt="2021-04-03T11:10:15.431" v="1532" actId="478"/>
-        <pc:sldMkLst>
-          <pc:docMk/>
-          <pc:sldMk cId="647322237" sldId="259"/>
-        </pc:sldMkLst>
-        <pc:inkChg chg="add del">
-          <ac:chgData name="Li Lixiang" userId="6104bbfcb56aea79" providerId="LiveId" clId="{195C821F-1926-4771-8AF3-DE34471BCA3B}" dt="2021-04-03T11:10:15.431" v="1532" actId="478"/>
-          <ac:inkMkLst>
-            <pc:docMk/>
-            <pc:sldMk cId="647322237" sldId="259"/>
-            <ac:inkMk id="4" creationId="{CD82BB32-7956-44C1-96D4-04458022C85A}"/>
-          </ac:inkMkLst>
-        </pc:inkChg>
-      </pc:sldChg>
-      <pc:sldChg chg="addSp delSp mod">
-        <pc:chgData name="Li Lixiang" userId="6104bbfcb56aea79" providerId="LiveId" clId="{195C821F-1926-4771-8AF3-DE34471BCA3B}" dt="2021-02-18T08:18:24.232" v="1318" actId="478"/>
-        <pc:sldMkLst>
-          <pc:docMk/>
-          <pc:sldMk cId="1167250398" sldId="260"/>
-        </pc:sldMkLst>
-        <pc:inkChg chg="add del">
-          <ac:chgData name="Li Lixiang" userId="6104bbfcb56aea79" providerId="LiveId" clId="{195C821F-1926-4771-8AF3-DE34471BCA3B}" dt="2021-02-18T08:18:24.232" v="1318" actId="478"/>
-          <ac:inkMkLst>
-            <pc:docMk/>
-            <pc:sldMk cId="1167250398" sldId="260"/>
-            <ac:inkMk id="4" creationId="{99AADF1E-63F7-4990-A08C-3DDE0074AE08}"/>
-          </ac:inkMkLst>
-        </pc:inkChg>
-      </pc:sldChg>
-      <pc:sldChg chg="modSp mod">
-        <pc:chgData name="Li Lixiang" userId="6104bbfcb56aea79" providerId="LiveId" clId="{195C821F-1926-4771-8AF3-DE34471BCA3B}" dt="2021-01-05T04:01:19.613" v="1" actId="732"/>
-        <pc:sldMkLst>
-          <pc:docMk/>
-          <pc:sldMk cId="2998306887" sldId="266"/>
-        </pc:sldMkLst>
-        <pc:picChg chg="mod modCrop">
-          <ac:chgData name="Li Lixiang" userId="6104bbfcb56aea79" providerId="LiveId" clId="{195C821F-1926-4771-8AF3-DE34471BCA3B}" dt="2021-01-05T04:01:19.613" v="1" actId="732"/>
-          <ac:picMkLst>
-            <pc:docMk/>
-            <pc:sldMk cId="2998306887" sldId="266"/>
-            <ac:picMk id="5" creationId="{13607EAE-1653-4C12-B8D5-0FC08194D12C}"/>
-          </ac:picMkLst>
-        </pc:picChg>
-      </pc:sldChg>
-      <pc:sldChg chg="addSp mod">
-        <pc:chgData name="Li Lixiang" userId="6104bbfcb56aea79" providerId="LiveId" clId="{195C821F-1926-4771-8AF3-DE34471BCA3B}" dt="2021-02-02T13:55:29.251" v="252" actId="9405"/>
-        <pc:sldMkLst>
-          <pc:docMk/>
-          <pc:sldMk cId="2133616112" sldId="267"/>
-        </pc:sldMkLst>
-        <pc:inkChg chg="add">
-          <ac:chgData name="Li Lixiang" userId="6104bbfcb56aea79" providerId="LiveId" clId="{195C821F-1926-4771-8AF3-DE34471BCA3B}" dt="2021-02-02T13:55:29.251" v="252" actId="9405"/>
-          <ac:inkMkLst>
-            <pc:docMk/>
-            <pc:sldMk cId="2133616112" sldId="267"/>
-            <ac:inkMk id="5" creationId="{725CE1A2-0EAB-4903-A990-E1B99EF21BB3}"/>
-          </ac:inkMkLst>
-        </pc:inkChg>
-      </pc:sldChg>
-      <pc:sldChg chg="addSp delSp modSp add mod">
-        <pc:chgData name="Li Lixiang" userId="6104bbfcb56aea79" providerId="LiveId" clId="{195C821F-1926-4771-8AF3-DE34471BCA3B}" dt="2021-02-09T08:22:32.982" v="1315" actId="9405"/>
-        <pc:sldMkLst>
-          <pc:docMk/>
-          <pc:sldMk cId="3450450490" sldId="268"/>
-        </pc:sldMkLst>
-        <pc:spChg chg="mod">
-          <ac:chgData name="Li Lixiang" userId="6104bbfcb56aea79" providerId="LiveId" clId="{195C821F-1926-4771-8AF3-DE34471BCA3B}" dt="2021-02-06T12:31:50.308" v="264" actId="14100"/>
-          <ac:spMkLst>
-            <pc:docMk/>
-            <pc:sldMk cId="3450450490" sldId="268"/>
-            <ac:spMk id="6" creationId="{E4DBFA76-697A-4623-9E8D-2FFA324C5F1E}"/>
-          </ac:spMkLst>
-        </pc:spChg>
-        <pc:picChg chg="add del ord">
-          <ac:chgData name="Li Lixiang" userId="6104bbfcb56aea79" providerId="LiveId" clId="{195C821F-1926-4771-8AF3-DE34471BCA3B}" dt="2021-02-06T12:31:41.670" v="261" actId="478"/>
-          <ac:picMkLst>
-            <pc:docMk/>
-            <pc:sldMk cId="3450450490" sldId="268"/>
-            <ac:picMk id="5" creationId="{70291EF7-72DF-4DD3-B564-C8EA10E727D4}"/>
-          </ac:picMkLst>
-        </pc:picChg>
-        <pc:picChg chg="del">
-          <ac:chgData name="Li Lixiang" userId="6104bbfcb56aea79" providerId="LiveId" clId="{195C821F-1926-4771-8AF3-DE34471BCA3B}" dt="2021-02-06T12:29:10.636" v="253" actId="478"/>
-          <ac:picMkLst>
-            <pc:docMk/>
-            <pc:sldMk cId="3450450490" sldId="268"/>
-            <ac:picMk id="7" creationId="{F528F419-646C-4121-9531-6A58ECF5D916}"/>
-          </ac:picMkLst>
-        </pc:picChg>
-        <pc:picChg chg="add mod ord">
-          <ac:chgData name="Li Lixiang" userId="6104bbfcb56aea79" providerId="LiveId" clId="{195C821F-1926-4771-8AF3-DE34471BCA3B}" dt="2021-02-06T12:31:46.541" v="263" actId="1076"/>
-          <ac:picMkLst>
-            <pc:docMk/>
-            <pc:sldMk cId="3450450490" sldId="268"/>
-            <ac:picMk id="9" creationId="{9EA71C3C-F5F7-4DEC-A1C8-A141A1515314}"/>
-          </ac:picMkLst>
-        </pc:picChg>
-        <pc:picChg chg="del">
-          <ac:chgData name="Li Lixiang" userId="6104bbfcb56aea79" providerId="LiveId" clId="{195C821F-1926-4771-8AF3-DE34471BCA3B}" dt="2021-01-19T02:34:03.687" v="4" actId="478"/>
-          <ac:picMkLst>
-            <pc:docMk/>
-            <pc:sldMk cId="3450450490" sldId="268"/>
-            <ac:picMk id="1026" creationId="{52F45C9F-3865-41B0-ACE6-90BA792701EF}"/>
-          </ac:picMkLst>
-        </pc:picChg>
-        <pc:inkChg chg="add">
-          <ac:chgData name="Li Lixiang" userId="6104bbfcb56aea79" providerId="LiveId" clId="{195C821F-1926-4771-8AF3-DE34471BCA3B}" dt="2021-02-09T08:22:32.982" v="1315" actId="9405"/>
-          <ac:inkMkLst>
-            <pc:docMk/>
-            <pc:sldMk cId="3450450490" sldId="268"/>
-            <ac:inkMk id="4" creationId="{2CCD9326-0229-4263-8D81-3D8917EA5A88}"/>
-          </ac:inkMkLst>
-        </pc:inkChg>
-      </pc:sldChg>
-      <pc:sldChg chg="add">
-        <pc:chgData name="Li Lixiang" userId="6104bbfcb56aea79" providerId="LiveId" clId="{195C821F-1926-4771-8AF3-DE34471BCA3B}" dt="2021-01-30T04:52:06.175" v="20"/>
-        <pc:sldMkLst>
-          <pc:docMk/>
-          <pc:sldMk cId="1777997471" sldId="269"/>
-        </pc:sldMkLst>
-      </pc:sldChg>
-      <pc:sldChg chg="addSp delSp add mod">
-        <pc:chgData name="Li Lixiang" userId="6104bbfcb56aea79" providerId="LiveId" clId="{195C821F-1926-4771-8AF3-DE34471BCA3B}" dt="2021-02-18T08:23:01.821" v="1320" actId="478"/>
-        <pc:sldMkLst>
-          <pc:docMk/>
-          <pc:sldMk cId="237728322" sldId="270"/>
-        </pc:sldMkLst>
-        <pc:inkChg chg="add del">
-          <ac:chgData name="Li Lixiang" userId="6104bbfcb56aea79" providerId="LiveId" clId="{195C821F-1926-4771-8AF3-DE34471BCA3B}" dt="2021-02-18T08:23:01.821" v="1320" actId="478"/>
-          <ac:inkMkLst>
-            <pc:docMk/>
-            <pc:sldMk cId="237728322" sldId="270"/>
-            <ac:inkMk id="5" creationId="{272BF278-179C-4028-9276-326ABE6978AE}"/>
-          </ac:inkMkLst>
-        </pc:inkChg>
-      </pc:sldChg>
-      <pc:sldChg chg="addSp delSp modSp add mod">
-        <pc:chgData name="Li Lixiang" userId="6104bbfcb56aea79" providerId="LiveId" clId="{195C821F-1926-4771-8AF3-DE34471BCA3B}" dt="2021-02-02T10:41:00.805" v="251" actId="20577"/>
-        <pc:sldMkLst>
-          <pc:docMk/>
-          <pc:sldMk cId="584544023" sldId="271"/>
-        </pc:sldMkLst>
-        <pc:spChg chg="mod">
-          <ac:chgData name="Li Lixiang" userId="6104bbfcb56aea79" providerId="LiveId" clId="{195C821F-1926-4771-8AF3-DE34471BCA3B}" dt="2021-02-02T10:41:00.805" v="251" actId="20577"/>
-          <ac:spMkLst>
-            <pc:docMk/>
-            <pc:sldMk cId="584544023" sldId="271"/>
-            <ac:spMk id="3" creationId="{7060439F-2729-478E-B95F-230482B50AA1}"/>
-          </ac:spMkLst>
-        </pc:spChg>
-        <pc:picChg chg="del">
-          <ac:chgData name="Li Lixiang" userId="6104bbfcb56aea79" providerId="LiveId" clId="{195C821F-1926-4771-8AF3-DE34471BCA3B}" dt="2021-02-02T10:29:56.870" v="35" actId="478"/>
-          <ac:picMkLst>
-            <pc:docMk/>
-            <pc:sldMk cId="584544023" sldId="271"/>
-            <ac:picMk id="5" creationId="{1D894D49-A68F-4EBD-9C2A-4095DC4B6C25}"/>
-          </ac:picMkLst>
-        </pc:picChg>
-        <pc:picChg chg="add mod">
-          <ac:chgData name="Li Lixiang" userId="6104bbfcb56aea79" providerId="LiveId" clId="{195C821F-1926-4771-8AF3-DE34471BCA3B}" dt="2021-02-02T10:39:37.096" v="190" actId="1076"/>
-          <ac:picMkLst>
-            <pc:docMk/>
-            <pc:sldMk cId="584544023" sldId="271"/>
-            <ac:picMk id="6" creationId="{1B87C686-F99F-4BE2-B83A-C389598920D6}"/>
+            <pc:sldMk cId="1431496112" sldId="299"/>
+            <ac:picMk id="4" creationId="{578FF319-95E7-4A5B-B061-4D3FEFF1AED9}"/>
           </ac:picMkLst>
         </pc:picChg>
       </pc:sldChg>
       <pc:sldChg chg="addSp delSp modSp add mod ord">
-        <pc:chgData name="Li Lixiang" userId="6104bbfcb56aea79" providerId="LiveId" clId="{195C821F-1926-4771-8AF3-DE34471BCA3B}" dt="2021-04-21T11:51:01.379" v="1936" actId="20577"/>
+        <pc:chgData name="Li Lixiang" userId="6104bbfcb56aea79" providerId="LiveId" clId="{C944CA8C-D7FD-45E3-A950-E33B18ED6C4B}" dt="2021-10-05T13:34:13.313" v="64" actId="1076"/>
         <pc:sldMkLst>
           <pc:docMk/>
-          <pc:sldMk cId="3132061225" sldId="272"/>
+          <pc:sldMk cId="1789888979" sldId="300"/>
+        </pc:sldMkLst>
+        <pc:picChg chg="del">
+          <ac:chgData name="Li Lixiang" userId="6104bbfcb56aea79" providerId="LiveId" clId="{C944CA8C-D7FD-45E3-A950-E33B18ED6C4B}" dt="2021-10-05T13:28:48.095" v="55" actId="478"/>
+          <ac:picMkLst>
+            <pc:docMk/>
+            <pc:sldMk cId="1789888979" sldId="300"/>
+            <ac:picMk id="4" creationId="{578FF319-95E7-4A5B-B061-4D3FEFF1AED9}"/>
+          </ac:picMkLst>
+        </pc:picChg>
+        <pc:picChg chg="add mod">
+          <ac:chgData name="Li Lixiang" userId="6104bbfcb56aea79" providerId="LiveId" clId="{C944CA8C-D7FD-45E3-A950-E33B18ED6C4B}" dt="2021-10-05T13:32:37.169" v="57" actId="1076"/>
+          <ac:picMkLst>
+            <pc:docMk/>
+            <pc:sldMk cId="1789888979" sldId="300"/>
+            <ac:picMk id="5" creationId="{D805D1C1-2A11-440C-9B17-0B6913880466}"/>
+          </ac:picMkLst>
+        </pc:picChg>
+        <pc:picChg chg="add mod">
+          <ac:chgData name="Li Lixiang" userId="6104bbfcb56aea79" providerId="LiveId" clId="{C944CA8C-D7FD-45E3-A950-E33B18ED6C4B}" dt="2021-10-05T13:33:12.274" v="59" actId="1076"/>
+          <ac:picMkLst>
+            <pc:docMk/>
+            <pc:sldMk cId="1789888979" sldId="300"/>
+            <ac:picMk id="7" creationId="{19E722A4-C31D-4FA3-99F5-B9CD632A8327}"/>
+          </ac:picMkLst>
+        </pc:picChg>
+        <pc:picChg chg="add mod">
+          <ac:chgData name="Li Lixiang" userId="6104bbfcb56aea79" providerId="LiveId" clId="{C944CA8C-D7FD-45E3-A950-E33B18ED6C4B}" dt="2021-10-05T13:33:48.457" v="62" actId="1076"/>
+          <ac:picMkLst>
+            <pc:docMk/>
+            <pc:sldMk cId="1789888979" sldId="300"/>
+            <ac:picMk id="9" creationId="{1B55B977-EF09-41B8-8A17-33D4E6534017}"/>
+          </ac:picMkLst>
+        </pc:picChg>
+        <pc:picChg chg="add mod">
+          <ac:chgData name="Li Lixiang" userId="6104bbfcb56aea79" providerId="LiveId" clId="{C944CA8C-D7FD-45E3-A950-E33B18ED6C4B}" dt="2021-10-05T13:34:13.313" v="64" actId="1076"/>
+          <ac:picMkLst>
+            <pc:docMk/>
+            <pc:sldMk cId="1789888979" sldId="300"/>
+            <ac:picMk id="11" creationId="{5AE1240C-41E4-42D8-A2F3-2EC5D883B2CC}"/>
+          </ac:picMkLst>
+        </pc:picChg>
+      </pc:sldChg>
+    </pc:docChg>
+  </pc:docChgLst>
+  <pc:docChgLst>
+    <pc:chgData name="Li Lixiang" userId="6104bbfcb56aea79" providerId="LiveId" clId="{3FDD4BF6-6783-4A39-AE51-992956F9868D}"/>
+    <pc:docChg chg="custSel addSld modSld">
+      <pc:chgData name="Li Lixiang" userId="6104bbfcb56aea79" providerId="LiveId" clId="{3FDD4BF6-6783-4A39-AE51-992956F9868D}" dt="2021-10-05T07:46:38.159" v="30" actId="20577"/>
+      <pc:docMkLst>
+        <pc:docMk/>
+      </pc:docMkLst>
+      <pc:sldChg chg="modSp mod">
+        <pc:chgData name="Li Lixiang" userId="6104bbfcb56aea79" providerId="LiveId" clId="{3FDD4BF6-6783-4A39-AE51-992956F9868D}" dt="2021-10-05T07:46:38.159" v="30" actId="20577"/>
+        <pc:sldMkLst>
+          <pc:docMk/>
+          <pc:sldMk cId="2441130311" sldId="289"/>
         </pc:sldMkLst>
         <pc:spChg chg="mod">
-          <ac:chgData name="Li Lixiang" userId="6104bbfcb56aea79" providerId="LiveId" clId="{195C821F-1926-4771-8AF3-DE34471BCA3B}" dt="2021-04-21T11:36:24.966" v="1587" actId="20577"/>
+          <ac:chgData name="Li Lixiang" userId="6104bbfcb56aea79" providerId="LiveId" clId="{3FDD4BF6-6783-4A39-AE51-992956F9868D}" dt="2021-10-05T07:46:38.159" v="30" actId="20577"/>
           <ac:spMkLst>
             <pc:docMk/>
-            <pc:sldMk cId="3132061225" sldId="272"/>
-            <ac:spMk id="2" creationId="{5EC01E2D-9CFE-4D5D-8863-3BA90731F07B}"/>
+            <pc:sldMk cId="2441130311" sldId="289"/>
+            <ac:spMk id="15" creationId="{F6E4BC8C-67FE-44C5-8DAE-60B51939EF5A}"/>
+          </ac:spMkLst>
+        </pc:spChg>
+      </pc:sldChg>
+      <pc:sldChg chg="addSp delSp modSp new mod">
+        <pc:chgData name="Li Lixiang" userId="6104bbfcb56aea79" providerId="LiveId" clId="{3FDD4BF6-6783-4A39-AE51-992956F9868D}" dt="2021-10-05T07:25:15.880" v="6" actId="1076"/>
+        <pc:sldMkLst>
+          <pc:docMk/>
+          <pc:sldMk cId="2347769449" sldId="295"/>
+        </pc:sldMkLst>
+        <pc:spChg chg="mod">
+          <ac:chgData name="Li Lixiang" userId="6104bbfcb56aea79" providerId="LiveId" clId="{3FDD4BF6-6783-4A39-AE51-992956F9868D}" dt="2021-10-05T07:16:39.263" v="1"/>
+          <ac:spMkLst>
+            <pc:docMk/>
+            <pc:sldMk cId="2347769449" sldId="295"/>
+            <ac:spMk id="2" creationId="{F17A0A55-2959-41DE-9CAB-446B3A2EC23B}"/>
+          </ac:spMkLst>
+        </pc:spChg>
+        <pc:spChg chg="del">
+          <ac:chgData name="Li Lixiang" userId="6104bbfcb56aea79" providerId="LiveId" clId="{3FDD4BF6-6783-4A39-AE51-992956F9868D}" dt="2021-10-05T07:16:43.668" v="2" actId="478"/>
+          <ac:spMkLst>
+            <pc:docMk/>
+            <pc:sldMk cId="2347769449" sldId="295"/>
+            <ac:spMk id="3" creationId="{40E0DD12-507C-44C0-AB39-8FF844CF1F51}"/>
+          </ac:spMkLst>
+        </pc:spChg>
+        <pc:picChg chg="add mod">
+          <ac:chgData name="Li Lixiang" userId="6104bbfcb56aea79" providerId="LiveId" clId="{3FDD4BF6-6783-4A39-AE51-992956F9868D}" dt="2021-10-05T07:20:50.412" v="4" actId="1076"/>
+          <ac:picMkLst>
+            <pc:docMk/>
+            <pc:sldMk cId="2347769449" sldId="295"/>
+            <ac:picMk id="5" creationId="{CD38E992-6167-4E21-B765-3F713CA59162}"/>
+          </ac:picMkLst>
+        </pc:picChg>
+        <pc:picChg chg="add mod">
+          <ac:chgData name="Li Lixiang" userId="6104bbfcb56aea79" providerId="LiveId" clId="{3FDD4BF6-6783-4A39-AE51-992956F9868D}" dt="2021-10-05T07:25:15.880" v="6" actId="1076"/>
+          <ac:picMkLst>
+            <pc:docMk/>
+            <pc:sldMk cId="2347769449" sldId="295"/>
+            <ac:picMk id="7" creationId="{D2EE539B-4AE0-4099-8D7B-93A00A62A8A9}"/>
+          </ac:picMkLst>
+        </pc:picChg>
+      </pc:sldChg>
+      <pc:sldChg chg="addSp delSp modSp new mod">
+        <pc:chgData name="Li Lixiang" userId="6104bbfcb56aea79" providerId="LiveId" clId="{3FDD4BF6-6783-4A39-AE51-992956F9868D}" dt="2021-10-05T07:36:05.186" v="15" actId="1076"/>
+        <pc:sldMkLst>
+          <pc:docMk/>
+          <pc:sldMk cId="1923821541" sldId="296"/>
+        </pc:sldMkLst>
+        <pc:spChg chg="mod">
+          <ac:chgData name="Li Lixiang" userId="6104bbfcb56aea79" providerId="LiveId" clId="{3FDD4BF6-6783-4A39-AE51-992956F9868D}" dt="2021-10-05T07:26:03.194" v="8"/>
+          <ac:spMkLst>
+            <pc:docMk/>
+            <pc:sldMk cId="1923821541" sldId="296"/>
+            <ac:spMk id="2" creationId="{B28439DF-47E4-4D15-96D2-F93590BCB049}"/>
+          </ac:spMkLst>
+        </pc:spChg>
+        <pc:spChg chg="del">
+          <ac:chgData name="Li Lixiang" userId="6104bbfcb56aea79" providerId="LiveId" clId="{3FDD4BF6-6783-4A39-AE51-992956F9868D}" dt="2021-10-05T07:26:36.480" v="9" actId="478"/>
+          <ac:spMkLst>
+            <pc:docMk/>
+            <pc:sldMk cId="1923821541" sldId="296"/>
+            <ac:spMk id="3" creationId="{460A4771-2FEB-46B7-B32F-143A5D80848D}"/>
+          </ac:spMkLst>
+        </pc:spChg>
+        <pc:picChg chg="add del mod">
+          <ac:chgData name="Li Lixiang" userId="6104bbfcb56aea79" providerId="LiveId" clId="{3FDD4BF6-6783-4A39-AE51-992956F9868D}" dt="2021-10-05T07:36:02.363" v="13" actId="478"/>
+          <ac:picMkLst>
+            <pc:docMk/>
+            <pc:sldMk cId="1923821541" sldId="296"/>
+            <ac:picMk id="5" creationId="{A8D7360B-E8E3-4513-9093-CFE8F1AE9253}"/>
+          </ac:picMkLst>
+        </pc:picChg>
+        <pc:picChg chg="add mod">
+          <ac:chgData name="Li Lixiang" userId="6104bbfcb56aea79" providerId="LiveId" clId="{3FDD4BF6-6783-4A39-AE51-992956F9868D}" dt="2021-10-05T07:36:05.186" v="15" actId="1076"/>
+          <ac:picMkLst>
+            <pc:docMk/>
+            <pc:sldMk cId="1923821541" sldId="296"/>
+            <ac:picMk id="7" creationId="{626104B8-E2D1-4686-99E2-77764F53281B}"/>
+          </ac:picMkLst>
+        </pc:picChg>
+      </pc:sldChg>
+      <pc:sldChg chg="addSp delSp modSp new mod">
+        <pc:chgData name="Li Lixiang" userId="6104bbfcb56aea79" providerId="LiveId" clId="{3FDD4BF6-6783-4A39-AE51-992956F9868D}" dt="2021-10-05T07:41:52.129" v="21" actId="1076"/>
+        <pc:sldMkLst>
+          <pc:docMk/>
+          <pc:sldMk cId="1337673820" sldId="297"/>
+        </pc:sldMkLst>
+        <pc:spChg chg="mod">
+          <ac:chgData name="Li Lixiang" userId="6104bbfcb56aea79" providerId="LiveId" clId="{3FDD4BF6-6783-4A39-AE51-992956F9868D}" dt="2021-10-05T07:37:48.179" v="17"/>
+          <ac:spMkLst>
+            <pc:docMk/>
+            <pc:sldMk cId="1337673820" sldId="297"/>
+            <ac:spMk id="2" creationId="{87B31375-DBB1-4A0D-B4DA-BA248AB3DCC6}"/>
+          </ac:spMkLst>
+        </pc:spChg>
+        <pc:spChg chg="del">
+          <ac:chgData name="Li Lixiang" userId="6104bbfcb56aea79" providerId="LiveId" clId="{3FDD4BF6-6783-4A39-AE51-992956F9868D}" dt="2021-10-05T07:37:51.291" v="18" actId="478"/>
+          <ac:spMkLst>
+            <pc:docMk/>
+            <pc:sldMk cId="1337673820" sldId="297"/>
+            <ac:spMk id="3" creationId="{EF934426-4268-4EA5-8722-50F1C2B27AC2}"/>
+          </ac:spMkLst>
+        </pc:spChg>
+        <pc:picChg chg="add mod">
+          <ac:chgData name="Li Lixiang" userId="6104bbfcb56aea79" providerId="LiveId" clId="{3FDD4BF6-6783-4A39-AE51-992956F9868D}" dt="2021-10-05T07:41:52.129" v="21" actId="1076"/>
+          <ac:picMkLst>
+            <pc:docMk/>
+            <pc:sldMk cId="1337673820" sldId="297"/>
+            <ac:picMk id="5" creationId="{6F732DC5-CD3C-4C21-86A2-98BF8477C70C}"/>
+          </ac:picMkLst>
+        </pc:picChg>
+      </pc:sldChg>
+    </pc:docChg>
+  </pc:docChgLst>
+  <pc:docChgLst>
+    <pc:chgData name="Li Lixiang" userId="6104bbfcb56aea79" providerId="LiveId" clId="{CA1745B2-F4B4-4436-9202-E80D06F6668A}"/>
+    <pc:docChg chg="custSel addSld modSld">
+      <pc:chgData name="Li Lixiang" userId="6104bbfcb56aea79" providerId="LiveId" clId="{CA1745B2-F4B4-4436-9202-E80D06F6668A}" dt="2021-09-08T06:22:02.971" v="633" actId="1076"/>
+      <pc:docMkLst>
+        <pc:docMk/>
+      </pc:docMkLst>
+      <pc:sldChg chg="modSp mod">
+        <pc:chgData name="Li Lixiang" userId="6104bbfcb56aea79" providerId="LiveId" clId="{CA1745B2-F4B4-4436-9202-E80D06F6668A}" dt="2021-09-08T06:14:13.409" v="60" actId="20577"/>
+        <pc:sldMkLst>
+          <pc:docMk/>
+          <pc:sldMk cId="2441130311" sldId="289"/>
+        </pc:sldMkLst>
+        <pc:spChg chg="mod">
+          <ac:chgData name="Li Lixiang" userId="6104bbfcb56aea79" providerId="LiveId" clId="{CA1745B2-F4B4-4436-9202-E80D06F6668A}" dt="2021-09-08T04:35:14.512" v="12" actId="20577"/>
+          <ac:spMkLst>
+            <pc:docMk/>
+            <pc:sldMk cId="2441130311" sldId="289"/>
+            <ac:spMk id="2" creationId="{D947D2DF-FCBF-47C3-9EC9-872096C568C7}"/>
           </ac:spMkLst>
         </pc:spChg>
         <pc:spChg chg="mod">
-          <ac:chgData name="Li Lixiang" userId="6104bbfcb56aea79" providerId="LiveId" clId="{195C821F-1926-4771-8AF3-DE34471BCA3B}" dt="2021-04-21T11:51:01.379" v="1936" actId="20577"/>
+          <ac:chgData name="Li Lixiang" userId="6104bbfcb56aea79" providerId="LiveId" clId="{CA1745B2-F4B4-4436-9202-E80D06F6668A}" dt="2021-09-08T06:14:13.409" v="60" actId="20577"/>
           <ac:spMkLst>
             <pc:docMk/>
-            <pc:sldMk cId="3132061225" sldId="272"/>
-            <ac:spMk id="3" creationId="{7060439F-2729-478E-B95F-230482B50AA1}"/>
+            <pc:sldMk cId="2441130311" sldId="289"/>
+            <ac:spMk id="15" creationId="{F6E4BC8C-67FE-44C5-8DAE-60B51939EF5A}"/>
+          </ac:spMkLst>
+        </pc:spChg>
+      </pc:sldChg>
+      <pc:sldChg chg="modSp mod">
+        <pc:chgData name="Li Lixiang" userId="6104bbfcb56aea79" providerId="LiveId" clId="{CA1745B2-F4B4-4436-9202-E80D06F6668A}" dt="2021-09-08T04:37:46.047" v="55" actId="6549"/>
+        <pc:sldMkLst>
+          <pc:docMk/>
+          <pc:sldMk cId="1241975191" sldId="290"/>
+        </pc:sldMkLst>
+        <pc:spChg chg="mod">
+          <ac:chgData name="Li Lixiang" userId="6104bbfcb56aea79" providerId="LiveId" clId="{CA1745B2-F4B4-4436-9202-E80D06F6668A}" dt="2021-09-08T04:36:44.181" v="48" actId="6549"/>
+          <ac:spMkLst>
+            <pc:docMk/>
+            <pc:sldMk cId="1241975191" sldId="290"/>
+            <ac:spMk id="2" creationId="{D947D2DF-FCBF-47C3-9EC9-872096C568C7}"/>
+          </ac:spMkLst>
+        </pc:spChg>
+        <pc:spChg chg="mod">
+          <ac:chgData name="Li Lixiang" userId="6104bbfcb56aea79" providerId="LiveId" clId="{CA1745B2-F4B4-4436-9202-E80D06F6668A}" dt="2021-09-08T04:37:46.047" v="55" actId="6549"/>
+          <ac:spMkLst>
+            <pc:docMk/>
+            <pc:sldMk cId="1241975191" sldId="290"/>
+            <ac:spMk id="15" creationId="{F6E4BC8C-67FE-44C5-8DAE-60B51939EF5A}"/>
+          </ac:spMkLst>
+        </pc:spChg>
+      </pc:sldChg>
+      <pc:sldChg chg="add">
+        <pc:chgData name="Li Lixiang" userId="6104bbfcb56aea79" providerId="LiveId" clId="{CA1745B2-F4B4-4436-9202-E80D06F6668A}" dt="2021-08-12T07:36:50.914" v="0"/>
+        <pc:sldMkLst>
+          <pc:docMk/>
+          <pc:sldMk cId="1466285209" sldId="293"/>
+        </pc:sldMkLst>
+      </pc:sldChg>
+      <pc:sldChg chg="addSp delSp modSp new mod">
+        <pc:chgData name="Li Lixiang" userId="6104bbfcb56aea79" providerId="LiveId" clId="{CA1745B2-F4B4-4436-9202-E80D06F6668A}" dt="2021-09-08T06:22:02.971" v="633" actId="1076"/>
+        <pc:sldMkLst>
+          <pc:docMk/>
+          <pc:sldMk cId="692569666" sldId="294"/>
+        </pc:sldMkLst>
+        <pc:spChg chg="mod">
+          <ac:chgData name="Li Lixiang" userId="6104bbfcb56aea79" providerId="LiveId" clId="{CA1745B2-F4B4-4436-9202-E80D06F6668A}" dt="2021-09-08T06:15:05.631" v="87" actId="20577"/>
+          <ac:spMkLst>
+            <pc:docMk/>
+            <pc:sldMk cId="692569666" sldId="294"/>
+            <ac:spMk id="2" creationId="{AD009BA9-B9BE-4248-8426-7DC6E216874D}"/>
+          </ac:spMkLst>
+        </pc:spChg>
+        <pc:spChg chg="del">
+          <ac:chgData name="Li Lixiang" userId="6104bbfcb56aea79" providerId="LiveId" clId="{CA1745B2-F4B4-4436-9202-E80D06F6668A}" dt="2021-09-08T06:16:59.426" v="88" actId="478"/>
+          <ac:spMkLst>
+            <pc:docMk/>
+            <pc:sldMk cId="692569666" sldId="294"/>
+            <ac:spMk id="3" creationId="{66047D4B-869C-402C-921D-D3C4A2E74EC3}"/>
+          </ac:spMkLst>
+        </pc:spChg>
+        <pc:spChg chg="add mod">
+          <ac:chgData name="Li Lixiang" userId="6104bbfcb56aea79" providerId="LiveId" clId="{CA1745B2-F4B4-4436-9202-E80D06F6668A}" dt="2021-09-08T06:18:29.125" v="626" actId="14100"/>
+          <ac:spMkLst>
+            <pc:docMk/>
+            <pc:sldMk cId="692569666" sldId="294"/>
+            <ac:spMk id="4" creationId="{79CAE4BD-3931-4E57-A03E-1DB1A5FFC6B3}"/>
           </ac:spMkLst>
         </pc:spChg>
         <pc:picChg chg="add mod">
-          <ac:chgData name="Li Lixiang" userId="6104bbfcb56aea79" providerId="LiveId" clId="{195C821F-1926-4771-8AF3-DE34471BCA3B}" dt="2021-02-07T14:16:18.505" v="485" actId="1076"/>
+          <ac:chgData name="Li Lixiang" userId="6104bbfcb56aea79" providerId="LiveId" clId="{CA1745B2-F4B4-4436-9202-E80D06F6668A}" dt="2021-09-08T06:21:52.128" v="631" actId="1076"/>
           <ac:picMkLst>
             <pc:docMk/>
-            <pc:sldMk cId="3132061225" sldId="272"/>
-            <ac:picMk id="5" creationId="{908D5F42-F128-41C6-901B-32741920691C}"/>
-          </ac:picMkLst>
-        </pc:picChg>
-        <pc:picChg chg="del">
-          <ac:chgData name="Li Lixiang" userId="6104bbfcb56aea79" providerId="LiveId" clId="{195C821F-1926-4771-8AF3-DE34471BCA3B}" dt="2021-02-07T13:04:47.705" v="274" actId="478"/>
-          <ac:picMkLst>
-            <pc:docMk/>
-            <pc:sldMk cId="3132061225" sldId="272"/>
-            <ac:picMk id="7" creationId="{0E87A0D6-15A7-456C-81C7-000C78E2DA00}"/>
-          </ac:picMkLst>
-        </pc:picChg>
-      </pc:sldChg>
-      <pc:sldChg chg="addSp delSp modSp add mod">
-        <pc:chgData name="Li Lixiang" userId="6104bbfcb56aea79" providerId="LiveId" clId="{195C821F-1926-4771-8AF3-DE34471BCA3B}" dt="2021-03-02T08:31:32.267" v="1339" actId="20577"/>
-        <pc:sldMkLst>
-          <pc:docMk/>
-          <pc:sldMk cId="3363691834" sldId="273"/>
-        </pc:sldMkLst>
-        <pc:spChg chg="mod">
-          <ac:chgData name="Li Lixiang" userId="6104bbfcb56aea79" providerId="LiveId" clId="{195C821F-1926-4771-8AF3-DE34471BCA3B}" dt="2021-02-07T23:04:34.949" v="760" actId="20577"/>
-          <ac:spMkLst>
-            <pc:docMk/>
-            <pc:sldMk cId="3363691834" sldId="273"/>
-            <ac:spMk id="2" creationId="{5EC01E2D-9CFE-4D5D-8863-3BA90731F07B}"/>
-          </ac:spMkLst>
-        </pc:spChg>
-        <pc:spChg chg="mod">
-          <ac:chgData name="Li Lixiang" userId="6104bbfcb56aea79" providerId="LiveId" clId="{195C821F-1926-4771-8AF3-DE34471BCA3B}" dt="2021-03-02T08:31:32.267" v="1339" actId="20577"/>
-          <ac:spMkLst>
-            <pc:docMk/>
-            <pc:sldMk cId="3363691834" sldId="273"/>
-            <ac:spMk id="3" creationId="{7060439F-2729-478E-B95F-230482B50AA1}"/>
-          </ac:spMkLst>
-        </pc:spChg>
-        <pc:grpChg chg="del mod">
-          <ac:chgData name="Li Lixiang" userId="6104bbfcb56aea79" providerId="LiveId" clId="{195C821F-1926-4771-8AF3-DE34471BCA3B}" dt="2021-02-18T08:36:18.254" v="1335" actId="478"/>
-          <ac:grpSpMkLst>
-            <pc:docMk/>
-            <pc:sldMk cId="3363691834" sldId="273"/>
-            <ac:grpSpMk id="18" creationId="{811237F5-10B5-4289-86E0-F499EE247AEB}"/>
-          </ac:grpSpMkLst>
-        </pc:grpChg>
-        <pc:picChg chg="del">
-          <ac:chgData name="Li Lixiang" userId="6104bbfcb56aea79" providerId="LiveId" clId="{195C821F-1926-4771-8AF3-DE34471BCA3B}" dt="2021-02-07T16:16:52.918" v="700" actId="478"/>
-          <ac:picMkLst>
-            <pc:docMk/>
-            <pc:sldMk cId="3363691834" sldId="273"/>
-            <ac:picMk id="4" creationId="{E6E0ADD3-234C-4276-A71D-680100949D67}"/>
-          </ac:picMkLst>
-        </pc:picChg>
-        <pc:picChg chg="del">
-          <ac:chgData name="Li Lixiang" userId="6104bbfcb56aea79" providerId="LiveId" clId="{195C821F-1926-4771-8AF3-DE34471BCA3B}" dt="2021-02-07T16:16:53.642" v="701" actId="478"/>
-          <ac:picMkLst>
-            <pc:docMk/>
-            <pc:sldMk cId="3363691834" sldId="273"/>
-            <ac:picMk id="5" creationId="{13607EAE-1653-4C12-B8D5-0FC08194D12C}"/>
+            <pc:sldMk cId="692569666" sldId="294"/>
+            <ac:picMk id="6" creationId="{0D8D8A97-82EF-4B33-8B3D-B72CB3DFFF24}"/>
           </ac:picMkLst>
         </pc:picChg>
         <pc:picChg chg="add mod">
-          <ac:chgData name="Li Lixiang" userId="6104bbfcb56aea79" providerId="LiveId" clId="{195C821F-1926-4771-8AF3-DE34471BCA3B}" dt="2021-02-07T23:07:39.472" v="1182" actId="1076"/>
+          <ac:chgData name="Li Lixiang" userId="6104bbfcb56aea79" providerId="LiveId" clId="{CA1745B2-F4B4-4436-9202-E80D06F6668A}" dt="2021-09-08T06:22:02.971" v="633" actId="1076"/>
           <ac:picMkLst>
             <pc:docMk/>
-            <pc:sldMk cId="3363691834" sldId="273"/>
-            <ac:picMk id="7" creationId="{1B852F2C-B36A-4A6D-8B38-9B31899B8FA6}"/>
-          </ac:picMkLst>
-        </pc:picChg>
-        <pc:inkChg chg="add del">
-          <ac:chgData name="Li Lixiang" userId="6104bbfcb56aea79" providerId="LiveId" clId="{195C821F-1926-4771-8AF3-DE34471BCA3B}" dt="2021-03-02T08:24:47.382" v="1337" actId="478"/>
-          <ac:inkMkLst>
-            <pc:docMk/>
-            <pc:sldMk cId="3363691834" sldId="273"/>
-            <ac:inkMk id="4" creationId="{363C64BF-BA4F-4528-9699-A73B96B29E62}"/>
-          </ac:inkMkLst>
-        </pc:inkChg>
-        <pc:inkChg chg="add mod">
-          <ac:chgData name="Li Lixiang" userId="6104bbfcb56aea79" providerId="LiveId" clId="{195C821F-1926-4771-8AF3-DE34471BCA3B}" dt="2021-02-18T08:36:06.757" v="1334"/>
-          <ac:inkMkLst>
-            <pc:docMk/>
-            <pc:sldMk cId="3363691834" sldId="273"/>
-            <ac:inkMk id="4" creationId="{6A6E8F62-4724-45FC-B8E6-C7F3086A93BA}"/>
-          </ac:inkMkLst>
-        </pc:inkChg>
-        <pc:inkChg chg="add mod">
-          <ac:chgData name="Li Lixiang" userId="6104bbfcb56aea79" providerId="LiveId" clId="{195C821F-1926-4771-8AF3-DE34471BCA3B}" dt="2021-02-18T08:36:06.757" v="1334"/>
-          <ac:inkMkLst>
-            <pc:docMk/>
-            <pc:sldMk cId="3363691834" sldId="273"/>
-            <ac:inkMk id="5" creationId="{31AA2D2D-4BAB-496A-A34E-1D989B73F4E5}"/>
-          </ac:inkMkLst>
-        </pc:inkChg>
-        <pc:inkChg chg="add mod">
-          <ac:chgData name="Li Lixiang" userId="6104bbfcb56aea79" providerId="LiveId" clId="{195C821F-1926-4771-8AF3-DE34471BCA3B}" dt="2021-02-18T08:36:06.757" v="1334"/>
-          <ac:inkMkLst>
-            <pc:docMk/>
-            <pc:sldMk cId="3363691834" sldId="273"/>
-            <ac:inkMk id="6" creationId="{AE63B066-B6A8-498B-9797-1F523D0C942D}"/>
-          </ac:inkMkLst>
-        </pc:inkChg>
-        <pc:inkChg chg="add mod">
-          <ac:chgData name="Li Lixiang" userId="6104bbfcb56aea79" providerId="LiveId" clId="{195C821F-1926-4771-8AF3-DE34471BCA3B}" dt="2021-02-18T08:36:06.757" v="1334"/>
-          <ac:inkMkLst>
-            <pc:docMk/>
-            <pc:sldMk cId="3363691834" sldId="273"/>
-            <ac:inkMk id="8" creationId="{FEA15D0C-80C7-45B4-A8BE-8D57ABDDD256}"/>
-          </ac:inkMkLst>
-        </pc:inkChg>
-        <pc:inkChg chg="add mod">
-          <ac:chgData name="Li Lixiang" userId="6104bbfcb56aea79" providerId="LiveId" clId="{195C821F-1926-4771-8AF3-DE34471BCA3B}" dt="2021-02-18T08:36:06.757" v="1334"/>
-          <ac:inkMkLst>
-            <pc:docMk/>
-            <pc:sldMk cId="3363691834" sldId="273"/>
-            <ac:inkMk id="9" creationId="{BFD4C135-42A3-43A6-927D-D8DDE44D005A}"/>
-          </ac:inkMkLst>
-        </pc:inkChg>
-        <pc:inkChg chg="add mod">
-          <ac:chgData name="Li Lixiang" userId="6104bbfcb56aea79" providerId="LiveId" clId="{195C821F-1926-4771-8AF3-DE34471BCA3B}" dt="2021-02-18T08:36:06.757" v="1334"/>
-          <ac:inkMkLst>
-            <pc:docMk/>
-            <pc:sldMk cId="3363691834" sldId="273"/>
-            <ac:inkMk id="10" creationId="{8E8D9F76-864C-4AC2-B55A-0E67C6E8AFBD}"/>
-          </ac:inkMkLst>
-        </pc:inkChg>
-        <pc:inkChg chg="add mod">
-          <ac:chgData name="Li Lixiang" userId="6104bbfcb56aea79" providerId="LiveId" clId="{195C821F-1926-4771-8AF3-DE34471BCA3B}" dt="2021-02-18T08:36:06.757" v="1334"/>
-          <ac:inkMkLst>
-            <pc:docMk/>
-            <pc:sldMk cId="3363691834" sldId="273"/>
-            <ac:inkMk id="11" creationId="{B962EFA2-2C25-49B6-99EF-B1C2C62C031C}"/>
-          </ac:inkMkLst>
-        </pc:inkChg>
-        <pc:inkChg chg="add mod">
-          <ac:chgData name="Li Lixiang" userId="6104bbfcb56aea79" providerId="LiveId" clId="{195C821F-1926-4771-8AF3-DE34471BCA3B}" dt="2021-02-18T08:36:06.757" v="1334"/>
-          <ac:inkMkLst>
-            <pc:docMk/>
-            <pc:sldMk cId="3363691834" sldId="273"/>
-            <ac:inkMk id="12" creationId="{6A26A69D-507C-4F73-9B26-B41034D69808}"/>
-          </ac:inkMkLst>
-        </pc:inkChg>
-        <pc:inkChg chg="add mod">
-          <ac:chgData name="Li Lixiang" userId="6104bbfcb56aea79" providerId="LiveId" clId="{195C821F-1926-4771-8AF3-DE34471BCA3B}" dt="2021-02-18T08:36:06.757" v="1334"/>
-          <ac:inkMkLst>
-            <pc:docMk/>
-            <pc:sldMk cId="3363691834" sldId="273"/>
-            <ac:inkMk id="13" creationId="{19954703-C256-470B-B8BD-ABB9352F94FE}"/>
-          </ac:inkMkLst>
-        </pc:inkChg>
-        <pc:inkChg chg="add mod">
-          <ac:chgData name="Li Lixiang" userId="6104bbfcb56aea79" providerId="LiveId" clId="{195C821F-1926-4771-8AF3-DE34471BCA3B}" dt="2021-02-18T08:36:06.757" v="1334"/>
-          <ac:inkMkLst>
-            <pc:docMk/>
-            <pc:sldMk cId="3363691834" sldId="273"/>
-            <ac:inkMk id="14" creationId="{62961DA8-97BB-470F-BB0C-9C8770AF4956}"/>
-          </ac:inkMkLst>
-        </pc:inkChg>
-        <pc:inkChg chg="add mod">
-          <ac:chgData name="Li Lixiang" userId="6104bbfcb56aea79" providerId="LiveId" clId="{195C821F-1926-4771-8AF3-DE34471BCA3B}" dt="2021-02-18T08:36:06.757" v="1334"/>
-          <ac:inkMkLst>
-            <pc:docMk/>
-            <pc:sldMk cId="3363691834" sldId="273"/>
-            <ac:inkMk id="15" creationId="{D93E9F0E-7CA4-45F8-9E19-4B8A851D8D57}"/>
-          </ac:inkMkLst>
-        </pc:inkChg>
-        <pc:inkChg chg="add mod">
-          <ac:chgData name="Li Lixiang" userId="6104bbfcb56aea79" providerId="LiveId" clId="{195C821F-1926-4771-8AF3-DE34471BCA3B}" dt="2021-02-18T08:36:06.757" v="1334"/>
-          <ac:inkMkLst>
-            <pc:docMk/>
-            <pc:sldMk cId="3363691834" sldId="273"/>
-            <ac:inkMk id="16" creationId="{96281312-CD78-4FCC-A8BF-D42ED3239AAB}"/>
-          </ac:inkMkLst>
-        </pc:inkChg>
-        <pc:inkChg chg="add mod">
-          <ac:chgData name="Li Lixiang" userId="6104bbfcb56aea79" providerId="LiveId" clId="{195C821F-1926-4771-8AF3-DE34471BCA3B}" dt="2021-02-18T08:36:06.757" v="1334"/>
-          <ac:inkMkLst>
-            <pc:docMk/>
-            <pc:sldMk cId="3363691834" sldId="273"/>
-            <ac:inkMk id="17" creationId="{E2A77390-FE99-4A8E-AFD5-D84350FF2696}"/>
-          </ac:inkMkLst>
-        </pc:inkChg>
-      </pc:sldChg>
-      <pc:sldChg chg="add">
-        <pc:chgData name="Li Lixiang" userId="6104bbfcb56aea79" providerId="LiveId" clId="{195C821F-1926-4771-8AF3-DE34471BCA3B}" dt="2021-03-04T06:21:58.700" v="1340"/>
-        <pc:sldMkLst>
-          <pc:docMk/>
-          <pc:sldMk cId="3705451296" sldId="276"/>
-        </pc:sldMkLst>
-      </pc:sldChg>
-      <pc:sldChg chg="add">
-        <pc:chgData name="Li Lixiang" userId="6104bbfcb56aea79" providerId="LiveId" clId="{195C821F-1926-4771-8AF3-DE34471BCA3B}" dt="2021-03-04T06:21:58.700" v="1340"/>
-        <pc:sldMkLst>
-          <pc:docMk/>
-          <pc:sldMk cId="236255252" sldId="277"/>
-        </pc:sldMkLst>
-      </pc:sldChg>
-      <pc:sldChg chg="addSp modSp add mod">
-        <pc:chgData name="Li Lixiang" userId="6104bbfcb56aea79" providerId="LiveId" clId="{195C821F-1926-4771-8AF3-DE34471BCA3B}" dt="2021-03-09T08:24:39.294" v="1481" actId="9405"/>
-        <pc:sldMkLst>
-          <pc:docMk/>
-          <pc:sldMk cId="3382715189" sldId="278"/>
-        </pc:sldMkLst>
-        <pc:spChg chg="mod">
-          <ac:chgData name="Li Lixiang" userId="6104bbfcb56aea79" providerId="LiveId" clId="{195C821F-1926-4771-8AF3-DE34471BCA3B}" dt="2021-03-09T08:23:34.131" v="1479" actId="20577"/>
-          <ac:spMkLst>
-            <pc:docMk/>
-            <pc:sldMk cId="3382715189" sldId="278"/>
-            <ac:spMk id="6" creationId="{EC7E49AC-AA90-4955-A874-01EA25A7FD1A}"/>
-          </ac:spMkLst>
-        </pc:spChg>
-        <pc:spChg chg="mod">
-          <ac:chgData name="Li Lixiang" userId="6104bbfcb56aea79" providerId="LiveId" clId="{195C821F-1926-4771-8AF3-DE34471BCA3B}" dt="2021-03-09T08:23:36.267" v="1480" actId="20577"/>
-          <ac:spMkLst>
-            <pc:docMk/>
-            <pc:sldMk cId="3382715189" sldId="278"/>
-            <ac:spMk id="20" creationId="{453F1D08-A157-46E4-848C-C4178F2EECC2}"/>
-          </ac:spMkLst>
-        </pc:spChg>
-        <pc:spChg chg="mod">
-          <ac:chgData name="Li Lixiang" userId="6104bbfcb56aea79" providerId="LiveId" clId="{195C821F-1926-4771-8AF3-DE34471BCA3B}" dt="2021-03-09T08:23:30.948" v="1478" actId="20577"/>
-          <ac:spMkLst>
-            <pc:docMk/>
-            <pc:sldMk cId="3382715189" sldId="278"/>
-            <ac:spMk id="26" creationId="{EEA3ADC2-BCDD-4416-9184-995966377ADD}"/>
-          </ac:spMkLst>
-        </pc:spChg>
-        <pc:inkChg chg="add">
-          <ac:chgData name="Li Lixiang" userId="6104bbfcb56aea79" providerId="LiveId" clId="{195C821F-1926-4771-8AF3-DE34471BCA3B}" dt="2021-03-09T08:24:39.294" v="1481" actId="9405"/>
-          <ac:inkMkLst>
-            <pc:docMk/>
-            <pc:sldMk cId="3382715189" sldId="278"/>
-            <ac:inkMk id="2" creationId="{2FBA5FE7-4846-4634-A0F9-60BA1D6CA186}"/>
-          </ac:inkMkLst>
-        </pc:inkChg>
-      </pc:sldChg>
-      <pc:sldChg chg="addSp modSp add mod">
-        <pc:chgData name="Li Lixiang" userId="6104bbfcb56aea79" providerId="LiveId" clId="{195C821F-1926-4771-8AF3-DE34471BCA3B}" dt="2021-03-09T07:27:37.304" v="1374" actId="14100"/>
-        <pc:sldMkLst>
-          <pc:docMk/>
-          <pc:sldMk cId="3644787234" sldId="279"/>
-        </pc:sldMkLst>
-        <pc:spChg chg="mod">
-          <ac:chgData name="Li Lixiang" userId="6104bbfcb56aea79" providerId="LiveId" clId="{195C821F-1926-4771-8AF3-DE34471BCA3B}" dt="2021-03-09T07:27:14.098" v="1366" actId="20577"/>
-          <ac:spMkLst>
-            <pc:docMk/>
-            <pc:sldMk cId="3644787234" sldId="279"/>
-            <ac:spMk id="12" creationId="{359852D0-62F3-449C-9A3C-37EDC2BA791D}"/>
-          </ac:spMkLst>
-        </pc:spChg>
-        <pc:cxnChg chg="add mod">
-          <ac:chgData name="Li Lixiang" userId="6104bbfcb56aea79" providerId="LiveId" clId="{195C821F-1926-4771-8AF3-DE34471BCA3B}" dt="2021-03-09T07:26:40.071" v="1345" actId="14100"/>
-          <ac:cxnSpMkLst>
-            <pc:docMk/>
-            <pc:sldMk cId="3644787234" sldId="279"/>
-            <ac:cxnSpMk id="28" creationId="{2644271E-D836-4B39-8748-161641279B52}"/>
-          </ac:cxnSpMkLst>
-        </pc:cxnChg>
-        <pc:cxnChg chg="mod">
-          <ac:chgData name="Li Lixiang" userId="6104bbfcb56aea79" providerId="LiveId" clId="{195C821F-1926-4771-8AF3-DE34471BCA3B}" dt="2021-03-09T07:27:37.304" v="1374" actId="14100"/>
-          <ac:cxnSpMkLst>
-            <pc:docMk/>
-            <pc:sldMk cId="3644787234" sldId="279"/>
-            <ac:cxnSpMk id="31" creationId="{0B326028-8702-4326-A1A6-5FE462B6BCE1}"/>
-          </ac:cxnSpMkLst>
-        </pc:cxnChg>
-        <pc:cxnChg chg="add mod">
-          <ac:chgData name="Li Lixiang" userId="6104bbfcb56aea79" providerId="LiveId" clId="{195C821F-1926-4771-8AF3-DE34471BCA3B}" dt="2021-03-09T07:27:06.397" v="1353" actId="14100"/>
-          <ac:cxnSpMkLst>
-            <pc:docMk/>
-            <pc:sldMk cId="3644787234" sldId="279"/>
-            <ac:cxnSpMk id="32" creationId="{06AADE20-D76E-4253-9764-732C4E45C766}"/>
-          </ac:cxnSpMkLst>
-        </pc:cxnChg>
-        <pc:cxnChg chg="add mod">
-          <ac:chgData name="Li Lixiang" userId="6104bbfcb56aea79" providerId="LiveId" clId="{195C821F-1926-4771-8AF3-DE34471BCA3B}" dt="2021-03-09T07:27:03.450" v="1352" actId="14100"/>
-          <ac:cxnSpMkLst>
-            <pc:docMk/>
-            <pc:sldMk cId="3644787234" sldId="279"/>
-            <ac:cxnSpMk id="34" creationId="{0DBA160D-623D-4D3C-96F4-2892396462DB}"/>
-          </ac:cxnSpMkLst>
-        </pc:cxnChg>
-        <pc:cxnChg chg="mod">
-          <ac:chgData name="Li Lixiang" userId="6104bbfcb56aea79" providerId="LiveId" clId="{195C821F-1926-4771-8AF3-DE34471BCA3B}" dt="2021-03-09T07:26:32.613" v="1342" actId="14100"/>
-          <ac:cxnSpMkLst>
-            <pc:docMk/>
-            <pc:sldMk cId="3644787234" sldId="279"/>
-            <ac:cxnSpMk id="35" creationId="{FD171C20-EAB2-402A-8E4E-E449D2250A04}"/>
-          </ac:cxnSpMkLst>
-        </pc:cxnChg>
-        <pc:cxnChg chg="add mod">
-          <ac:chgData name="Li Lixiang" userId="6104bbfcb56aea79" providerId="LiveId" clId="{195C821F-1926-4771-8AF3-DE34471BCA3B}" dt="2021-03-09T07:27:35.318" v="1373" actId="1076"/>
-          <ac:cxnSpMkLst>
-            <pc:docMk/>
-            <pc:sldMk cId="3644787234" sldId="279"/>
-            <ac:cxnSpMk id="38" creationId="{6F0B6288-9D7C-465D-8C0A-AC99D68095EB}"/>
-          </ac:cxnSpMkLst>
-        </pc:cxnChg>
-      </pc:sldChg>
-      <pc:sldChg chg="addSp modSp add mod">
-        <pc:chgData name="Li Lixiang" userId="6104bbfcb56aea79" providerId="LiveId" clId="{195C821F-1926-4771-8AF3-DE34471BCA3B}" dt="2021-03-09T07:28:35.151" v="1388" actId="1076"/>
-        <pc:sldMkLst>
-          <pc:docMk/>
-          <pc:sldMk cId="2458152062" sldId="280"/>
-        </pc:sldMkLst>
-        <pc:spChg chg="mod">
-          <ac:chgData name="Li Lixiang" userId="6104bbfcb56aea79" providerId="LiveId" clId="{195C821F-1926-4771-8AF3-DE34471BCA3B}" dt="2021-03-09T07:28:35.151" v="1388" actId="1076"/>
-          <ac:spMkLst>
-            <pc:docMk/>
-            <pc:sldMk cId="2458152062" sldId="280"/>
-            <ac:spMk id="13" creationId="{0EA72161-C1EA-40C0-8FAC-5C968E34C1C9}"/>
-          </ac:spMkLst>
-        </pc:spChg>
-        <pc:cxnChg chg="mod">
-          <ac:chgData name="Li Lixiang" userId="6104bbfcb56aea79" providerId="LiveId" clId="{195C821F-1926-4771-8AF3-DE34471BCA3B}" dt="2021-03-09T07:27:56.996" v="1375" actId="14100"/>
-          <ac:cxnSpMkLst>
-            <pc:docMk/>
-            <pc:sldMk cId="2458152062" sldId="280"/>
-            <ac:cxnSpMk id="26" creationId="{12617041-DC45-4440-BA90-FB7B34E7F8B0}"/>
-          </ac:cxnSpMkLst>
-        </pc:cxnChg>
-        <pc:cxnChg chg="add mod">
-          <ac:chgData name="Li Lixiang" userId="6104bbfcb56aea79" providerId="LiveId" clId="{195C821F-1926-4771-8AF3-DE34471BCA3B}" dt="2021-03-09T07:28:04.867" v="1378" actId="14100"/>
-          <ac:cxnSpMkLst>
-            <pc:docMk/>
-            <pc:sldMk cId="2458152062" sldId="280"/>
-            <ac:cxnSpMk id="28" creationId="{62707383-3601-4D0F-8D3A-295135011D27}"/>
-          </ac:cxnSpMkLst>
-        </pc:cxnChg>
-        <pc:cxnChg chg="add mod">
-          <ac:chgData name="Li Lixiang" userId="6104bbfcb56aea79" providerId="LiveId" clId="{195C821F-1926-4771-8AF3-DE34471BCA3B}" dt="2021-03-09T07:28:13.237" v="1381" actId="14100"/>
-          <ac:cxnSpMkLst>
-            <pc:docMk/>
-            <pc:sldMk cId="2458152062" sldId="280"/>
-            <ac:cxnSpMk id="29" creationId="{778E111C-279D-439B-8C20-F3FD6D8B6784}"/>
-          </ac:cxnSpMkLst>
-        </pc:cxnChg>
-        <pc:cxnChg chg="add mod">
-          <ac:chgData name="Li Lixiang" userId="6104bbfcb56aea79" providerId="LiveId" clId="{195C821F-1926-4771-8AF3-DE34471BCA3B}" dt="2021-03-09T07:28:21.235" v="1384" actId="14100"/>
-          <ac:cxnSpMkLst>
-            <pc:docMk/>
-            <pc:sldMk cId="2458152062" sldId="280"/>
-            <ac:cxnSpMk id="30" creationId="{A88D8729-0E30-4A32-9D34-CE8A509266F1}"/>
-          </ac:cxnSpMkLst>
-        </pc:cxnChg>
-        <pc:cxnChg chg="add mod">
-          <ac:chgData name="Li Lixiang" userId="6104bbfcb56aea79" providerId="LiveId" clId="{195C821F-1926-4771-8AF3-DE34471BCA3B}" dt="2021-03-09T07:28:28.361" v="1387" actId="14100"/>
-          <ac:cxnSpMkLst>
-            <pc:docMk/>
-            <pc:sldMk cId="2458152062" sldId="280"/>
-            <ac:cxnSpMk id="31" creationId="{10DDFD75-ABC1-44D7-9075-E2B336D7C793}"/>
-          </ac:cxnSpMkLst>
-        </pc:cxnChg>
-      </pc:sldChg>
-      <pc:sldChg chg="addSp delSp modSp add mod">
-        <pc:chgData name="Li Lixiang" userId="6104bbfcb56aea79" providerId="LiveId" clId="{195C821F-1926-4771-8AF3-DE34471BCA3B}" dt="2021-03-09T08:57:17.039" v="1530" actId="1076"/>
-        <pc:sldMkLst>
-          <pc:docMk/>
-          <pc:sldMk cId="285537872" sldId="281"/>
-        </pc:sldMkLst>
-        <pc:spChg chg="mod">
-          <ac:chgData name="Li Lixiang" userId="6104bbfcb56aea79" providerId="LiveId" clId="{195C821F-1926-4771-8AF3-DE34471BCA3B}" dt="2021-03-09T07:29:25.066" v="1393" actId="1076"/>
-          <ac:spMkLst>
-            <pc:docMk/>
-            <pc:sldMk cId="285537872" sldId="281"/>
-            <ac:spMk id="6" creationId="{FC0D0CCC-2669-4BEA-A601-191B398B36E1}"/>
-          </ac:spMkLst>
-        </pc:spChg>
-        <pc:spChg chg="mod">
-          <ac:chgData name="Li Lixiang" userId="6104bbfcb56aea79" providerId="LiveId" clId="{195C821F-1926-4771-8AF3-DE34471BCA3B}" dt="2021-03-09T07:29:25.066" v="1393" actId="1076"/>
-          <ac:spMkLst>
-            <pc:docMk/>
-            <pc:sldMk cId="285537872" sldId="281"/>
-            <ac:spMk id="7" creationId="{A746A457-C064-4608-A75D-14BEAD167399}"/>
-          </ac:spMkLst>
-        </pc:spChg>
-        <pc:spChg chg="mod">
-          <ac:chgData name="Li Lixiang" userId="6104bbfcb56aea79" providerId="LiveId" clId="{195C821F-1926-4771-8AF3-DE34471BCA3B}" dt="2021-03-09T07:29:25.066" v="1393" actId="1076"/>
-          <ac:spMkLst>
-            <pc:docMk/>
-            <pc:sldMk cId="285537872" sldId="281"/>
-            <ac:spMk id="8" creationId="{9212197E-F0EC-40DC-B152-B3FF50CD06A2}"/>
-          </ac:spMkLst>
-        </pc:spChg>
-        <pc:spChg chg="mod">
-          <ac:chgData name="Li Lixiang" userId="6104bbfcb56aea79" providerId="LiveId" clId="{195C821F-1926-4771-8AF3-DE34471BCA3B}" dt="2021-03-09T07:30:27.952" v="1428" actId="20577"/>
-          <ac:spMkLst>
-            <pc:docMk/>
-            <pc:sldMk cId="285537872" sldId="281"/>
-            <ac:spMk id="9" creationId="{30257987-5DAD-4BA9-A19E-34AE3588C3FA}"/>
-          </ac:spMkLst>
-        </pc:spChg>
-        <pc:spChg chg="mod">
-          <ac:chgData name="Li Lixiang" userId="6104bbfcb56aea79" providerId="LiveId" clId="{195C821F-1926-4771-8AF3-DE34471BCA3B}" dt="2021-03-09T07:29:25.066" v="1393" actId="1076"/>
-          <ac:spMkLst>
-            <pc:docMk/>
-            <pc:sldMk cId="285537872" sldId="281"/>
-            <ac:spMk id="12" creationId="{F3D6C0E8-2A0F-474F-AB5C-1591CE9F7BA4}"/>
-          </ac:spMkLst>
-        </pc:spChg>
-        <pc:spChg chg="mod">
-          <ac:chgData name="Li Lixiang" userId="6104bbfcb56aea79" providerId="LiveId" clId="{195C821F-1926-4771-8AF3-DE34471BCA3B}" dt="2021-03-09T07:29:25.066" v="1393" actId="1076"/>
-          <ac:spMkLst>
-            <pc:docMk/>
-            <pc:sldMk cId="285537872" sldId="281"/>
-            <ac:spMk id="13" creationId="{BD5B4E6B-DF6F-4677-8F67-77480FEF4F81}"/>
-          </ac:spMkLst>
-        </pc:spChg>
-        <pc:spChg chg="mod">
-          <ac:chgData name="Li Lixiang" userId="6104bbfcb56aea79" providerId="LiveId" clId="{195C821F-1926-4771-8AF3-DE34471BCA3B}" dt="2021-03-09T08:56:23.325" v="1515" actId="1035"/>
-          <ac:spMkLst>
-            <pc:docMk/>
-            <pc:sldMk cId="285537872" sldId="281"/>
-            <ac:spMk id="15" creationId="{5958AB10-02A6-4C5A-8A2B-B02B08F72D77}"/>
-          </ac:spMkLst>
-        </pc:spChg>
-        <pc:spChg chg="mod">
-          <ac:chgData name="Li Lixiang" userId="6104bbfcb56aea79" providerId="LiveId" clId="{195C821F-1926-4771-8AF3-DE34471BCA3B}" dt="2021-03-09T08:56:23.325" v="1515" actId="1035"/>
-          <ac:spMkLst>
-            <pc:docMk/>
-            <pc:sldMk cId="285537872" sldId="281"/>
-            <ac:spMk id="16" creationId="{FAC802A5-0CD8-4EF7-AE34-50E9AB57E124}"/>
-          </ac:spMkLst>
-        </pc:spChg>
-        <pc:spChg chg="mod">
-          <ac:chgData name="Li Lixiang" userId="6104bbfcb56aea79" providerId="LiveId" clId="{195C821F-1926-4771-8AF3-DE34471BCA3B}" dt="2021-03-09T08:56:16.164" v="1487" actId="1076"/>
-          <ac:spMkLst>
-            <pc:docMk/>
-            <pc:sldMk cId="285537872" sldId="281"/>
-            <ac:spMk id="22" creationId="{EAA6405C-ED05-4EDD-B178-DC8CC115F19E}"/>
-          </ac:spMkLst>
-        </pc:spChg>
-        <pc:spChg chg="mod">
-          <ac:chgData name="Li Lixiang" userId="6104bbfcb56aea79" providerId="LiveId" clId="{195C821F-1926-4771-8AF3-DE34471BCA3B}" dt="2021-03-09T08:56:16.164" v="1487" actId="1076"/>
-          <ac:spMkLst>
-            <pc:docMk/>
-            <pc:sldMk cId="285537872" sldId="281"/>
-            <ac:spMk id="23" creationId="{5B6C7A4B-5BA3-443E-9E9E-C0611BF48403}"/>
-          </ac:spMkLst>
-        </pc:spChg>
-        <pc:spChg chg="mod">
-          <ac:chgData name="Li Lixiang" userId="6104bbfcb56aea79" providerId="LiveId" clId="{195C821F-1926-4771-8AF3-DE34471BCA3B}" dt="2021-03-09T07:29:25.066" v="1393" actId="1076"/>
-          <ac:spMkLst>
-            <pc:docMk/>
-            <pc:sldMk cId="285537872" sldId="281"/>
-            <ac:spMk id="25" creationId="{09B7A4DE-2355-4DD5-BCF8-A15F6CFBF7C2}"/>
-          </ac:spMkLst>
-        </pc:spChg>
-        <pc:spChg chg="mod">
-          <ac:chgData name="Li Lixiang" userId="6104bbfcb56aea79" providerId="LiveId" clId="{195C821F-1926-4771-8AF3-DE34471BCA3B}" dt="2021-03-09T08:55:52.317" v="1482" actId="1076"/>
-          <ac:spMkLst>
-            <pc:docMk/>
-            <pc:sldMk cId="285537872" sldId="281"/>
-            <ac:spMk id="26" creationId="{6AAF631B-B978-44F0-B1E3-3DBFEF31F077}"/>
-          </ac:spMkLst>
-        </pc:spChg>
-        <pc:spChg chg="mod">
-          <ac:chgData name="Li Lixiang" userId="6104bbfcb56aea79" providerId="LiveId" clId="{195C821F-1926-4771-8AF3-DE34471BCA3B}" dt="2021-03-09T08:56:08.008" v="1485" actId="1076"/>
-          <ac:spMkLst>
-            <pc:docMk/>
-            <pc:sldMk cId="285537872" sldId="281"/>
-            <ac:spMk id="34" creationId="{F6621DD6-D25D-44E1-A83A-F2563D1E2B38}"/>
-          </ac:spMkLst>
-        </pc:spChg>
-        <pc:cxnChg chg="mod">
-          <ac:chgData name="Li Lixiang" userId="6104bbfcb56aea79" providerId="LiveId" clId="{195C821F-1926-4771-8AF3-DE34471BCA3B}" dt="2021-03-09T07:29:25.066" v="1393" actId="1076"/>
-          <ac:cxnSpMkLst>
-            <pc:docMk/>
-            <pc:sldMk cId="285537872" sldId="281"/>
-            <ac:cxnSpMk id="5" creationId="{8325B56B-D1AC-4695-8640-7C03829625A6}"/>
-          </ac:cxnSpMkLst>
-        </pc:cxnChg>
-        <pc:cxnChg chg="mod">
-          <ac:chgData name="Li Lixiang" userId="6104bbfcb56aea79" providerId="LiveId" clId="{195C821F-1926-4771-8AF3-DE34471BCA3B}" dt="2021-03-09T07:29:25.066" v="1393" actId="1076"/>
-          <ac:cxnSpMkLst>
-            <pc:docMk/>
-            <pc:sldMk cId="285537872" sldId="281"/>
-            <ac:cxnSpMk id="10" creationId="{9ED289DF-696E-4540-A9FF-9E633C550570}"/>
-          </ac:cxnSpMkLst>
-        </pc:cxnChg>
-        <pc:cxnChg chg="mod">
-          <ac:chgData name="Li Lixiang" userId="6104bbfcb56aea79" providerId="LiveId" clId="{195C821F-1926-4771-8AF3-DE34471BCA3B}" dt="2021-03-09T07:29:25.066" v="1393" actId="1076"/>
-          <ac:cxnSpMkLst>
-            <pc:docMk/>
-            <pc:sldMk cId="285537872" sldId="281"/>
-            <ac:cxnSpMk id="11" creationId="{98082AB3-1EB6-4C6B-A40F-107875C4A3D6}"/>
-          </ac:cxnSpMkLst>
-        </pc:cxnChg>
-        <pc:cxnChg chg="mod">
-          <ac:chgData name="Li Lixiang" userId="6104bbfcb56aea79" providerId="LiveId" clId="{195C821F-1926-4771-8AF3-DE34471BCA3B}" dt="2021-03-09T08:56:40.624" v="1519" actId="14100"/>
-          <ac:cxnSpMkLst>
-            <pc:docMk/>
-            <pc:sldMk cId="285537872" sldId="281"/>
-            <ac:cxnSpMk id="14" creationId="{11A77050-2D33-45BB-B660-851CB91A6836}"/>
-          </ac:cxnSpMkLst>
-        </pc:cxnChg>
-        <pc:cxnChg chg="mod">
-          <ac:chgData name="Li Lixiang" userId="6104bbfcb56aea79" providerId="LiveId" clId="{195C821F-1926-4771-8AF3-DE34471BCA3B}" dt="2021-03-09T08:57:06.972" v="1527" actId="14100"/>
-          <ac:cxnSpMkLst>
-            <pc:docMk/>
-            <pc:sldMk cId="285537872" sldId="281"/>
-            <ac:cxnSpMk id="17" creationId="{04E85CB1-8137-4003-A3F8-FCF9B3009718}"/>
-          </ac:cxnSpMkLst>
-        </pc:cxnChg>
-        <pc:cxnChg chg="mod">
-          <ac:chgData name="Li Lixiang" userId="6104bbfcb56aea79" providerId="LiveId" clId="{195C821F-1926-4771-8AF3-DE34471BCA3B}" dt="2021-03-09T08:57:09.137" v="1528" actId="1076"/>
-          <ac:cxnSpMkLst>
-            <pc:docMk/>
-            <pc:sldMk cId="285537872" sldId="281"/>
-            <ac:cxnSpMk id="18" creationId="{314FB4ED-227F-4BBB-A0D5-56128173FE68}"/>
-          </ac:cxnSpMkLst>
-        </pc:cxnChg>
-        <pc:cxnChg chg="mod">
-          <ac:chgData name="Li Lixiang" userId="6104bbfcb56aea79" providerId="LiveId" clId="{195C821F-1926-4771-8AF3-DE34471BCA3B}" dt="2021-03-09T08:56:59.148" v="1525" actId="14100"/>
-          <ac:cxnSpMkLst>
-            <pc:docMk/>
-            <pc:sldMk cId="285537872" sldId="281"/>
-            <ac:cxnSpMk id="27" creationId="{D06EBD9A-3D81-41A2-BB4F-1A70BCF60EB0}"/>
-          </ac:cxnSpMkLst>
-        </pc:cxnChg>
-        <pc:cxnChg chg="add mod">
-          <ac:chgData name="Li Lixiang" userId="6104bbfcb56aea79" providerId="LiveId" clId="{195C821F-1926-4771-8AF3-DE34471BCA3B}" dt="2021-03-09T08:57:03.211" v="1526" actId="14100"/>
-          <ac:cxnSpMkLst>
-            <pc:docMk/>
-            <pc:sldMk cId="285537872" sldId="281"/>
-            <ac:cxnSpMk id="28" creationId="{B772D5BB-1828-4E84-96C2-22401232B89E}"/>
-          </ac:cxnSpMkLst>
-        </pc:cxnChg>
-        <pc:cxnChg chg="mod">
-          <ac:chgData name="Li Lixiang" userId="6104bbfcb56aea79" providerId="LiveId" clId="{195C821F-1926-4771-8AF3-DE34471BCA3B}" dt="2021-03-09T08:56:52.790" v="1523" actId="1076"/>
-          <ac:cxnSpMkLst>
-            <pc:docMk/>
-            <pc:sldMk cId="285537872" sldId="281"/>
-            <ac:cxnSpMk id="30" creationId="{12048B38-71EC-4D93-BF08-D0AFA8091354}"/>
-          </ac:cxnSpMkLst>
-        </pc:cxnChg>
-        <pc:cxnChg chg="add mod">
-          <ac:chgData name="Li Lixiang" userId="6104bbfcb56aea79" providerId="LiveId" clId="{195C821F-1926-4771-8AF3-DE34471BCA3B}" dt="2021-03-09T07:29:46.878" v="1401" actId="14100"/>
-          <ac:cxnSpMkLst>
-            <pc:docMk/>
-            <pc:sldMk cId="285537872" sldId="281"/>
-            <ac:cxnSpMk id="31" creationId="{53E443F1-F449-411D-BCD0-DD7FEDA204AD}"/>
-          </ac:cxnSpMkLst>
-        </pc:cxnChg>
-        <pc:cxnChg chg="mod">
-          <ac:chgData name="Li Lixiang" userId="6104bbfcb56aea79" providerId="LiveId" clId="{195C821F-1926-4771-8AF3-DE34471BCA3B}" dt="2021-03-09T07:29:25.066" v="1393" actId="1076"/>
-          <ac:cxnSpMkLst>
-            <pc:docMk/>
-            <pc:sldMk cId="285537872" sldId="281"/>
-            <ac:cxnSpMk id="35" creationId="{D43F7C11-7FB4-44A3-9FEF-D23988968543}"/>
-          </ac:cxnSpMkLst>
-        </pc:cxnChg>
-        <pc:cxnChg chg="mod">
-          <ac:chgData name="Li Lixiang" userId="6104bbfcb56aea79" providerId="LiveId" clId="{195C821F-1926-4771-8AF3-DE34471BCA3B}" dt="2021-03-09T08:56:36.396" v="1518" actId="14100"/>
-          <ac:cxnSpMkLst>
-            <pc:docMk/>
-            <pc:sldMk cId="285537872" sldId="281"/>
-            <ac:cxnSpMk id="37" creationId="{C57E4C2F-39B9-4760-BBF8-151F3595360B}"/>
-          </ac:cxnSpMkLst>
-        </pc:cxnChg>
-        <pc:cxnChg chg="add mod">
-          <ac:chgData name="Li Lixiang" userId="6104bbfcb56aea79" providerId="LiveId" clId="{195C821F-1926-4771-8AF3-DE34471BCA3B}" dt="2021-03-09T08:57:17.039" v="1530" actId="1076"/>
-          <ac:cxnSpMkLst>
-            <pc:docMk/>
-            <pc:sldMk cId="285537872" sldId="281"/>
-            <ac:cxnSpMk id="38" creationId="{C415907B-D1F5-4495-921A-9F0CBAC202B7}"/>
-          </ac:cxnSpMkLst>
-        </pc:cxnChg>
-        <pc:cxnChg chg="del mod">
-          <ac:chgData name="Li Lixiang" userId="6104bbfcb56aea79" providerId="LiveId" clId="{195C821F-1926-4771-8AF3-DE34471BCA3B}" dt="2021-03-09T07:29:59.876" v="1404" actId="478"/>
-          <ac:cxnSpMkLst>
-            <pc:docMk/>
-            <pc:sldMk cId="285537872" sldId="281"/>
-            <ac:cxnSpMk id="39" creationId="{90CD62E6-DAB2-4904-BC5C-AE6EF319F7FD}"/>
-          </ac:cxnSpMkLst>
-        </pc:cxnChg>
-      </pc:sldChg>
-      <pc:sldChg chg="addSp modSp add mod">
-        <pc:chgData name="Li Lixiang" userId="6104bbfcb56aea79" providerId="LiveId" clId="{195C821F-1926-4771-8AF3-DE34471BCA3B}" dt="2021-03-09T07:32:05.458" v="1476" actId="14100"/>
-        <pc:sldMkLst>
-          <pc:docMk/>
-          <pc:sldMk cId="1892396108" sldId="282"/>
-        </pc:sldMkLst>
-        <pc:spChg chg="mod">
-          <ac:chgData name="Li Lixiang" userId="6104bbfcb56aea79" providerId="LiveId" clId="{195C821F-1926-4771-8AF3-DE34471BCA3B}" dt="2021-03-09T07:30:38.353" v="1448" actId="20577"/>
-          <ac:spMkLst>
-            <pc:docMk/>
-            <pc:sldMk cId="1892396108" sldId="282"/>
-            <ac:spMk id="5" creationId="{D94FFDDE-535E-4D07-B182-BD631BF44496}"/>
-          </ac:spMkLst>
-        </pc:spChg>
-        <pc:spChg chg="mod">
-          <ac:chgData name="Li Lixiang" userId="6104bbfcb56aea79" providerId="LiveId" clId="{195C821F-1926-4771-8AF3-DE34471BCA3B}" dt="2021-03-09T07:31:54.206" v="1471" actId="1036"/>
-          <ac:spMkLst>
-            <pc:docMk/>
-            <pc:sldMk cId="1892396108" sldId="282"/>
-            <ac:spMk id="15" creationId="{AC59B6B3-C02F-4BD0-9A4C-15B6C4436BE5}"/>
-          </ac:spMkLst>
-        </pc:spChg>
-        <pc:spChg chg="mod">
-          <ac:chgData name="Li Lixiang" userId="6104bbfcb56aea79" providerId="LiveId" clId="{195C821F-1926-4771-8AF3-DE34471BCA3B}" dt="2021-03-09T07:31:54.206" v="1471" actId="1036"/>
-          <ac:spMkLst>
-            <pc:docMk/>
-            <pc:sldMk cId="1892396108" sldId="282"/>
-            <ac:spMk id="16" creationId="{F64131FC-0923-4D66-9833-72B2FCF513AB}"/>
-          </ac:spMkLst>
-        </pc:spChg>
-        <pc:cxnChg chg="mod">
-          <ac:chgData name="Li Lixiang" userId="6104bbfcb56aea79" providerId="LiveId" clId="{195C821F-1926-4771-8AF3-DE34471BCA3B}" dt="2021-03-09T07:31:56.684" v="1472" actId="14100"/>
-          <ac:cxnSpMkLst>
-            <pc:docMk/>
-            <pc:sldMk cId="1892396108" sldId="282"/>
-            <ac:cxnSpMk id="14" creationId="{9441F248-E968-4E40-9E77-CF1CB29F3067}"/>
-          </ac:cxnSpMkLst>
-        </pc:cxnChg>
-        <pc:cxnChg chg="mod">
-          <ac:chgData name="Li Lixiang" userId="6104bbfcb56aea79" providerId="LiveId" clId="{195C821F-1926-4771-8AF3-DE34471BCA3B}" dt="2021-03-09T07:31:59.185" v="1473" actId="1076"/>
-          <ac:cxnSpMkLst>
-            <pc:docMk/>
-            <pc:sldMk cId="1892396108" sldId="282"/>
-            <ac:cxnSpMk id="17" creationId="{AFB67960-98DE-4EA6-8FF5-1D3649D95746}"/>
-          </ac:cxnSpMkLst>
-        </pc:cxnChg>
-        <pc:cxnChg chg="mod">
-          <ac:chgData name="Li Lixiang" userId="6104bbfcb56aea79" providerId="LiveId" clId="{195C821F-1926-4771-8AF3-DE34471BCA3B}" dt="2021-03-09T07:31:33.020" v="1451" actId="14100"/>
-          <ac:cxnSpMkLst>
-            <pc:docMk/>
-            <pc:sldMk cId="1892396108" sldId="282"/>
-            <ac:cxnSpMk id="18" creationId="{CA38E5EA-9BA7-4219-90E4-9BCB71450CEB}"/>
-          </ac:cxnSpMkLst>
-        </pc:cxnChg>
-        <pc:cxnChg chg="add mod">
-          <ac:chgData name="Li Lixiang" userId="6104bbfcb56aea79" providerId="LiveId" clId="{195C821F-1926-4771-8AF3-DE34471BCA3B}" dt="2021-03-09T07:31:48.086" v="1456" actId="14100"/>
-          <ac:cxnSpMkLst>
-            <pc:docMk/>
-            <pc:sldMk cId="1892396108" sldId="282"/>
-            <ac:cxnSpMk id="29" creationId="{BF356109-5CBD-45B5-B8BC-CCFBEE083AF4}"/>
-          </ac:cxnSpMkLst>
-        </pc:cxnChg>
-        <pc:cxnChg chg="add mod">
-          <ac:chgData name="Li Lixiang" userId="6104bbfcb56aea79" providerId="LiveId" clId="{195C821F-1926-4771-8AF3-DE34471BCA3B}" dt="2021-03-09T07:32:05.458" v="1476" actId="14100"/>
-          <ac:cxnSpMkLst>
-            <pc:docMk/>
-            <pc:sldMk cId="1892396108" sldId="282"/>
-            <ac:cxnSpMk id="34" creationId="{BC1BEA40-776B-4C96-A76E-DC0F971EF9E9}"/>
-          </ac:cxnSpMkLst>
-        </pc:cxnChg>
-      </pc:sldChg>
-      <pc:sldChg chg="addSp modSp new mod">
-        <pc:chgData name="Li Lixiang" userId="6104bbfcb56aea79" providerId="LiveId" clId="{195C821F-1926-4771-8AF3-DE34471BCA3B}" dt="2021-04-21T11:48:17.938" v="1798" actId="20577"/>
-        <pc:sldMkLst>
-          <pc:docMk/>
-          <pc:sldMk cId="669132949" sldId="283"/>
-        </pc:sldMkLst>
-        <pc:spChg chg="mod">
-          <ac:chgData name="Li Lixiang" userId="6104bbfcb56aea79" providerId="LiveId" clId="{195C821F-1926-4771-8AF3-DE34471BCA3B}" dt="2021-04-21T11:36:36.373" v="1597" actId="20577"/>
-          <ac:spMkLst>
-            <pc:docMk/>
-            <pc:sldMk cId="669132949" sldId="283"/>
-            <ac:spMk id="2" creationId="{14EFA843-92B7-4487-8339-8E373E6C34B3}"/>
-          </ac:spMkLst>
-        </pc:spChg>
-        <pc:spChg chg="mod">
-          <ac:chgData name="Li Lixiang" userId="6104bbfcb56aea79" providerId="LiveId" clId="{195C821F-1926-4771-8AF3-DE34471BCA3B}" dt="2021-04-21T11:48:17.938" v="1798" actId="20577"/>
-          <ac:spMkLst>
-            <pc:docMk/>
-            <pc:sldMk cId="669132949" sldId="283"/>
-            <ac:spMk id="3" creationId="{A2885D93-780F-42B8-9741-8CE90F391413}"/>
-          </ac:spMkLst>
-        </pc:spChg>
-        <pc:picChg chg="add mod">
-          <ac:chgData name="Li Lixiang" userId="6104bbfcb56aea79" providerId="LiveId" clId="{195C821F-1926-4771-8AF3-DE34471BCA3B}" dt="2021-04-21T11:47:59.782" v="1790" actId="1076"/>
-          <ac:picMkLst>
-            <pc:docMk/>
-            <pc:sldMk cId="669132949" sldId="283"/>
-            <ac:picMk id="5" creationId="{2914B5C8-9E72-45D8-95C5-FD2BA37DF8C0}"/>
-          </ac:picMkLst>
-        </pc:picChg>
-      </pc:sldChg>
-      <pc:sldChg chg="addSp delSp modSp add mod">
-        <pc:chgData name="Li Lixiang" userId="6104bbfcb56aea79" providerId="LiveId" clId="{195C821F-1926-4771-8AF3-DE34471BCA3B}" dt="2021-04-21T11:57:25.193" v="2223" actId="20577"/>
-        <pc:sldMkLst>
-          <pc:docMk/>
-          <pc:sldMk cId="2287529749" sldId="284"/>
-        </pc:sldMkLst>
-        <pc:spChg chg="mod">
-          <ac:chgData name="Li Lixiang" userId="6104bbfcb56aea79" providerId="LiveId" clId="{195C821F-1926-4771-8AF3-DE34471BCA3B}" dt="2021-04-21T11:49:41.970" v="1818" actId="20577"/>
-          <ac:spMkLst>
-            <pc:docMk/>
-            <pc:sldMk cId="2287529749" sldId="284"/>
-            <ac:spMk id="2" creationId="{5EC01E2D-9CFE-4D5D-8863-3BA90731F07B}"/>
-          </ac:spMkLst>
-        </pc:spChg>
-        <pc:spChg chg="mod">
-          <ac:chgData name="Li Lixiang" userId="6104bbfcb56aea79" providerId="LiveId" clId="{195C821F-1926-4771-8AF3-DE34471BCA3B}" dt="2021-04-21T11:57:25.193" v="2223" actId="20577"/>
-          <ac:spMkLst>
-            <pc:docMk/>
-            <pc:sldMk cId="2287529749" sldId="284"/>
-            <ac:spMk id="3" creationId="{7060439F-2729-478E-B95F-230482B50AA1}"/>
-          </ac:spMkLst>
-        </pc:spChg>
-        <pc:picChg chg="del">
-          <ac:chgData name="Li Lixiang" userId="6104bbfcb56aea79" providerId="LiveId" clId="{195C821F-1926-4771-8AF3-DE34471BCA3B}" dt="2021-04-21T11:49:46.138" v="1819" actId="478"/>
-          <ac:picMkLst>
-            <pc:docMk/>
-            <pc:sldMk cId="2287529749" sldId="284"/>
-            <ac:picMk id="5" creationId="{908D5F42-F128-41C6-901B-32741920691C}"/>
-          </ac:picMkLst>
-        </pc:picChg>
-        <pc:picChg chg="add mod">
-          <ac:chgData name="Li Lixiang" userId="6104bbfcb56aea79" providerId="LiveId" clId="{195C821F-1926-4771-8AF3-DE34471BCA3B}" dt="2021-04-21T11:55:40.654" v="1939" actId="1076"/>
-          <ac:picMkLst>
-            <pc:docMk/>
-            <pc:sldMk cId="2287529749" sldId="284"/>
-            <ac:picMk id="6" creationId="{CBC54361-79AA-4580-8754-25F061500C04}"/>
+            <pc:sldMk cId="692569666" sldId="294"/>
+            <ac:picMk id="8" creationId="{E862C698-F704-421B-B667-0082BAA41C71}"/>
           </ac:picMkLst>
         </pc:picChg>
       </pc:sldChg>
@@ -1994,7 +2056,7 @@
             <a:fld id="{B61BEF0D-F0BB-DE4B-95CE-6DB70DBA9567}" type="datetimeFigureOut">
               <a:rPr lang="en-US" dirty="0"/>
               <a:pPr/>
-              <a:t>8/12/2021</a:t>
+              <a:t>10/5/2021</a:t>
             </a:fld>
             <a:endParaRPr lang="en-US" dirty="0"/>
           </a:p>
@@ -2325,7 +2387,7 @@
             <a:fld id="{B61BEF0D-F0BB-DE4B-95CE-6DB70DBA9567}" type="datetimeFigureOut">
               <a:rPr lang="en-US" dirty="0"/>
               <a:pPr/>
-              <a:t>8/12/2021</a:t>
+              <a:t>10/5/2021</a:t>
             </a:fld>
             <a:endParaRPr lang="en-US" dirty="0"/>
           </a:p>
@@ -2600,7 +2662,7 @@
             <a:fld id="{B61BEF0D-F0BB-DE4B-95CE-6DB70DBA9567}" type="datetimeFigureOut">
               <a:rPr lang="en-US" dirty="0"/>
               <a:pPr/>
-              <a:t>8/12/2021</a:t>
+              <a:t>10/5/2021</a:t>
             </a:fld>
             <a:endParaRPr lang="en-US" dirty="0"/>
           </a:p>
@@ -3165,7 +3227,7 @@
             <a:fld id="{B61BEF0D-F0BB-DE4B-95CE-6DB70DBA9567}" type="datetimeFigureOut">
               <a:rPr lang="en-US" dirty="0"/>
               <a:pPr/>
-              <a:t>8/12/2021</a:t>
+              <a:t>10/5/2021</a:t>
             </a:fld>
             <a:endParaRPr lang="en-US" dirty="0"/>
           </a:p>
@@ -3440,7 +3502,7 @@
             <a:fld id="{B61BEF0D-F0BB-DE4B-95CE-6DB70DBA9567}" type="datetimeFigureOut">
               <a:rPr lang="en-US" dirty="0"/>
               <a:pPr/>
-              <a:t>8/12/2021</a:t>
+              <a:t>10/5/2021</a:t>
             </a:fld>
             <a:endParaRPr lang="en-US" dirty="0"/>
           </a:p>
@@ -3999,7 +4061,7 @@
             <a:fld id="{B61BEF0D-F0BB-DE4B-95CE-6DB70DBA9567}" type="datetimeFigureOut">
               <a:rPr lang="en-US" dirty="0"/>
               <a:pPr/>
-              <a:t>8/12/2021</a:t>
+              <a:t>10/5/2021</a:t>
             </a:fld>
             <a:endParaRPr lang="en-US" dirty="0"/>
           </a:p>
@@ -4323,7 +4385,7 @@
             <a:fld id="{B61BEF0D-F0BB-DE4B-95CE-6DB70DBA9567}" type="datetimeFigureOut">
               <a:rPr lang="en-US" dirty="0"/>
               <a:pPr/>
-              <a:t>8/12/2021</a:t>
+              <a:t>10/5/2021</a:t>
             </a:fld>
             <a:endParaRPr lang="en-US" dirty="0"/>
           </a:p>
@@ -4497,7 +4559,7 @@
             <a:fld id="{B61BEF0D-F0BB-DE4B-95CE-6DB70DBA9567}" type="datetimeFigureOut">
               <a:rPr lang="en-US" dirty="0"/>
               <a:pPr/>
-              <a:t>8/12/2021</a:t>
+              <a:t>10/5/2021</a:t>
             </a:fld>
             <a:endParaRPr lang="en-US" dirty="0"/>
           </a:p>
@@ -4732,7 +4794,7 @@
             <a:fld id="{B61BEF0D-F0BB-DE4B-95CE-6DB70DBA9567}" type="datetimeFigureOut">
               <a:rPr lang="en-US" dirty="0"/>
               <a:pPr/>
-              <a:t>8/12/2021</a:t>
+              <a:t>10/5/2021</a:t>
             </a:fld>
             <a:endParaRPr lang="en-US" dirty="0"/>
           </a:p>
@@ -4929,7 +4991,7 @@
             <a:fld id="{B61BEF0D-F0BB-DE4B-95CE-6DB70DBA9567}" type="datetimeFigureOut">
               <a:rPr lang="en-US" dirty="0"/>
               <a:pPr/>
-              <a:t>8/12/2021</a:t>
+              <a:t>10/5/2021</a:t>
             </a:fld>
             <a:endParaRPr lang="en-US" dirty="0"/>
           </a:p>
@@ -5202,7 +5264,7 @@
             <a:fld id="{B61BEF0D-F0BB-DE4B-95CE-6DB70DBA9567}" type="datetimeFigureOut">
               <a:rPr lang="en-US" dirty="0"/>
               <a:pPr/>
-              <a:t>8/12/2021</a:t>
+              <a:t>10/5/2021</a:t>
             </a:fld>
             <a:endParaRPr lang="en-US" dirty="0"/>
           </a:p>
@@ -5465,7 +5527,7 @@
             <a:fld id="{B61BEF0D-F0BB-DE4B-95CE-6DB70DBA9567}" type="datetimeFigureOut">
               <a:rPr lang="en-US" dirty="0"/>
               <a:pPr/>
-              <a:t>8/12/2021</a:t>
+              <a:t>10/5/2021</a:t>
             </a:fld>
             <a:endParaRPr lang="en-US" dirty="0"/>
           </a:p>
@@ -5836,7 +5898,7 @@
             <a:fld id="{B61BEF0D-F0BB-DE4B-95CE-6DB70DBA9567}" type="datetimeFigureOut">
               <a:rPr lang="en-US" dirty="0"/>
               <a:pPr/>
-              <a:t>8/12/2021</a:t>
+              <a:t>10/5/2021</a:t>
             </a:fld>
             <a:endParaRPr lang="en-US" dirty="0"/>
           </a:p>
@@ -5981,7 +6043,7 @@
             <a:fld id="{B61BEF0D-F0BB-DE4B-95CE-6DB70DBA9567}" type="datetimeFigureOut">
               <a:rPr lang="en-US" dirty="0"/>
               <a:pPr/>
-              <a:t>8/12/2021</a:t>
+              <a:t>10/5/2021</a:t>
             </a:fld>
             <a:endParaRPr lang="en-US" dirty="0"/>
           </a:p>
@@ -6103,7 +6165,7 @@
             <a:fld id="{B61BEF0D-F0BB-DE4B-95CE-6DB70DBA9567}" type="datetimeFigureOut">
               <a:rPr lang="en-US" dirty="0"/>
               <a:pPr/>
-              <a:t>8/12/2021</a:t>
+              <a:t>10/5/2021</a:t>
             </a:fld>
             <a:endParaRPr lang="en-US" dirty="0"/>
           </a:p>
@@ -6385,7 +6447,7 @@
             <a:fld id="{B61BEF0D-F0BB-DE4B-95CE-6DB70DBA9567}" type="datetimeFigureOut">
               <a:rPr lang="en-US" dirty="0"/>
               <a:pPr/>
-              <a:t>8/12/2021</a:t>
+              <a:t>10/5/2021</a:t>
             </a:fld>
             <a:endParaRPr lang="en-US" dirty="0"/>
           </a:p>
@@ -6706,7 +6768,7 @@
             <a:fld id="{B61BEF0D-F0BB-DE4B-95CE-6DB70DBA9567}" type="datetimeFigureOut">
               <a:rPr lang="en-US" dirty="0"/>
               <a:pPr/>
-              <a:t>8/12/2021</a:t>
+              <a:t>10/5/2021</a:t>
             </a:fld>
             <a:endParaRPr lang="en-US" dirty="0"/>
           </a:p>
@@ -6917,7 +6979,7 @@
             <a:fld id="{B61BEF0D-F0BB-DE4B-95CE-6DB70DBA9567}" type="datetimeFigureOut">
               <a:rPr lang="en-US" dirty="0"/>
               <a:pPr/>
-              <a:t>8/12/2021</a:t>
+              <a:t>10/5/2021</a:t>
             </a:fld>
             <a:endParaRPr lang="en-US" dirty="0"/>
           </a:p>
@@ -7478,7 +7540,7 @@
           <a:p>
             <a:r>
               <a:rPr lang="en-MY" dirty="0"/>
-              <a:t>unit 3a – recursion, stdin</a:t>
+              <a:t>unit 3a – function with variable arguments</a:t>
             </a:r>
           </a:p>
         </p:txBody>
@@ -7529,14 +7591,19 @@
             <p:ph type="title"/>
           </p:nvPr>
         </p:nvSpPr>
-        <p:spPr/>
+        <p:spPr>
+          <a:xfrm>
+            <a:off x="685801" y="39148"/>
+            <a:ext cx="10131425" cy="1456267"/>
+          </a:xfrm>
+        </p:spPr>
         <p:txBody>
           <a:bodyPr/>
           <a:lstStyle/>
           <a:p>
             <a:r>
               <a:rPr lang="en-US" dirty="0"/>
-              <a:t>What is recursion</a:t>
+              <a:t>Variable number of arguments</a:t>
             </a:r>
             <a:endParaRPr lang="en-MY" dirty="0"/>
           </a:p>
@@ -7544,10 +7611,10 @@
       </p:sp>
       <p:sp>
         <p:nvSpPr>
-          <p:cNvPr id="28" name="内容占位符 2">
+          <p:cNvPr id="15" name="内容占位符 2">
             <a:extLst>
               <a:ext uri="{FF2B5EF4-FFF2-40B4-BE49-F238E27FC236}">
-                <a16:creationId xmlns:a16="http://schemas.microsoft.com/office/drawing/2014/main" id="{39D71EE6-7BB9-465D-AA60-A5E6C460D83A}"/>
+                <a16:creationId xmlns:a16="http://schemas.microsoft.com/office/drawing/2014/main" id="{F6E4BC8C-67FE-44C5-8DAE-60B51939EF5A}"/>
               </a:ext>
             </a:extLst>
           </p:cNvPr>
@@ -7560,8 +7627,8 @@
         </p:nvSpPr>
         <p:spPr>
           <a:xfrm>
-            <a:off x="685802" y="2142067"/>
-            <a:ext cx="6142838" cy="2513823"/>
+            <a:off x="769689" y="3276825"/>
+            <a:ext cx="8575479" cy="1456267"/>
           </a:xfrm>
         </p:spPr>
         <p:txBody>
@@ -7570,49 +7637,35 @@
           </a:bodyPr>
           <a:lstStyle/>
           <a:p>
-            <a:pPr marL="0" indent="0">
-              <a:buNone/>
-            </a:pPr>
             <a:r>
               <a:rPr lang="en-US" dirty="0"/>
-              <a:t>Function call loop</a:t>
-            </a:r>
-          </a:p>
-          <a:p>
-            <a:r>
-              <a:rPr lang="en-US" dirty="0"/>
-              <a:t>When a function call itself</a:t>
-            </a:r>
-          </a:p>
-          <a:p>
-            <a:r>
-              <a:rPr lang="en-US" dirty="0"/>
-              <a:t>When a function call other function, but other function finally calls back to this function again</a:t>
-            </a:r>
-          </a:p>
-          <a:p>
-            <a:pPr marL="0" indent="0">
-              <a:buNone/>
-            </a:pPr>
-            <a:endParaRPr lang="en-US" dirty="0"/>
-          </a:p>
-          <a:p>
-            <a:pPr marL="0" indent="0">
-              <a:buNone/>
-            </a:pPr>
-            <a:r>
-              <a:rPr lang="en-US" dirty="0"/>
-              <a:t>It can be infinite and never return if the loop cannot break</a:t>
+              <a:t>When call the function, all values are packed together (tuple)</a:t>
+            </a:r>
+            <a:r>
+              <a:rPr lang="en-MY" dirty="0"/>
+              <a:t>.</a:t>
+            </a:r>
+          </a:p>
+          <a:p>
+            <a:r>
+              <a:rPr lang="en-MY" dirty="0"/>
+              <a:t>Inside function can take all items and use the value.</a:t>
+            </a:r>
+          </a:p>
+          <a:p>
+            <a:r>
+              <a:rPr lang="en-MY" dirty="0"/>
+              <a:t>Variable number arguments must be the last in position.</a:t>
             </a:r>
           </a:p>
         </p:txBody>
       </p:sp>
       <p:pic>
         <p:nvPicPr>
-          <p:cNvPr id="4" name="Picture 3">
+          <p:cNvPr id="5" name="Picture 4">
             <a:extLst>
               <a:ext uri="{FF2B5EF4-FFF2-40B4-BE49-F238E27FC236}">
-                <a16:creationId xmlns:a16="http://schemas.microsoft.com/office/drawing/2014/main" id="{CBA96F0E-66EF-4C03-92BD-9F4C88643A77}"/>
+                <a16:creationId xmlns:a16="http://schemas.microsoft.com/office/drawing/2014/main" id="{EFDF630E-68CB-4A46-8E79-60F9E5A5FED3}"/>
               </a:ext>
             </a:extLst>
           </p:cNvPr>
@@ -7629,18 +7682,263 @@
         </p:blipFill>
         <p:spPr>
           <a:xfrm>
-            <a:off x="7019680" y="1902781"/>
-            <a:ext cx="4763165" cy="2753109"/>
+            <a:off x="2174179" y="1463879"/>
+            <a:ext cx="2989156" cy="1526377"/>
           </a:xfrm>
           <a:prstGeom prst="rect">
             <a:avLst/>
           </a:prstGeom>
         </p:spPr>
       </p:pic>
+      <p:pic>
+        <p:nvPicPr>
+          <p:cNvPr id="7" name="Picture 6">
+            <a:extLst>
+              <a:ext uri="{FF2B5EF4-FFF2-40B4-BE49-F238E27FC236}">
+                <a16:creationId xmlns:a16="http://schemas.microsoft.com/office/drawing/2014/main" id="{C7BA7886-3913-42EE-9E87-DF561EA2A4B7}"/>
+              </a:ext>
+            </a:extLst>
+          </p:cNvPr>
+          <p:cNvPicPr>
+            <a:picLocks noChangeAspect="1"/>
+          </p:cNvPicPr>
+          <p:nvPr/>
+        </p:nvPicPr>
+        <p:blipFill>
+          <a:blip r:embed="rId3"/>
+          <a:stretch>
+            <a:fillRect/>
+          </a:stretch>
+        </p:blipFill>
+        <p:spPr>
+          <a:xfrm>
+            <a:off x="6740764" y="1463879"/>
+            <a:ext cx="3277057" cy="1400370"/>
+          </a:xfrm>
+          <a:prstGeom prst="rect">
+            <a:avLst/>
+          </a:prstGeom>
+        </p:spPr>
+      </p:pic>
+      <p:sp>
+        <p:nvSpPr>
+          <p:cNvPr id="8" name="Oval 7">
+            <a:extLst>
+              <a:ext uri="{FF2B5EF4-FFF2-40B4-BE49-F238E27FC236}">
+                <a16:creationId xmlns:a16="http://schemas.microsoft.com/office/drawing/2014/main" id="{D0ED21A4-4D06-4279-BD4C-C7C32BA82745}"/>
+              </a:ext>
+            </a:extLst>
+          </p:cNvPr>
+          <p:cNvSpPr/>
+          <p:nvPr/>
+        </p:nvSpPr>
+        <p:spPr>
+          <a:xfrm>
+            <a:off x="4013835" y="2709877"/>
+            <a:ext cx="822960" cy="305779"/>
+          </a:xfrm>
+          <a:prstGeom prst="ellipse">
+            <a:avLst/>
+          </a:prstGeom>
+          <a:noFill/>
+        </p:spPr>
+        <p:style>
+          <a:lnRef idx="2">
+            <a:schemeClr val="accent1">
+              <a:shade val="50000"/>
+            </a:schemeClr>
+          </a:lnRef>
+          <a:fillRef idx="1">
+            <a:schemeClr val="accent1"/>
+          </a:fillRef>
+          <a:effectRef idx="0">
+            <a:schemeClr val="accent1"/>
+          </a:effectRef>
+          <a:fontRef idx="minor">
+            <a:schemeClr val="lt1"/>
+          </a:fontRef>
+        </p:style>
+        <p:txBody>
+          <a:bodyPr rtlCol="0" anchor="ctr"/>
+          <a:lstStyle/>
+          <a:p>
+            <a:pPr algn="ctr"/>
+            <a:endParaRPr lang="en-MY"/>
+          </a:p>
+        </p:txBody>
+      </p:sp>
+      <p:cxnSp>
+        <p:nvCxnSpPr>
+          <p:cNvPr id="10" name="Straight Arrow Connector 9">
+            <a:extLst>
+              <a:ext uri="{FF2B5EF4-FFF2-40B4-BE49-F238E27FC236}">
+                <a16:creationId xmlns:a16="http://schemas.microsoft.com/office/drawing/2014/main" id="{2B9603A3-F1BA-4B98-9A81-6B19DE61CC7F}"/>
+              </a:ext>
+            </a:extLst>
+          </p:cNvPr>
+          <p:cNvCxnSpPr>
+            <a:stCxn id="8" idx="0"/>
+          </p:cNvCxnSpPr>
+          <p:nvPr/>
+        </p:nvCxnSpPr>
+        <p:spPr>
+          <a:xfrm flipH="1" flipV="1">
+            <a:off x="4324350" y="1685925"/>
+            <a:ext cx="100965" cy="1023952"/>
+          </a:xfrm>
+          <a:prstGeom prst="straightConnector1">
+            <a:avLst/>
+          </a:prstGeom>
+          <a:ln>
+            <a:tailEnd type="triangle"/>
+          </a:ln>
+        </p:spPr>
+        <p:style>
+          <a:lnRef idx="1">
+            <a:schemeClr val="accent1"/>
+          </a:lnRef>
+          <a:fillRef idx="0">
+            <a:schemeClr val="accent1"/>
+          </a:fillRef>
+          <a:effectRef idx="0">
+            <a:schemeClr val="accent1"/>
+          </a:effectRef>
+          <a:fontRef idx="minor">
+            <a:schemeClr val="tx1"/>
+          </a:fontRef>
+        </p:style>
+      </p:cxnSp>
+      <p:cxnSp>
+        <p:nvCxnSpPr>
+          <p:cNvPr id="12" name="Straight Arrow Connector 11">
+            <a:extLst>
+              <a:ext uri="{FF2B5EF4-FFF2-40B4-BE49-F238E27FC236}">
+                <a16:creationId xmlns:a16="http://schemas.microsoft.com/office/drawing/2014/main" id="{3FCD62F3-1C48-4A92-AA9B-2A2B8CF913C0}"/>
+              </a:ext>
+            </a:extLst>
+          </p:cNvPr>
+          <p:cNvCxnSpPr/>
+          <p:nvPr/>
+        </p:nvCxnSpPr>
+        <p:spPr>
+          <a:xfrm flipV="1">
+            <a:off x="8435340" y="1685925"/>
+            <a:ext cx="0" cy="950595"/>
+          </a:xfrm>
+          <a:prstGeom prst="straightConnector1">
+            <a:avLst/>
+          </a:prstGeom>
+          <a:ln>
+            <a:tailEnd type="triangle"/>
+          </a:ln>
+        </p:spPr>
+        <p:style>
+          <a:lnRef idx="1">
+            <a:schemeClr val="accent1"/>
+          </a:lnRef>
+          <a:fillRef idx="0">
+            <a:schemeClr val="accent1"/>
+          </a:fillRef>
+          <a:effectRef idx="0">
+            <a:schemeClr val="accent1"/>
+          </a:effectRef>
+          <a:fontRef idx="minor">
+            <a:schemeClr val="tx1"/>
+          </a:fontRef>
+        </p:style>
+      </p:cxnSp>
+      <p:sp>
+        <p:nvSpPr>
+          <p:cNvPr id="14" name="Oval 13">
+            <a:extLst>
+              <a:ext uri="{FF2B5EF4-FFF2-40B4-BE49-F238E27FC236}">
+                <a16:creationId xmlns:a16="http://schemas.microsoft.com/office/drawing/2014/main" id="{18E1D102-76F9-4119-8A5D-5DB15E78094B}"/>
+              </a:ext>
+            </a:extLst>
+          </p:cNvPr>
+          <p:cNvSpPr/>
+          <p:nvPr/>
+        </p:nvSpPr>
+        <p:spPr>
+          <a:xfrm>
+            <a:off x="8608695" y="2602501"/>
+            <a:ext cx="558162" cy="305779"/>
+          </a:xfrm>
+          <a:prstGeom prst="ellipse">
+            <a:avLst/>
+          </a:prstGeom>
+          <a:noFill/>
+        </p:spPr>
+        <p:style>
+          <a:lnRef idx="2">
+            <a:schemeClr val="accent1">
+              <a:shade val="50000"/>
+            </a:schemeClr>
+          </a:lnRef>
+          <a:fillRef idx="1">
+            <a:schemeClr val="accent1"/>
+          </a:fillRef>
+          <a:effectRef idx="0">
+            <a:schemeClr val="accent1"/>
+          </a:effectRef>
+          <a:fontRef idx="minor">
+            <a:schemeClr val="lt1"/>
+          </a:fontRef>
+        </p:style>
+        <p:txBody>
+          <a:bodyPr rtlCol="0" anchor="ctr"/>
+          <a:lstStyle/>
+          <a:p>
+            <a:pPr algn="ctr"/>
+            <a:endParaRPr lang="en-MY"/>
+          </a:p>
+        </p:txBody>
+      </p:sp>
+      <p:cxnSp>
+        <p:nvCxnSpPr>
+          <p:cNvPr id="16" name="Straight Arrow Connector 15">
+            <a:extLst>
+              <a:ext uri="{FF2B5EF4-FFF2-40B4-BE49-F238E27FC236}">
+                <a16:creationId xmlns:a16="http://schemas.microsoft.com/office/drawing/2014/main" id="{482C2795-BDD3-4CB5-AF8E-E25E6F302584}"/>
+              </a:ext>
+            </a:extLst>
+          </p:cNvPr>
+          <p:cNvCxnSpPr>
+            <a:cxnSpLocks/>
+          </p:cNvCxnSpPr>
+          <p:nvPr/>
+        </p:nvCxnSpPr>
+        <p:spPr>
+          <a:xfrm flipV="1">
+            <a:off x="8923020" y="1685925"/>
+            <a:ext cx="422148" cy="916577"/>
+          </a:xfrm>
+          <a:prstGeom prst="straightConnector1">
+            <a:avLst/>
+          </a:prstGeom>
+          <a:ln>
+            <a:tailEnd type="triangle"/>
+          </a:ln>
+        </p:spPr>
+        <p:style>
+          <a:lnRef idx="1">
+            <a:schemeClr val="accent1"/>
+          </a:lnRef>
+          <a:fillRef idx="0">
+            <a:schemeClr val="accent1"/>
+          </a:fillRef>
+          <a:effectRef idx="0">
+            <a:schemeClr val="accent1"/>
+          </a:effectRef>
+          <a:fontRef idx="minor">
+            <a:schemeClr val="tx1"/>
+          </a:fontRef>
+        </p:style>
+      </p:cxnSp>
     </p:spTree>
     <p:extLst>
       <p:ext uri="{BB962C8B-B14F-4D97-AF65-F5344CB8AC3E}">
-        <p14:creationId xmlns:p14="http://schemas.microsoft.com/office/powerpoint/2010/main" val="3575300521"/>
+        <p14:creationId xmlns:p14="http://schemas.microsoft.com/office/powerpoint/2010/main" val="2441130311"/>
       </p:ext>
     </p:extLst>
   </p:cSld>
@@ -7672,7 +7970,7 @@
           <p:cNvPr id="2" name="Title 1">
             <a:extLst>
               <a:ext uri="{FF2B5EF4-FFF2-40B4-BE49-F238E27FC236}">
-                <a16:creationId xmlns:a16="http://schemas.microsoft.com/office/drawing/2014/main" id="{D947D2DF-FCBF-47C3-9EC9-872096C568C7}"/>
+                <a16:creationId xmlns:a16="http://schemas.microsoft.com/office/drawing/2014/main" id="{87B31375-DBB1-4A0D-B4DA-BA248AB3DCC6}"/>
               </a:ext>
             </a:extLst>
           </p:cNvPr>
@@ -7690,68 +7988,18 @@
           <a:p>
             <a:r>
               <a:rPr lang="en-US" dirty="0"/>
-              <a:t>What is recursion</a:t>
+              <a:t>In class practice: what is the result for those code?</a:t>
             </a:r>
             <a:endParaRPr lang="en-MY" dirty="0"/>
           </a:p>
         </p:txBody>
       </p:sp>
-      <p:sp>
-        <p:nvSpPr>
-          <p:cNvPr id="28" name="内容占位符 2">
+      <p:pic>
+        <p:nvPicPr>
+          <p:cNvPr id="5" name="Picture 4">
             <a:extLst>
               <a:ext uri="{FF2B5EF4-FFF2-40B4-BE49-F238E27FC236}">
-                <a16:creationId xmlns:a16="http://schemas.microsoft.com/office/drawing/2014/main" id="{39D71EE6-7BB9-465D-AA60-A5E6C460D83A}"/>
-              </a:ext>
-            </a:extLst>
-          </p:cNvPr>
-          <p:cNvSpPr>
-            <a:spLocks noGrp="1"/>
-          </p:cNvSpPr>
-          <p:nvPr>
-            <p:ph idx="1"/>
-          </p:nvPr>
-        </p:nvSpPr>
-        <p:spPr>
-          <a:xfrm>
-            <a:off x="685802" y="2142067"/>
-            <a:ext cx="5111494" cy="2749973"/>
-          </a:xfrm>
-        </p:spPr>
-        <p:txBody>
-          <a:bodyPr anchor="t">
-            <a:normAutofit/>
-          </a:bodyPr>
-          <a:lstStyle/>
-          <a:p>
-            <a:pPr marL="0" indent="0">
-              <a:buNone/>
-            </a:pPr>
-            <a:r>
-              <a:rPr lang="en-US" dirty="0"/>
-              <a:t>In the Function call loop</a:t>
-            </a:r>
-          </a:p>
-          <a:p>
-            <a:r>
-              <a:rPr lang="en-US" dirty="0"/>
-              <a:t>Each time the conidiation should have slight difference</a:t>
-            </a:r>
-          </a:p>
-          <a:p>
-            <a:r>
-              <a:rPr lang="en-US" dirty="0"/>
-              <a:t>When the condition reaches certain value, then it does not need continue to call, can find the result and return</a:t>
-            </a:r>
-          </a:p>
-        </p:txBody>
-      </p:sp>
-      <p:pic>
-        <p:nvPicPr>
-          <p:cNvPr id="7" name="Picture 6">
-            <a:extLst>
-              <a:ext uri="{FF2B5EF4-FFF2-40B4-BE49-F238E27FC236}">
-                <a16:creationId xmlns:a16="http://schemas.microsoft.com/office/drawing/2014/main" id="{F4A33654-7407-409D-B3F9-2C7A99630B34}"/>
+                <a16:creationId xmlns:a16="http://schemas.microsoft.com/office/drawing/2014/main" id="{6F732DC5-CD3C-4C21-86A2-98BF8477C70C}"/>
               </a:ext>
             </a:extLst>
           </p:cNvPr>
@@ -7768,38 +8016,8 @@
         </p:blipFill>
         <p:spPr>
           <a:xfrm>
-            <a:off x="6339851" y="2056722"/>
-            <a:ext cx="4477375" cy="1714739"/>
-          </a:xfrm>
-          <a:prstGeom prst="rect">
-            <a:avLst/>
-          </a:prstGeom>
-        </p:spPr>
-      </p:pic>
-      <p:pic>
-        <p:nvPicPr>
-          <p:cNvPr id="10" name="Picture 9">
-            <a:extLst>
-              <a:ext uri="{FF2B5EF4-FFF2-40B4-BE49-F238E27FC236}">
-                <a16:creationId xmlns:a16="http://schemas.microsoft.com/office/drawing/2014/main" id="{55ACCF36-8E04-4DBB-BE49-9E6FB5883DB3}"/>
-              </a:ext>
-            </a:extLst>
-          </p:cNvPr>
-          <p:cNvPicPr>
-            <a:picLocks noChangeAspect="1"/>
-          </p:cNvPicPr>
-          <p:nvPr/>
-        </p:nvPicPr>
-        <p:blipFill>
-          <a:blip r:embed="rId3"/>
-          <a:stretch>
-            <a:fillRect/>
-          </a:stretch>
-        </p:blipFill>
-        <p:spPr>
-          <a:xfrm>
-            <a:off x="6339851" y="4508871"/>
-            <a:ext cx="3286584" cy="1419423"/>
+            <a:off x="1800043" y="2709743"/>
+            <a:ext cx="2610214" cy="1705213"/>
           </a:xfrm>
           <a:prstGeom prst="rect">
             <a:avLst/>
@@ -7809,7 +8027,7 @@
     </p:spTree>
     <p:extLst>
       <p:ext uri="{BB962C8B-B14F-4D97-AF65-F5344CB8AC3E}">
-        <p14:creationId xmlns:p14="http://schemas.microsoft.com/office/powerpoint/2010/main" val="3697431923"/>
+        <p14:creationId xmlns:p14="http://schemas.microsoft.com/office/powerpoint/2010/main" val="1337673820"/>
       </p:ext>
     </p:extLst>
   </p:cSld>
@@ -7852,14 +8070,19 @@
             <p:ph type="title"/>
           </p:nvPr>
         </p:nvSpPr>
-        <p:spPr/>
+        <p:spPr>
+          <a:xfrm>
+            <a:off x="685801" y="39148"/>
+            <a:ext cx="10131425" cy="1456267"/>
+          </a:xfrm>
+        </p:spPr>
         <p:txBody>
           <a:bodyPr/>
           <a:lstStyle/>
           <a:p>
             <a:r>
               <a:rPr lang="en-US" dirty="0"/>
-              <a:t>What is stdin and how to use it</a:t>
+              <a:t>Variable number of named arguments</a:t>
             </a:r>
             <a:endParaRPr lang="en-MY" dirty="0"/>
           </a:p>
@@ -7867,10 +8090,10 @@
       </p:sp>
       <p:sp>
         <p:nvSpPr>
-          <p:cNvPr id="28" name="内容占位符 2">
+          <p:cNvPr id="15" name="内容占位符 2">
             <a:extLst>
               <a:ext uri="{FF2B5EF4-FFF2-40B4-BE49-F238E27FC236}">
-                <a16:creationId xmlns:a16="http://schemas.microsoft.com/office/drawing/2014/main" id="{39D71EE6-7BB9-465D-AA60-A5E6C460D83A}"/>
+                <a16:creationId xmlns:a16="http://schemas.microsoft.com/office/drawing/2014/main" id="{F6E4BC8C-67FE-44C5-8DAE-60B51939EF5A}"/>
               </a:ext>
             </a:extLst>
           </p:cNvPr>
@@ -7883,8 +8106,8 @@
         </p:nvSpPr>
         <p:spPr>
           <a:xfrm>
-            <a:off x="685802" y="2142067"/>
-            <a:ext cx="8172972" cy="2749973"/>
+            <a:off x="769689" y="3276825"/>
+            <a:ext cx="8575479" cy="1984248"/>
           </a:xfrm>
         </p:spPr>
         <p:txBody>
@@ -7893,117 +8116,78 @@
           </a:bodyPr>
           <a:lstStyle/>
           <a:p>
-            <a:pPr marL="0" indent="0">
-              <a:buNone/>
-            </a:pPr>
             <a:r>
               <a:rPr lang="en-US" dirty="0"/>
-              <a:t>Stdin is one input device, for human to send information into computer</a:t>
-            </a:r>
-          </a:p>
-          <a:p>
-            <a:r>
-              <a:rPr lang="en-US" dirty="0"/>
-              <a:t>Use </a:t>
-            </a:r>
-            <a:r>
-              <a:rPr lang="en-US" b="1" dirty="0">
-                <a:solidFill>
-                  <a:srgbClr val="FFFF00"/>
-                </a:solidFill>
-              </a:rPr>
-              <a:t>input()</a:t>
-            </a:r>
-            <a:r>
-              <a:rPr lang="en-US" dirty="0"/>
-              <a:t> function in python. (a build-in function, no need import anything)</a:t>
-            </a:r>
-          </a:p>
-          <a:p>
-            <a:r>
-              <a:rPr lang="en-US" dirty="0"/>
-              <a:t>Use </a:t>
-            </a:r>
-            <a:r>
-              <a:rPr lang="en-US" b="1" dirty="0" err="1">
-                <a:solidFill>
-                  <a:srgbClr val="FFFF00"/>
-                </a:solidFill>
-              </a:rPr>
-              <a:t>sys.stdin</a:t>
-            </a:r>
-            <a:r>
-              <a:rPr lang="en-US" b="1" dirty="0">
-                <a:solidFill>
-                  <a:srgbClr val="FFFF00"/>
-                </a:solidFill>
-              </a:rPr>
-              <a:t> </a:t>
-            </a:r>
-            <a:r>
-              <a:rPr lang="en-US" dirty="0"/>
-              <a:t>device. (need import sys)</a:t>
-            </a:r>
-          </a:p>
-          <a:p>
-            <a:r>
-              <a:rPr lang="en-US" dirty="0"/>
-              <a:t>User </a:t>
-            </a:r>
-            <a:r>
-              <a:rPr lang="en-US" b="1" dirty="0" err="1">
-                <a:solidFill>
-                  <a:srgbClr val="FFFF00"/>
-                </a:solidFill>
-              </a:rPr>
-              <a:t>fileinput</a:t>
-            </a:r>
-            <a:r>
-              <a:rPr lang="en-US" b="1" dirty="0">
-                <a:solidFill>
-                  <a:srgbClr val="FFFF00"/>
-                </a:solidFill>
-              </a:rPr>
-              <a:t> </a:t>
-            </a:r>
-            <a:r>
-              <a:rPr lang="en-US" dirty="0"/>
-              <a:t>module. (need import </a:t>
+              <a:t>When call the function, all values are packed together like a </a:t>
             </a:r>
             <a:r>
               <a:rPr lang="en-US" dirty="0" err="1"/>
-              <a:t>fileinput</a:t>
-            </a:r>
-            <a:r>
-              <a:rPr lang="en-US" dirty="0"/>
-              <a:t>)</a:t>
-            </a:r>
-          </a:p>
-          <a:p>
-            <a:pPr lvl="1"/>
-            <a:r>
-              <a:rPr lang="en-US" dirty="0" err="1"/>
-              <a:t>fileinput.input</a:t>
-            </a:r>
-            <a:r>
-              <a:rPr lang="en-US" dirty="0"/>
-              <a:t>(), </a:t>
-            </a:r>
-            <a:r>
-              <a:rPr lang="en-US" dirty="0" err="1"/>
-              <a:t>fileinput.close</a:t>
-            </a:r>
-            <a:r>
-              <a:rPr lang="en-US" dirty="0"/>
-              <a:t>(), and for loop to read line by line.</a:t>
-            </a:r>
-          </a:p>
-        </p:txBody>
-      </p:sp>
+              <a:t>dict</a:t>
+            </a:r>
+            <a:r>
+              <a:rPr lang="en-MY" dirty="0"/>
+              <a:t>. Keywords are packed as keys, values are packed as values</a:t>
+            </a:r>
+          </a:p>
+          <a:p>
+            <a:r>
+              <a:rPr lang="en-MY" dirty="0"/>
+              <a:t>Inside function can take all items from the </a:t>
+            </a:r>
+            <a:r>
+              <a:rPr lang="en-MY" dirty="0" err="1"/>
+              <a:t>dict</a:t>
+            </a:r>
+            <a:r>
+              <a:rPr lang="en-MY" dirty="0"/>
+              <a:t> and use the key: value pairs.</a:t>
+            </a:r>
+          </a:p>
+          <a:p>
+            <a:r>
+              <a:rPr lang="en-MY" dirty="0"/>
+              <a:t>Variable number arguments must be the last in position.</a:t>
+            </a:r>
+          </a:p>
+          <a:p>
+            <a:endParaRPr lang="en-MY" dirty="0"/>
+          </a:p>
+        </p:txBody>
+      </p:sp>
+      <p:pic>
+        <p:nvPicPr>
+          <p:cNvPr id="4" name="Picture 3">
+            <a:extLst>
+              <a:ext uri="{FF2B5EF4-FFF2-40B4-BE49-F238E27FC236}">
+                <a16:creationId xmlns:a16="http://schemas.microsoft.com/office/drawing/2014/main" id="{C4C1A119-EEF6-4A03-A0E1-9E3623E1FB9E}"/>
+              </a:ext>
+            </a:extLst>
+          </p:cNvPr>
+          <p:cNvPicPr>
+            <a:picLocks noChangeAspect="1"/>
+          </p:cNvPicPr>
+          <p:nvPr/>
+        </p:nvPicPr>
+        <p:blipFill>
+          <a:blip r:embed="rId2"/>
+          <a:stretch>
+            <a:fillRect/>
+          </a:stretch>
+        </p:blipFill>
+        <p:spPr>
+          <a:xfrm>
+            <a:off x="1374226" y="1596927"/>
+            <a:ext cx="7868748" cy="1000265"/>
+          </a:xfrm>
+          <a:prstGeom prst="rect">
+            <a:avLst/>
+          </a:prstGeom>
+        </p:spPr>
+      </p:pic>
     </p:spTree>
     <p:extLst>
       <p:ext uri="{BB962C8B-B14F-4D97-AF65-F5344CB8AC3E}">
-        <p14:creationId xmlns:p14="http://schemas.microsoft.com/office/powerpoint/2010/main" val="907979361"/>
+        <p14:creationId xmlns:p14="http://schemas.microsoft.com/office/powerpoint/2010/main" val="1241975191"/>
       </p:ext>
     </p:extLst>
   </p:cSld>
@@ -8035,7 +8219,7 @@
           <p:cNvPr id="2" name="Title 1">
             <a:extLst>
               <a:ext uri="{FF2B5EF4-FFF2-40B4-BE49-F238E27FC236}">
-                <a16:creationId xmlns:a16="http://schemas.microsoft.com/office/drawing/2014/main" id="{D947D2DF-FCBF-47C3-9EC9-872096C568C7}"/>
+                <a16:creationId xmlns:a16="http://schemas.microsoft.com/office/drawing/2014/main" id="{DCA24933-74A6-4A51-B9CC-8AA9D06DE507}"/>
               </a:ext>
             </a:extLst>
           </p:cNvPr>
@@ -8053,58 +8237,9 @@
           <a:p>
             <a:r>
               <a:rPr lang="en-US" dirty="0"/>
-              <a:t>Command line redirection of input/output</a:t>
+              <a:t>In class practice: what is the result for those code?</a:t>
             </a:r>
             <a:endParaRPr lang="en-MY" dirty="0"/>
-          </a:p>
-        </p:txBody>
-      </p:sp>
-      <p:sp>
-        <p:nvSpPr>
-          <p:cNvPr id="28" name="内容占位符 2">
-            <a:extLst>
-              <a:ext uri="{FF2B5EF4-FFF2-40B4-BE49-F238E27FC236}">
-                <a16:creationId xmlns:a16="http://schemas.microsoft.com/office/drawing/2014/main" id="{39D71EE6-7BB9-465D-AA60-A5E6C460D83A}"/>
-              </a:ext>
-            </a:extLst>
-          </p:cNvPr>
-          <p:cNvSpPr>
-            <a:spLocks noGrp="1"/>
-          </p:cNvSpPr>
-          <p:nvPr>
-            <p:ph idx="1"/>
-          </p:nvPr>
-        </p:nvSpPr>
-        <p:spPr>
-          <a:xfrm>
-            <a:off x="685802" y="2142067"/>
-            <a:ext cx="8172972" cy="2749973"/>
-          </a:xfrm>
-        </p:spPr>
-        <p:txBody>
-          <a:bodyPr anchor="t">
-            <a:normAutofit/>
-          </a:bodyPr>
-          <a:lstStyle/>
-          <a:p>
-            <a:r>
-              <a:rPr lang="en-US" dirty="0"/>
-              <a:t>Command line ‘&gt;’ redirect </a:t>
-            </a:r>
-            <a:r>
-              <a:rPr lang="en-US" dirty="0" err="1"/>
-              <a:t>stdout</a:t>
-            </a:r>
-            <a:r>
-              <a:rPr lang="en-US" dirty="0"/>
-              <a:t> to a file</a:t>
-            </a:r>
-          </a:p>
-          <a:p>
-            <a:r>
-              <a:rPr lang="en-US" dirty="0"/>
-              <a:t>Command line ‘&lt;‘ redirect stdin from a file</a:t>
-            </a:r>
           </a:p>
         </p:txBody>
       </p:sp>
@@ -8113,7 +8248,7 @@
           <p:cNvPr id="5" name="Picture 4">
             <a:extLst>
               <a:ext uri="{FF2B5EF4-FFF2-40B4-BE49-F238E27FC236}">
-                <a16:creationId xmlns:a16="http://schemas.microsoft.com/office/drawing/2014/main" id="{23A6D3FD-0510-4045-BA2A-CA4A2485A7FB}"/>
+                <a16:creationId xmlns:a16="http://schemas.microsoft.com/office/drawing/2014/main" id="{14C9E1F3-DBA5-4F54-BD74-49E6665B43A5}"/>
               </a:ext>
             </a:extLst>
           </p:cNvPr>
@@ -8130,8 +8265,8 @@
         </p:blipFill>
         <p:spPr>
           <a:xfrm>
-            <a:off x="848967" y="3595223"/>
-            <a:ext cx="8497486" cy="1009791"/>
+            <a:off x="1497375" y="2718040"/>
+            <a:ext cx="3258005" cy="1752845"/>
           </a:xfrm>
           <a:prstGeom prst="rect">
             <a:avLst/>
@@ -8141,7 +8276,7 @@
     </p:spTree>
     <p:extLst>
       <p:ext uri="{BB962C8B-B14F-4D97-AF65-F5344CB8AC3E}">
-        <p14:creationId xmlns:p14="http://schemas.microsoft.com/office/powerpoint/2010/main" val="3838781653"/>
+        <p14:creationId xmlns:p14="http://schemas.microsoft.com/office/powerpoint/2010/main" val="2050573411"/>
       </p:ext>
     </p:extLst>
   </p:cSld>
@@ -8173,7 +8308,7 @@
           <p:cNvPr id="2" name="Title 1">
             <a:extLst>
               <a:ext uri="{FF2B5EF4-FFF2-40B4-BE49-F238E27FC236}">
-                <a16:creationId xmlns:a16="http://schemas.microsoft.com/office/drawing/2014/main" id="{48E3133C-2D11-4AD1-B0B5-30549934DD31}"/>
+                <a16:creationId xmlns:a16="http://schemas.microsoft.com/office/drawing/2014/main" id="{AD009BA9-B9BE-4248-8426-7DC6E216874D}"/>
               </a:ext>
             </a:extLst>
           </p:cNvPr>
@@ -8190,8 +8325,8 @@
           <a:lstStyle/>
           <a:p>
             <a:r>
-              <a:rPr lang="en-US" dirty="0" err="1"/>
-              <a:t>fileinput</a:t>
+              <a:rPr lang="en-US" dirty="0"/>
+              <a:t>* And ** in function call</a:t>
             </a:r>
             <a:endParaRPr lang="en-MY" dirty="0"/>
           </a:p>
@@ -8199,10 +8334,10 @@
       </p:sp>
       <p:sp>
         <p:nvSpPr>
-          <p:cNvPr id="3" name="Content Placeholder 2">
+          <p:cNvPr id="4" name="内容占位符 2">
             <a:extLst>
               <a:ext uri="{FF2B5EF4-FFF2-40B4-BE49-F238E27FC236}">
-                <a16:creationId xmlns:a16="http://schemas.microsoft.com/office/drawing/2014/main" id="{17D0C3F3-5065-4C0B-9C49-527158490795}"/>
+                <a16:creationId xmlns:a16="http://schemas.microsoft.com/office/drawing/2014/main" id="{79CAE4BD-3931-4E57-A03E-1DB1A5FFC6B3}"/>
               </a:ext>
             </a:extLst>
           </p:cNvPr>
@@ -8215,184 +8350,54 @@
         </p:nvSpPr>
         <p:spPr>
           <a:xfrm>
-            <a:off x="685801" y="1920725"/>
-            <a:ext cx="10131425" cy="2543530"/>
+            <a:off x="794856" y="2572151"/>
+            <a:ext cx="6260285" cy="1984248"/>
           </a:xfrm>
         </p:spPr>
         <p:txBody>
-          <a:bodyPr anchor="t"/>
+          <a:bodyPr anchor="t">
+            <a:normAutofit/>
+          </a:bodyPr>
           <a:lstStyle/>
           <a:p>
             <a:r>
               <a:rPr lang="en-US" dirty="0"/>
-              <a:t>The </a:t>
+              <a:t>* can be used with list or other </a:t>
             </a:r>
             <a:r>
               <a:rPr lang="en-US" dirty="0" err="1"/>
-              <a:t>fileinput</a:t>
+              <a:t>iterables</a:t>
             </a:r>
             <a:r>
               <a:rPr lang="en-US" dirty="0"/>
-              <a:t>: can read from a list of files, file name specified by </a:t>
+              <a:t>, to give parameter to variable arguments to a function when doing a function call.</a:t>
+            </a:r>
+          </a:p>
+          <a:p>
+            <a:r>
+              <a:rPr lang="en-US" dirty="0"/>
+              <a:t>** can be used with </a:t>
             </a:r>
             <a:r>
               <a:rPr lang="en-US" dirty="0" err="1"/>
-              <a:t>args</a:t>
+              <a:t>dict</a:t>
             </a:r>
             <a:r>
               <a:rPr lang="en-US" dirty="0"/>
-              <a:t>[1:]</a:t>
-            </a:r>
-          </a:p>
-          <a:p>
-            <a:r>
-              <a:rPr lang="en-US" dirty="0"/>
-              <a:t>If have ‘-’, this will be stdin</a:t>
-            </a:r>
-          </a:p>
-          <a:p>
-            <a:r>
-              <a:rPr lang="en-US" dirty="0"/>
-              <a:t>If have no </a:t>
-            </a:r>
-            <a:r>
-              <a:rPr lang="en-US" dirty="0" err="1"/>
-              <a:t>args</a:t>
-            </a:r>
-            <a:r>
-              <a:rPr lang="en-US" dirty="0"/>
-              <a:t>[1] and after, default will read from stdin.</a:t>
-            </a:r>
-          </a:p>
-          <a:p>
-            <a:r>
-              <a:rPr lang="en-MY" dirty="0" err="1"/>
-              <a:t>Ctrl+z</a:t>
-            </a:r>
-            <a:r>
-              <a:rPr lang="en-MY" dirty="0"/>
-              <a:t> then enter, as EOF from stdin.  (</a:t>
-            </a:r>
-            <a:r>
-              <a:rPr kumimoji="0" lang="en-US" altLang="en-US" sz="1800" b="0" i="0" u="none" strike="noStrike" cap="none" normalizeH="0" baseline="0" dirty="0">
-                <a:ln>
-                  <a:noFill/>
-                </a:ln>
-                <a:effectLst/>
-                <a:latin typeface="Arial" panose="020B0604020202020204" pitchFamily="34" charset="0"/>
-                <a:ea typeface="-apple-system"/>
-              </a:rPr>
-              <a:t>  </a:t>
-            </a:r>
-            <a:r>
-              <a:rPr kumimoji="0" lang="en-US" altLang="en-US" sz="1800" b="0" i="0" u="none" strike="noStrike" cap="none" normalizeH="0" baseline="0" dirty="0" err="1">
-                <a:ln>
-                  <a:noFill/>
-                </a:ln>
-                <a:effectLst/>
-                <a:latin typeface="Arial Unicode MS"/>
-                <a:ea typeface="var(--ff-mono)"/>
-              </a:rPr>
-              <a:t>ctrl+D</a:t>
-            </a:r>
-            <a:r>
-              <a:rPr kumimoji="0" lang="en-US" altLang="en-US" sz="1800" b="0" i="0" u="none" strike="noStrike" cap="none" normalizeH="0" baseline="0" dirty="0">
-                <a:ln>
-                  <a:noFill/>
-                </a:ln>
-                <a:effectLst/>
-                <a:ea typeface="-apple-system"/>
-              </a:rPr>
-              <a:t> </a:t>
-            </a:r>
-            <a:r>
-              <a:rPr kumimoji="0" lang="en-US" altLang="en-US" sz="1800" b="0" i="0" u="none" strike="noStrike" cap="none" normalizeH="0" baseline="0" dirty="0">
-                <a:ln>
-                  <a:noFill/>
-                </a:ln>
-                <a:effectLst/>
-                <a:latin typeface="Arial" panose="020B0604020202020204" pitchFamily="34" charset="0"/>
-                <a:ea typeface="-apple-system"/>
-              </a:rPr>
-              <a:t>will give you EOF through stdin on </a:t>
-            </a:r>
-            <a:r>
-              <a:rPr kumimoji="0" lang="en-US" altLang="en-US" sz="1800" b="0" i="0" u="none" strike="noStrike" cap="none" normalizeH="0" baseline="0" dirty="0" err="1">
-                <a:ln>
-                  <a:noFill/>
-                </a:ln>
-                <a:effectLst/>
-                <a:latin typeface="Arial" panose="020B0604020202020204" pitchFamily="34" charset="0"/>
-                <a:ea typeface="-apple-system"/>
-              </a:rPr>
-              <a:t>unix</a:t>
-            </a:r>
-            <a:r>
-              <a:rPr kumimoji="0" lang="en-US" altLang="en-US" sz="1800" b="0" i="0" u="none" strike="noStrike" cap="none" normalizeH="0" baseline="0" dirty="0">
-                <a:ln>
-                  <a:noFill/>
-                </a:ln>
-                <a:effectLst/>
-                <a:latin typeface="Arial" panose="020B0604020202020204" pitchFamily="34" charset="0"/>
-                <a:ea typeface="-apple-system"/>
-              </a:rPr>
-              <a:t>. </a:t>
-            </a:r>
-            <a:r>
-              <a:rPr kumimoji="0" lang="en-US" altLang="en-US" sz="1800" b="0" i="0" u="none" strike="noStrike" cap="none" normalizeH="0" baseline="0" dirty="0" err="1">
-                <a:ln>
-                  <a:noFill/>
-                </a:ln>
-                <a:effectLst/>
-                <a:latin typeface="Arial Unicode MS"/>
-                <a:ea typeface="var(--ff-mono)"/>
-              </a:rPr>
-              <a:t>ctrl+Z</a:t>
-            </a:r>
-            <a:r>
-              <a:rPr kumimoji="0" lang="en-US" altLang="en-US" sz="1800" b="0" i="0" u="none" strike="noStrike" cap="none" normalizeH="0" baseline="0" dirty="0">
-                <a:ln>
-                  <a:noFill/>
-                </a:ln>
-                <a:effectLst/>
-                <a:ea typeface="-apple-system"/>
-              </a:rPr>
-              <a:t> </a:t>
-            </a:r>
-            <a:r>
-              <a:rPr kumimoji="0" lang="en-US" altLang="en-US" sz="1800" b="0" i="0" u="none" strike="noStrike" cap="none" normalizeH="0" baseline="0" dirty="0">
-                <a:ln>
-                  <a:noFill/>
-                </a:ln>
-                <a:effectLst/>
-                <a:latin typeface="Arial" panose="020B0604020202020204" pitchFamily="34" charset="0"/>
-                <a:ea typeface="-apple-system"/>
-              </a:rPr>
-              <a:t>on windows </a:t>
-            </a:r>
-            <a:r>
-              <a:rPr kumimoji="0" lang="en-US" altLang="en-US" sz="1600" b="0" i="0" u="none" strike="noStrike" cap="none" normalizeH="0" baseline="0" dirty="0">
-                <a:ln>
-                  <a:noFill/>
-                </a:ln>
-                <a:effectLst/>
-                <a:latin typeface="Arial" panose="020B0604020202020204" pitchFamily="34" charset="0"/>
-              </a:rPr>
-              <a:t> </a:t>
-            </a:r>
-            <a:r>
-              <a:rPr lang="en-MY" dirty="0"/>
-              <a:t>)</a:t>
-            </a:r>
+              <a:t>, to give parameter to keyword variable arguments when doing a function call.</a:t>
+            </a:r>
+          </a:p>
+          <a:p>
+            <a:endParaRPr lang="en-MY" dirty="0"/>
           </a:p>
         </p:txBody>
       </p:sp>
       <p:pic>
         <p:nvPicPr>
-          <p:cNvPr id="6" name="Picture 5" descr="Text&#10;&#10;Description automatically generated">
+          <p:cNvPr id="6" name="Picture 5">
             <a:extLst>
               <a:ext uri="{FF2B5EF4-FFF2-40B4-BE49-F238E27FC236}">
-                <a16:creationId xmlns:a16="http://schemas.microsoft.com/office/drawing/2014/main" id="{5E06AA65-3C39-469B-9A64-8C9D2DD6D5AE}"/>
+                <a16:creationId xmlns:a16="http://schemas.microsoft.com/office/drawing/2014/main" id="{0D8D8A97-82EF-4B33-8B3D-B72CB3DFFF24}"/>
               </a:ext>
             </a:extLst>
           </p:cNvPr>
@@ -8409,8 +8414,38 @@
         </p:blipFill>
         <p:spPr>
           <a:xfrm>
-            <a:off x="767351" y="4133555"/>
-            <a:ext cx="8459381" cy="2114845"/>
+            <a:off x="7911217" y="1931643"/>
+            <a:ext cx="3410426" cy="2391109"/>
+          </a:xfrm>
+          <a:prstGeom prst="rect">
+            <a:avLst/>
+          </a:prstGeom>
+        </p:spPr>
+      </p:pic>
+      <p:pic>
+        <p:nvPicPr>
+          <p:cNvPr id="8" name="Picture 7">
+            <a:extLst>
+              <a:ext uri="{FF2B5EF4-FFF2-40B4-BE49-F238E27FC236}">
+                <a16:creationId xmlns:a16="http://schemas.microsoft.com/office/drawing/2014/main" id="{E862C698-F704-421B-B667-0082BAA41C71}"/>
+              </a:ext>
+            </a:extLst>
+          </p:cNvPr>
+          <p:cNvPicPr>
+            <a:picLocks noChangeAspect="1"/>
+          </p:cNvPicPr>
+          <p:nvPr/>
+        </p:nvPicPr>
+        <p:blipFill>
+          <a:blip r:embed="rId3"/>
+          <a:stretch>
+            <a:fillRect/>
+          </a:stretch>
+        </p:blipFill>
+        <p:spPr>
+          <a:xfrm>
+            <a:off x="7911217" y="4710345"/>
+            <a:ext cx="2381582" cy="1009791"/>
           </a:xfrm>
           <a:prstGeom prst="rect">
             <a:avLst/>
@@ -8420,7 +8455,404 @@
     </p:spTree>
     <p:extLst>
       <p:ext uri="{BB962C8B-B14F-4D97-AF65-F5344CB8AC3E}">
-        <p14:creationId xmlns:p14="http://schemas.microsoft.com/office/powerpoint/2010/main" val="138813403"/>
+        <p14:creationId xmlns:p14="http://schemas.microsoft.com/office/powerpoint/2010/main" val="692569666"/>
+      </p:ext>
+    </p:extLst>
+  </p:cSld>
+  <p:clrMapOvr>
+    <a:masterClrMapping/>
+  </p:clrMapOvr>
+</p:sld>
+</file>
+
+<file path=ppt/slides/slide7.xml><?xml version="1.0" encoding="utf-8"?>
+<p:sld xmlns:a="http://schemas.openxmlformats.org/drawingml/2006/main" xmlns:r="http://schemas.openxmlformats.org/officeDocument/2006/relationships" xmlns:p="http://schemas.openxmlformats.org/presentationml/2006/main">
+  <p:cSld>
+    <p:spTree>
+      <p:nvGrpSpPr>
+        <p:cNvPr id="1" name=""/>
+        <p:cNvGrpSpPr/>
+        <p:nvPr/>
+      </p:nvGrpSpPr>
+      <p:grpSpPr>
+        <a:xfrm>
+          <a:off x="0" y="0"/>
+          <a:ext cx="0" cy="0"/>
+          <a:chOff x="0" y="0"/>
+          <a:chExt cx="0" cy="0"/>
+        </a:xfrm>
+      </p:grpSpPr>
+      <p:sp>
+        <p:nvSpPr>
+          <p:cNvPr id="2" name="Title 1">
+            <a:extLst>
+              <a:ext uri="{FF2B5EF4-FFF2-40B4-BE49-F238E27FC236}">
+                <a16:creationId xmlns:a16="http://schemas.microsoft.com/office/drawing/2014/main" id="{7023638B-A1C5-49A2-B972-EA57AF607941}"/>
+              </a:ext>
+            </a:extLst>
+          </p:cNvPr>
+          <p:cNvSpPr>
+            <a:spLocks noGrp="1"/>
+          </p:cNvSpPr>
+          <p:nvPr>
+            <p:ph type="title"/>
+          </p:nvPr>
+        </p:nvSpPr>
+        <p:spPr/>
+        <p:txBody>
+          <a:bodyPr/>
+          <a:lstStyle/>
+          <a:p>
+            <a:r>
+              <a:rPr lang="en-US" dirty="0"/>
+              <a:t>In class practice: what is the result for those code?</a:t>
+            </a:r>
+            <a:endParaRPr lang="en-MY" dirty="0"/>
+          </a:p>
+        </p:txBody>
+      </p:sp>
+      <p:pic>
+        <p:nvPicPr>
+          <p:cNvPr id="4" name="Picture 3">
+            <a:extLst>
+              <a:ext uri="{FF2B5EF4-FFF2-40B4-BE49-F238E27FC236}">
+                <a16:creationId xmlns:a16="http://schemas.microsoft.com/office/drawing/2014/main" id="{578FF319-95E7-4A5B-B061-4D3FEFF1AED9}"/>
+              </a:ext>
+            </a:extLst>
+          </p:cNvPr>
+          <p:cNvPicPr>
+            <a:picLocks noChangeAspect="1"/>
+          </p:cNvPicPr>
+          <p:nvPr/>
+        </p:nvPicPr>
+        <p:blipFill>
+          <a:blip r:embed="rId2"/>
+          <a:stretch>
+            <a:fillRect/>
+          </a:stretch>
+        </p:blipFill>
+        <p:spPr>
+          <a:xfrm>
+            <a:off x="1666783" y="2501776"/>
+            <a:ext cx="3267531" cy="2429214"/>
+          </a:xfrm>
+          <a:prstGeom prst="rect">
+            <a:avLst/>
+          </a:prstGeom>
+        </p:spPr>
+      </p:pic>
+    </p:spTree>
+    <p:extLst>
+      <p:ext uri="{BB962C8B-B14F-4D97-AF65-F5344CB8AC3E}">
+        <p14:creationId xmlns:p14="http://schemas.microsoft.com/office/powerpoint/2010/main" val="1431496112"/>
+      </p:ext>
+    </p:extLst>
+  </p:cSld>
+  <p:clrMapOvr>
+    <a:masterClrMapping/>
+  </p:clrMapOvr>
+</p:sld>
+</file>
+
+<file path=ppt/slides/slide8.xml><?xml version="1.0" encoding="utf-8"?>
+<p:sld xmlns:a="http://schemas.openxmlformats.org/drawingml/2006/main" xmlns:r="http://schemas.openxmlformats.org/officeDocument/2006/relationships" xmlns:p="http://schemas.openxmlformats.org/presentationml/2006/main">
+  <p:cSld>
+    <p:spTree>
+      <p:nvGrpSpPr>
+        <p:cNvPr id="1" name=""/>
+        <p:cNvGrpSpPr/>
+        <p:nvPr/>
+      </p:nvGrpSpPr>
+      <p:grpSpPr>
+        <a:xfrm>
+          <a:off x="0" y="0"/>
+          <a:ext cx="0" cy="0"/>
+          <a:chOff x="0" y="0"/>
+          <a:chExt cx="0" cy="0"/>
+        </a:xfrm>
+      </p:grpSpPr>
+      <p:sp>
+        <p:nvSpPr>
+          <p:cNvPr id="2" name="Title 1">
+            <a:extLst>
+              <a:ext uri="{FF2B5EF4-FFF2-40B4-BE49-F238E27FC236}">
+                <a16:creationId xmlns:a16="http://schemas.microsoft.com/office/drawing/2014/main" id="{71EFE268-ED58-459E-9A77-F9480181D00F}"/>
+              </a:ext>
+            </a:extLst>
+          </p:cNvPr>
+          <p:cNvSpPr>
+            <a:spLocks noGrp="1"/>
+          </p:cNvSpPr>
+          <p:nvPr>
+            <p:ph type="title"/>
+          </p:nvPr>
+        </p:nvSpPr>
+        <p:spPr/>
+        <p:txBody>
+          <a:bodyPr/>
+          <a:lstStyle/>
+          <a:p>
+            <a:r>
+              <a:rPr lang="en-US" dirty="0"/>
+              <a:t>How value passed in function call</a:t>
+            </a:r>
+            <a:endParaRPr lang="en-MY" dirty="0"/>
+          </a:p>
+        </p:txBody>
+      </p:sp>
+      <p:sp>
+        <p:nvSpPr>
+          <p:cNvPr id="3" name="Content Placeholder 2">
+            <a:extLst>
+              <a:ext uri="{FF2B5EF4-FFF2-40B4-BE49-F238E27FC236}">
+                <a16:creationId xmlns:a16="http://schemas.microsoft.com/office/drawing/2014/main" id="{8F4FCF12-98B7-4059-8206-23321D32FA7E}"/>
+              </a:ext>
+            </a:extLst>
+          </p:cNvPr>
+          <p:cNvSpPr>
+            <a:spLocks noGrp="1"/>
+          </p:cNvSpPr>
+          <p:nvPr>
+            <p:ph idx="1"/>
+          </p:nvPr>
+        </p:nvSpPr>
+        <p:spPr>
+          <a:xfrm>
+            <a:off x="685801" y="2142067"/>
+            <a:ext cx="5925311" cy="3649133"/>
+          </a:xfrm>
+        </p:spPr>
+        <p:txBody>
+          <a:bodyPr anchor="t"/>
+          <a:lstStyle/>
+          <a:p>
+            <a:r>
+              <a:rPr lang="en-US" dirty="0"/>
+              <a:t>Pass by ref:</a:t>
+            </a:r>
+          </a:p>
+          <a:p>
+            <a:r>
+              <a:rPr lang="en-US" dirty="0"/>
+              <a:t>In python parameter passed like assignment, one more name associated with the data value which is the argument name inside the function.</a:t>
+            </a:r>
+            <a:endParaRPr lang="en-MY" dirty="0"/>
+          </a:p>
+        </p:txBody>
+      </p:sp>
+      <p:pic>
+        <p:nvPicPr>
+          <p:cNvPr id="5" name="Picture 4">
+            <a:extLst>
+              <a:ext uri="{FF2B5EF4-FFF2-40B4-BE49-F238E27FC236}">
+                <a16:creationId xmlns:a16="http://schemas.microsoft.com/office/drawing/2014/main" id="{EAA02629-8430-4591-90E9-F5F6DBED5BBE}"/>
+              </a:ext>
+            </a:extLst>
+          </p:cNvPr>
+          <p:cNvPicPr>
+            <a:picLocks noChangeAspect="1"/>
+          </p:cNvPicPr>
+          <p:nvPr/>
+        </p:nvPicPr>
+        <p:blipFill>
+          <a:blip r:embed="rId2"/>
+          <a:stretch>
+            <a:fillRect/>
+          </a:stretch>
+        </p:blipFill>
+        <p:spPr>
+          <a:xfrm>
+            <a:off x="8650042" y="923575"/>
+            <a:ext cx="2762636" cy="5010849"/>
+          </a:xfrm>
+          <a:prstGeom prst="rect">
+            <a:avLst/>
+          </a:prstGeom>
+        </p:spPr>
+      </p:pic>
+    </p:spTree>
+    <p:extLst>
+      <p:ext uri="{BB962C8B-B14F-4D97-AF65-F5344CB8AC3E}">
+        <p14:creationId xmlns:p14="http://schemas.microsoft.com/office/powerpoint/2010/main" val="1466285209"/>
+      </p:ext>
+    </p:extLst>
+  </p:cSld>
+  <p:clrMapOvr>
+    <a:masterClrMapping/>
+  </p:clrMapOvr>
+</p:sld>
+</file>
+
+<file path=ppt/slides/slide9.xml><?xml version="1.0" encoding="utf-8"?>
+<p:sld xmlns:a="http://schemas.openxmlformats.org/drawingml/2006/main" xmlns:r="http://schemas.openxmlformats.org/officeDocument/2006/relationships" xmlns:p="http://schemas.openxmlformats.org/presentationml/2006/main">
+  <p:cSld>
+    <p:spTree>
+      <p:nvGrpSpPr>
+        <p:cNvPr id="1" name=""/>
+        <p:cNvGrpSpPr/>
+        <p:nvPr/>
+      </p:nvGrpSpPr>
+      <p:grpSpPr>
+        <a:xfrm>
+          <a:off x="0" y="0"/>
+          <a:ext cx="0" cy="0"/>
+          <a:chOff x="0" y="0"/>
+          <a:chExt cx="0" cy="0"/>
+        </a:xfrm>
+      </p:grpSpPr>
+      <p:sp>
+        <p:nvSpPr>
+          <p:cNvPr id="2" name="Title 1">
+            <a:extLst>
+              <a:ext uri="{FF2B5EF4-FFF2-40B4-BE49-F238E27FC236}">
+                <a16:creationId xmlns:a16="http://schemas.microsoft.com/office/drawing/2014/main" id="{7023638B-A1C5-49A2-B972-EA57AF607941}"/>
+              </a:ext>
+            </a:extLst>
+          </p:cNvPr>
+          <p:cNvSpPr>
+            <a:spLocks noGrp="1"/>
+          </p:cNvSpPr>
+          <p:nvPr>
+            <p:ph type="title"/>
+          </p:nvPr>
+        </p:nvSpPr>
+        <p:spPr/>
+        <p:txBody>
+          <a:bodyPr/>
+          <a:lstStyle/>
+          <a:p>
+            <a:r>
+              <a:rPr lang="en-US" dirty="0"/>
+              <a:t>In class practice: what is the result for those code?</a:t>
+            </a:r>
+            <a:endParaRPr lang="en-MY" dirty="0"/>
+          </a:p>
+        </p:txBody>
+      </p:sp>
+      <p:pic>
+        <p:nvPicPr>
+          <p:cNvPr id="5" name="Picture 4">
+            <a:extLst>
+              <a:ext uri="{FF2B5EF4-FFF2-40B4-BE49-F238E27FC236}">
+                <a16:creationId xmlns:a16="http://schemas.microsoft.com/office/drawing/2014/main" id="{D805D1C1-2A11-440C-9B17-0B6913880466}"/>
+              </a:ext>
+            </a:extLst>
+          </p:cNvPr>
+          <p:cNvPicPr>
+            <a:picLocks noChangeAspect="1"/>
+          </p:cNvPicPr>
+          <p:nvPr/>
+        </p:nvPicPr>
+        <p:blipFill>
+          <a:blip r:embed="rId2"/>
+          <a:stretch>
+            <a:fillRect/>
+          </a:stretch>
+        </p:blipFill>
+        <p:spPr>
+          <a:xfrm>
+            <a:off x="821218" y="2436956"/>
+            <a:ext cx="1562318" cy="1200318"/>
+          </a:xfrm>
+          <a:prstGeom prst="rect">
+            <a:avLst/>
+          </a:prstGeom>
+        </p:spPr>
+      </p:pic>
+      <p:pic>
+        <p:nvPicPr>
+          <p:cNvPr id="7" name="Picture 6">
+            <a:extLst>
+              <a:ext uri="{FF2B5EF4-FFF2-40B4-BE49-F238E27FC236}">
+                <a16:creationId xmlns:a16="http://schemas.microsoft.com/office/drawing/2014/main" id="{19E722A4-C31D-4FA3-99F5-B9CD632A8327}"/>
+              </a:ext>
+            </a:extLst>
+          </p:cNvPr>
+          <p:cNvPicPr>
+            <a:picLocks noChangeAspect="1"/>
+          </p:cNvPicPr>
+          <p:nvPr/>
+        </p:nvPicPr>
+        <p:blipFill>
+          <a:blip r:embed="rId3"/>
+          <a:stretch>
+            <a:fillRect/>
+          </a:stretch>
+        </p:blipFill>
+        <p:spPr>
+          <a:xfrm>
+            <a:off x="3462368" y="2436956"/>
+            <a:ext cx="1505160" cy="1124107"/>
+          </a:xfrm>
+          <a:prstGeom prst="rect">
+            <a:avLst/>
+          </a:prstGeom>
+        </p:spPr>
+      </p:pic>
+      <p:pic>
+        <p:nvPicPr>
+          <p:cNvPr id="9" name="Picture 8">
+            <a:extLst>
+              <a:ext uri="{FF2B5EF4-FFF2-40B4-BE49-F238E27FC236}">
+                <a16:creationId xmlns:a16="http://schemas.microsoft.com/office/drawing/2014/main" id="{1B55B977-EF09-41B8-8A17-33D4E6534017}"/>
+              </a:ext>
+            </a:extLst>
+          </p:cNvPr>
+          <p:cNvPicPr>
+            <a:picLocks noChangeAspect="1"/>
+          </p:cNvPicPr>
+          <p:nvPr/>
+        </p:nvPicPr>
+        <p:blipFill>
+          <a:blip r:embed="rId4"/>
+          <a:stretch>
+            <a:fillRect/>
+          </a:stretch>
+        </p:blipFill>
+        <p:spPr>
+          <a:xfrm>
+            <a:off x="6396926" y="2436956"/>
+            <a:ext cx="1467055" cy="1514686"/>
+          </a:xfrm>
+          <a:prstGeom prst="rect">
+            <a:avLst/>
+          </a:prstGeom>
+        </p:spPr>
+      </p:pic>
+      <p:pic>
+        <p:nvPicPr>
+          <p:cNvPr id="11" name="Picture 10">
+            <a:extLst>
+              <a:ext uri="{FF2B5EF4-FFF2-40B4-BE49-F238E27FC236}">
+                <a16:creationId xmlns:a16="http://schemas.microsoft.com/office/drawing/2014/main" id="{5AE1240C-41E4-42D8-A2F3-2EC5D883B2CC}"/>
+              </a:ext>
+            </a:extLst>
+          </p:cNvPr>
+          <p:cNvPicPr>
+            <a:picLocks noChangeAspect="1"/>
+          </p:cNvPicPr>
+          <p:nvPr/>
+        </p:nvPicPr>
+        <p:blipFill>
+          <a:blip r:embed="rId5"/>
+          <a:stretch>
+            <a:fillRect/>
+          </a:stretch>
+        </p:blipFill>
+        <p:spPr>
+          <a:xfrm>
+            <a:off x="9153964" y="2436956"/>
+            <a:ext cx="2057687" cy="1543265"/>
+          </a:xfrm>
+          <a:prstGeom prst="rect">
+            <a:avLst/>
+          </a:prstGeom>
+        </p:spPr>
+      </p:pic>
+    </p:spTree>
+    <p:extLst>
+      <p:ext uri="{BB962C8B-B14F-4D97-AF65-F5344CB8AC3E}">
+        <p14:creationId xmlns:p14="http://schemas.microsoft.com/office/powerpoint/2010/main" val="1789888979"/>
       </p:ext>
     </p:extLst>
   </p:cSld>
